--- a/cts_python_practitioner_day4_v1_2019.pptx
+++ b/cts_python_practitioner_day4_v1_2019.pptx
@@ -5,7 +5,7 @@
     <p:sldMasterId id="2147483660" r:id="rId1"/>
   </p:sldMasterIdLst>
   <p:notesMasterIdLst>
-    <p:notesMasterId r:id="rId40"/>
+    <p:notesMasterId r:id="rId41"/>
   </p:notesMasterIdLst>
   <p:sldIdLst>
     <p:sldId id="272" r:id="rId2"/>
@@ -29,28 +29,29 @@
     <p:sldId id="347" r:id="rId20"/>
     <p:sldId id="349" r:id="rId21"/>
     <p:sldId id="350" r:id="rId22"/>
-    <p:sldId id="348" r:id="rId23"/>
-    <p:sldId id="352" r:id="rId24"/>
-    <p:sldId id="351" r:id="rId25"/>
-    <p:sldId id="353" r:id="rId26"/>
-    <p:sldId id="354" r:id="rId27"/>
-    <p:sldId id="356" r:id="rId28"/>
-    <p:sldId id="276" r:id="rId29"/>
-    <p:sldId id="355" r:id="rId30"/>
-    <p:sldId id="357" r:id="rId31"/>
-    <p:sldId id="358" r:id="rId32"/>
-    <p:sldId id="264" r:id="rId33"/>
-    <p:sldId id="271" r:id="rId34"/>
-    <p:sldId id="359" r:id="rId35"/>
-    <p:sldId id="266" r:id="rId36"/>
-    <p:sldId id="360" r:id="rId37"/>
-    <p:sldId id="267" r:id="rId38"/>
-    <p:sldId id="268" r:id="rId39"/>
+    <p:sldId id="361" r:id="rId23"/>
+    <p:sldId id="348" r:id="rId24"/>
+    <p:sldId id="352" r:id="rId25"/>
+    <p:sldId id="351" r:id="rId26"/>
+    <p:sldId id="353" r:id="rId27"/>
+    <p:sldId id="354" r:id="rId28"/>
+    <p:sldId id="356" r:id="rId29"/>
+    <p:sldId id="276" r:id="rId30"/>
+    <p:sldId id="355" r:id="rId31"/>
+    <p:sldId id="357" r:id="rId32"/>
+    <p:sldId id="358" r:id="rId33"/>
+    <p:sldId id="264" r:id="rId34"/>
+    <p:sldId id="271" r:id="rId35"/>
+    <p:sldId id="359" r:id="rId36"/>
+    <p:sldId id="266" r:id="rId37"/>
+    <p:sldId id="360" r:id="rId38"/>
+    <p:sldId id="267" r:id="rId39"/>
+    <p:sldId id="268" r:id="rId40"/>
   </p:sldIdLst>
   <p:sldSz cx="9144000" cy="5143500" type="screen16x9"/>
   <p:notesSz cx="6858000" cy="9144000"/>
   <p:custDataLst>
-    <p:tags r:id="rId41"/>
+    <p:tags r:id="rId42"/>
   </p:custDataLst>
   <p:defaultTextStyle>
     <a:defPPr>
@@ -3281,10 +3282,9 @@
         <a:lstStyle/>
         <a:p>
           <a:r>
-            <a:rPr lang="en-US" dirty="0" smtClean="0"/>
+            <a:rPr lang="en-US" dirty="0"/>
             <a:t>Object1</a:t>
           </a:r>
-          <a:endParaRPr lang="en-US" dirty="0"/>
         </a:p>
       </dgm:t>
     </dgm:pt>
@@ -3318,10 +3318,9 @@
         <a:lstStyle/>
         <a:p>
           <a:r>
-            <a:rPr lang="en-US" dirty="0" smtClean="0"/>
+            <a:rPr lang="en-US" dirty="0"/>
             <a:t>Object2</a:t>
           </a:r>
-          <a:endParaRPr lang="en-US" dirty="0"/>
         </a:p>
       </dgm:t>
     </dgm:pt>
@@ -3355,10 +3354,9 @@
         <a:lstStyle/>
         <a:p>
           <a:r>
-            <a:rPr lang="en-US" dirty="0" smtClean="0"/>
+            <a:rPr lang="en-US" dirty="0"/>
             <a:t>Object3</a:t>
           </a:r>
-          <a:endParaRPr lang="en-US" dirty="0"/>
         </a:p>
       </dgm:t>
     </dgm:pt>
@@ -3392,10 +3390,9 @@
         <a:lstStyle/>
         <a:p>
           <a:r>
-            <a:rPr lang="en-US" dirty="0" smtClean="0"/>
+            <a:rPr lang="en-US" dirty="0"/>
             <a:t>Output</a:t>
           </a:r>
-          <a:endParaRPr lang="en-US" dirty="0"/>
         </a:p>
       </dgm:t>
     </dgm:pt>
@@ -3429,13 +3426,6 @@
         </dgm:presLayoutVars>
       </dgm:prSet>
       <dgm:spPr/>
-      <dgm:t>
-        <a:bodyPr/>
-        <a:lstStyle/>
-        <a:p>
-          <a:endParaRPr lang="en-US"/>
-        </a:p>
-      </dgm:t>
     </dgm:pt>
     <dgm:pt modelId="{89CA82C6-8EE9-4B7D-AF9B-B8F9A1FF20CE}" type="pres">
       <dgm:prSet presAssocID="{09BE3AEA-2F60-4BE9-8AC1-87C966DE69F6}" presName="ellipse" presStyleLbl="trBgShp" presStyleIdx="0" presStyleCnt="1"/>
@@ -3452,13 +3442,6 @@
         </dgm:presLayoutVars>
       </dgm:prSet>
       <dgm:spPr/>
-      <dgm:t>
-        <a:bodyPr/>
-        <a:lstStyle/>
-        <a:p>
-          <a:endParaRPr lang="en-US"/>
-        </a:p>
-      </dgm:t>
     </dgm:pt>
     <dgm:pt modelId="{454284EB-4155-4601-BC20-58F80E1878B0}" type="pres">
       <dgm:prSet presAssocID="{BD0C32F4-5B7C-444E-9E5B-741C966A9090}" presName="item1" presStyleLbl="node1" presStyleIdx="0" presStyleCnt="3">
@@ -3467,13 +3450,6 @@
         </dgm:presLayoutVars>
       </dgm:prSet>
       <dgm:spPr/>
-      <dgm:t>
-        <a:bodyPr/>
-        <a:lstStyle/>
-        <a:p>
-          <a:endParaRPr lang="en-US"/>
-        </a:p>
-      </dgm:t>
     </dgm:pt>
     <dgm:pt modelId="{74DF36F6-7435-401D-9D99-80FEB0522089}" type="pres">
       <dgm:prSet presAssocID="{488A6F26-EA5B-4EC0-874B-DB351C009BA5}" presName="item2" presStyleLbl="node1" presStyleIdx="1" presStyleCnt="3">
@@ -3482,13 +3458,6 @@
         </dgm:presLayoutVars>
       </dgm:prSet>
       <dgm:spPr/>
-      <dgm:t>
-        <a:bodyPr/>
-        <a:lstStyle/>
-        <a:p>
-          <a:endParaRPr lang="en-US"/>
-        </a:p>
-      </dgm:t>
     </dgm:pt>
     <dgm:pt modelId="{B50AA406-C79E-4118-829C-A7BCDAFB377C}" type="pres">
       <dgm:prSet presAssocID="{2BCAC36D-4F6D-4A20-A44A-922324446A8A}" presName="item3" presStyleLbl="node1" presStyleIdx="2" presStyleCnt="3">
@@ -3497,13 +3466,6 @@
         </dgm:presLayoutVars>
       </dgm:prSet>
       <dgm:spPr/>
-      <dgm:t>
-        <a:bodyPr/>
-        <a:lstStyle/>
-        <a:p>
-          <a:endParaRPr lang="en-US"/>
-        </a:p>
-      </dgm:t>
     </dgm:pt>
     <dgm:pt modelId="{27591BB8-8A28-4FFA-BD93-758B54FD4684}" type="pres">
       <dgm:prSet presAssocID="{09BE3AEA-2F60-4BE9-8AC1-87C966DE69F6}" presName="funnel" presStyleLbl="trAlignAcc1" presStyleIdx="0" presStyleCnt="1"/>
@@ -3511,14 +3473,14 @@
     </dgm:pt>
   </dgm:ptLst>
   <dgm:cxnLst>
+    <dgm:cxn modelId="{B9159354-CB10-4C8C-9585-1901D8A463AA}" type="presOf" srcId="{AB9984DB-7FFB-4337-A146-EF59DFB92DC1}" destId="{B50AA406-C79E-4118-829C-A7BCDAFB377C}" srcOrd="0" destOrd="0" presId="urn:microsoft.com/office/officeart/2005/8/layout/funnel1"/>
+    <dgm:cxn modelId="{BC130964-780C-4F24-910B-F135A7CAD82E}" srcId="{09BE3AEA-2F60-4BE9-8AC1-87C966DE69F6}" destId="{AB9984DB-7FFB-4337-A146-EF59DFB92DC1}" srcOrd="0" destOrd="0" parTransId="{3D8DB247-F832-424C-8D24-2D4405F610CF}" sibTransId="{B52D8369-ACE4-4709-BF7F-03B39D242F85}"/>
+    <dgm:cxn modelId="{CAA14F7D-83D4-48A6-B3D7-692C79707616}" srcId="{09BE3AEA-2F60-4BE9-8AC1-87C966DE69F6}" destId="{BD0C32F4-5B7C-444E-9E5B-741C966A9090}" srcOrd="1" destOrd="0" parTransId="{C095CA84-43AE-49CC-AE77-699ACA5BC790}" sibTransId="{561A46B6-5405-46A7-88B5-4421BE49BFDB}"/>
+    <dgm:cxn modelId="{34F4D989-A3DC-4BC4-AB70-2CDFCFAB1B27}" type="presOf" srcId="{BD0C32F4-5B7C-444E-9E5B-741C966A9090}" destId="{74DF36F6-7435-401D-9D99-80FEB0522089}" srcOrd="0" destOrd="0" presId="urn:microsoft.com/office/officeart/2005/8/layout/funnel1"/>
     <dgm:cxn modelId="{394AA9C6-4B80-47F1-841B-D4C3F9F232E6}" type="presOf" srcId="{2BCAC36D-4F6D-4A20-A44A-922324446A8A}" destId="{0261D9AC-2067-411D-907C-7DC43070E80C}" srcOrd="0" destOrd="0" presId="urn:microsoft.com/office/officeart/2005/8/layout/funnel1"/>
     <dgm:cxn modelId="{FE727FF1-03B5-4A62-81BD-6A1F69B7F7DC}" type="presOf" srcId="{09BE3AEA-2F60-4BE9-8AC1-87C966DE69F6}" destId="{0F8B5577-C528-426F-8487-72309ACF6206}" srcOrd="0" destOrd="0" presId="urn:microsoft.com/office/officeart/2005/8/layout/funnel1"/>
-    <dgm:cxn modelId="{34F4D989-A3DC-4BC4-AB70-2CDFCFAB1B27}" type="presOf" srcId="{BD0C32F4-5B7C-444E-9E5B-741C966A9090}" destId="{74DF36F6-7435-401D-9D99-80FEB0522089}" srcOrd="0" destOrd="0" presId="urn:microsoft.com/office/officeart/2005/8/layout/funnel1"/>
+    <dgm:cxn modelId="{72E3ABF9-9C67-4D4C-A75E-25C0B45F2738}" type="presOf" srcId="{488A6F26-EA5B-4EC0-874B-DB351C009BA5}" destId="{454284EB-4155-4601-BC20-58F80E1878B0}" srcOrd="0" destOrd="0" presId="urn:microsoft.com/office/officeart/2005/8/layout/funnel1"/>
     <dgm:cxn modelId="{A1997FFC-194C-4E3B-93B2-65C269F61EF4}" srcId="{09BE3AEA-2F60-4BE9-8AC1-87C966DE69F6}" destId="{488A6F26-EA5B-4EC0-874B-DB351C009BA5}" srcOrd="2" destOrd="0" parTransId="{A06C20F2-58A9-42BB-8697-8C15DE22CA06}" sibTransId="{A10AF9BB-E714-4D11-AF1B-10B19308E01B}"/>
-    <dgm:cxn modelId="{CAA14F7D-83D4-48A6-B3D7-692C79707616}" srcId="{09BE3AEA-2F60-4BE9-8AC1-87C966DE69F6}" destId="{BD0C32F4-5B7C-444E-9E5B-741C966A9090}" srcOrd="1" destOrd="0" parTransId="{C095CA84-43AE-49CC-AE77-699ACA5BC790}" sibTransId="{561A46B6-5405-46A7-88B5-4421BE49BFDB}"/>
-    <dgm:cxn modelId="{B9159354-CB10-4C8C-9585-1901D8A463AA}" type="presOf" srcId="{AB9984DB-7FFB-4337-A146-EF59DFB92DC1}" destId="{B50AA406-C79E-4118-829C-A7BCDAFB377C}" srcOrd="0" destOrd="0" presId="urn:microsoft.com/office/officeart/2005/8/layout/funnel1"/>
-    <dgm:cxn modelId="{BC130964-780C-4F24-910B-F135A7CAD82E}" srcId="{09BE3AEA-2F60-4BE9-8AC1-87C966DE69F6}" destId="{AB9984DB-7FFB-4337-A146-EF59DFB92DC1}" srcOrd="0" destOrd="0" parTransId="{3D8DB247-F832-424C-8D24-2D4405F610CF}" sibTransId="{B52D8369-ACE4-4709-BF7F-03B39D242F85}"/>
-    <dgm:cxn modelId="{72E3ABF9-9C67-4D4C-A75E-25C0B45F2738}" type="presOf" srcId="{488A6F26-EA5B-4EC0-874B-DB351C009BA5}" destId="{454284EB-4155-4601-BC20-58F80E1878B0}" srcOrd="0" destOrd="0" presId="urn:microsoft.com/office/officeart/2005/8/layout/funnel1"/>
     <dgm:cxn modelId="{7D9A58FD-E9A0-461F-84F3-F9BABEACE5E6}" srcId="{09BE3AEA-2F60-4BE9-8AC1-87C966DE69F6}" destId="{2BCAC36D-4F6D-4A20-A44A-922324446A8A}" srcOrd="3" destOrd="0" parTransId="{B1B29E63-DB61-4CED-AFB3-C9C6D181CC4E}" sibTransId="{53F82463-DF20-4036-B9DC-11560A6283E4}"/>
     <dgm:cxn modelId="{E9AD9045-8B6F-4D86-B4D5-515370AE0B4F}" type="presParOf" srcId="{0F8B5577-C528-426F-8487-72309ACF6206}" destId="{89CA82C6-8EE9-4B7D-AF9B-B8F9A1FF20CE}" srcOrd="0" destOrd="0" presId="urn:microsoft.com/office/officeart/2005/8/layout/funnel1"/>
     <dgm:cxn modelId="{6522E809-DF92-4EE6-B1E6-7A92E4429DC2}" type="presParOf" srcId="{0F8B5577-C528-426F-8487-72309ACF6206}" destId="{D029F2A8-A90C-40A8-86B4-6C68F6461B45}" srcOrd="1" destOrd="0" presId="urn:microsoft.com/office/officeart/2005/8/layout/funnel1"/>
@@ -3560,10 +3522,9 @@
         <a:lstStyle/>
         <a:p>
           <a:r>
-            <a:rPr lang="en-US" dirty="0" smtClean="0"/>
+            <a:rPr lang="en-US" dirty="0"/>
             <a:t>OOP</a:t>
           </a:r>
-          <a:endParaRPr lang="en-US" dirty="0"/>
         </a:p>
       </dgm:t>
     </dgm:pt>
@@ -3597,10 +3558,9 @@
         <a:lstStyle/>
         <a:p>
           <a:r>
-            <a:rPr lang="en-US" dirty="0" smtClean="0"/>
+            <a:rPr lang="en-US" dirty="0"/>
             <a:t>Benefits</a:t>
           </a:r>
-          <a:endParaRPr lang="en-US" dirty="0"/>
         </a:p>
       </dgm:t>
     </dgm:pt>
@@ -3634,10 +3594,9 @@
         <a:lstStyle/>
         <a:p>
           <a:r>
-            <a:rPr lang="en-US" b="0" i="0" dirty="0" smtClean="0"/>
+            <a:rPr lang="en-US" b="0" i="0" dirty="0"/>
             <a:t>It provides a clear modular structure.</a:t>
           </a:r>
-          <a:endParaRPr lang="en-US" b="0" i="0" dirty="0"/>
         </a:p>
       </dgm:t>
     </dgm:pt>
@@ -3671,10 +3630,9 @@
         <a:lstStyle/>
         <a:p>
           <a:r>
-            <a:rPr lang="en-US" b="0" i="0" dirty="0" smtClean="0"/>
+            <a:rPr lang="en-US" b="0" i="0" dirty="0"/>
             <a:t>Objects can also be reused within an across applications.</a:t>
           </a:r>
-          <a:endParaRPr lang="en-US" b="0" i="0" dirty="0"/>
         </a:p>
       </dgm:t>
     </dgm:pt>
@@ -3708,10 +3666,9 @@
         <a:lstStyle/>
         <a:p>
           <a:r>
-            <a:rPr lang="en-US" b="0" i="0" dirty="0" smtClean="0"/>
+            <a:rPr lang="en-US" b="0" i="0" dirty="0"/>
             <a:t>It makes software easier to maintain.</a:t>
           </a:r>
-          <a:endParaRPr lang="en-US" b="0" i="0" dirty="0"/>
         </a:p>
       </dgm:t>
     </dgm:pt>
@@ -3745,10 +3702,9 @@
         <a:lstStyle/>
         <a:p>
           <a:r>
-            <a:rPr lang="en-US" b="0" i="0" dirty="0" smtClean="0"/>
+            <a:rPr lang="en-US" b="0" i="0" dirty="0"/>
             <a:t>Reusability also enables faster development.</a:t>
           </a:r>
-          <a:endParaRPr lang="en-US" b="0" i="0" dirty="0"/>
         </a:p>
       </dgm:t>
     </dgm:pt>
@@ -3782,10 +3738,9 @@
         <a:lstStyle/>
         <a:p>
           <a:r>
-            <a:rPr lang="en-US" b="0" i="0" dirty="0" smtClean="0"/>
+            <a:rPr lang="en-US" b="0" i="0" dirty="0"/>
             <a:t>The software components can be easily adapted and modified by the programmers.</a:t>
           </a:r>
-          <a:endParaRPr lang="en-US" b="0" i="0" dirty="0"/>
         </a:p>
       </dgm:t>
     </dgm:pt>
@@ -3819,10 +3774,9 @@
         <a:lstStyle/>
         <a:p>
           <a:r>
-            <a:rPr lang="en-US" b="0" i="0" dirty="0" smtClean="0"/>
+            <a:rPr lang="en-US" b="0" i="0" dirty="0"/>
             <a:t>It implements real life scenario.</a:t>
           </a:r>
-          <a:endParaRPr lang="en-US" b="0" i="0" dirty="0"/>
         </a:p>
       </dgm:t>
     </dgm:pt>
@@ -3856,10 +3810,9 @@
         <a:lstStyle/>
         <a:p>
           <a:r>
-            <a:rPr lang="en-US" b="0" i="0" dirty="0" smtClean="0"/>
+            <a:rPr lang="en-US" b="0" i="0" dirty="0"/>
             <a:t>The productivity of programmers increases.</a:t>
           </a:r>
-          <a:endParaRPr lang="en-US" b="0" i="0" dirty="0"/>
         </a:p>
       </dgm:t>
     </dgm:pt>
@@ -3893,10 +3846,9 @@
         <a:lstStyle/>
         <a:p>
           <a:r>
-            <a:rPr lang="en-US" b="0" i="0" dirty="0" smtClean="0"/>
+            <a:rPr lang="en-US" b="0" i="0" dirty="0"/>
             <a:t>Data is safe and secure with data abstraction.</a:t>
           </a:r>
-          <a:endParaRPr lang="en-US" b="0" i="0" dirty="0"/>
         </a:p>
       </dgm:t>
     </dgm:pt>
@@ -3933,13 +3885,6 @@
         </dgm:presLayoutVars>
       </dgm:prSet>
       <dgm:spPr/>
-      <dgm:t>
-        <a:bodyPr/>
-        <a:lstStyle/>
-        <a:p>
-          <a:endParaRPr lang="en-US"/>
-        </a:p>
-      </dgm:t>
     </dgm:pt>
     <dgm:pt modelId="{775AA4FF-8CB7-4405-AE38-E3708572E747}" type="pres">
       <dgm:prSet presAssocID="{BE874725-5F49-46EE-8DD1-F97FE0C83CEA}" presName="composite" presStyleCnt="0"/>
@@ -3954,13 +3899,6 @@
         </dgm:presLayoutVars>
       </dgm:prSet>
       <dgm:spPr/>
-      <dgm:t>
-        <a:bodyPr/>
-        <a:lstStyle/>
-        <a:p>
-          <a:endParaRPr lang="en-US"/>
-        </a:p>
-      </dgm:t>
     </dgm:pt>
     <dgm:pt modelId="{7EEEA72B-471B-47A6-B323-5C0E7C8CC150}" type="pres">
       <dgm:prSet presAssocID="{BE874725-5F49-46EE-8DD1-F97FE0C83CEA}" presName="Parent" presStyleLbl="alignNode1" presStyleIdx="0" presStyleCnt="1">
@@ -3971,13 +3909,6 @@
         </dgm:presLayoutVars>
       </dgm:prSet>
       <dgm:spPr/>
-      <dgm:t>
-        <a:bodyPr/>
-        <a:lstStyle/>
-        <a:p>
-          <a:endParaRPr lang="en-US"/>
-        </a:p>
-      </dgm:t>
     </dgm:pt>
     <dgm:pt modelId="{5A17C8E7-8455-4702-BB7E-78DF9FD2E832}" type="pres">
       <dgm:prSet presAssocID="{BE874725-5F49-46EE-8DD1-F97FE0C83CEA}" presName="Accent" presStyleLbl="parChTrans1D1" presStyleIdx="0" presStyleCnt="1"/>
@@ -3992,37 +3923,30 @@
         </dgm:presLayoutVars>
       </dgm:prSet>
       <dgm:spPr/>
-      <dgm:t>
-        <a:bodyPr/>
-        <a:lstStyle/>
-        <a:p>
-          <a:endParaRPr lang="en-US"/>
-        </a:p>
-      </dgm:t>
     </dgm:pt>
   </dgm:ptLst>
   <dgm:cxnLst>
+    <dgm:cxn modelId="{EFF50C28-4B59-4F69-BCCA-EFE9075DD21A}" type="presOf" srcId="{F5ABB2ED-785A-4D9A-8C7D-0313DEFC8289}" destId="{7E7F2E31-0F1C-4CC2-9784-5F4FDAE5FB90}" srcOrd="0" destOrd="0" presId="urn:microsoft.com/office/officeart/2011/layout/TabList"/>
+    <dgm:cxn modelId="{10A4FE31-438C-430D-8326-676E25F9EEF1}" srcId="{BE874725-5F49-46EE-8DD1-F97FE0C83CEA}" destId="{9EE2239A-F3B6-47DF-883B-A551F5A43671}" srcOrd="4" destOrd="0" parTransId="{BCCCCDA3-68A0-43FB-84F6-75AA8EF73DBB}" sibTransId="{B3AE473E-1372-47A8-8801-372C69B583EA}"/>
     <dgm:cxn modelId="{6AF72541-02EB-4DE9-AE29-6A8918B08F30}" srcId="{BE874725-5F49-46EE-8DD1-F97FE0C83CEA}" destId="{6DB36BD6-D707-4655-B470-F0CEA5F38B8A}" srcOrd="7" destOrd="0" parTransId="{D8FEABAB-B62B-47AD-859A-78207DF534C7}" sibTransId="{D34E532E-B361-487E-B79C-485C963BC8AC}"/>
+    <dgm:cxn modelId="{BDFE2C42-8770-4473-9376-F6FA946222DD}" type="presOf" srcId="{6DB36BD6-D707-4655-B470-F0CEA5F38B8A}" destId="{7E7F2E31-0F1C-4CC2-9784-5F4FDAE5FB90}" srcOrd="0" destOrd="6" presId="urn:microsoft.com/office/officeart/2011/layout/TabList"/>
+    <dgm:cxn modelId="{BC8E724D-66A9-4A6E-B152-78E4AD7EE3B0}" type="presOf" srcId="{C83159BE-F26B-4E38-9965-3513643EF3DE}" destId="{7E7F2E31-0F1C-4CC2-9784-5F4FDAE5FB90}" srcOrd="0" destOrd="1" presId="urn:microsoft.com/office/officeart/2011/layout/TabList"/>
+    <dgm:cxn modelId="{6B42C74D-689F-468D-87DF-006650136509}" type="presOf" srcId="{B6B96704-5859-4266-8C4D-13701F24D590}" destId="{7E7F2E31-0F1C-4CC2-9784-5F4FDAE5FB90}" srcOrd="0" destOrd="5" presId="urn:microsoft.com/office/officeart/2011/layout/TabList"/>
+    <dgm:cxn modelId="{AA477751-8501-4083-AB8A-911FD70DCE08}" type="presOf" srcId="{AC985C21-42C9-429C-956A-4C084AB5547A}" destId="{88A4544D-52E6-416A-B3DF-FFE4F6CD79FD}" srcOrd="0" destOrd="0" presId="urn:microsoft.com/office/officeart/2011/layout/TabList"/>
+    <dgm:cxn modelId="{08543580-C7BE-4569-B8F3-F274E6816E24}" type="presOf" srcId="{2761C384-5794-4B3E-BABD-07DD155C0531}" destId="{DCDCC7AF-C182-42EC-87B9-86024B8E8CCB}" srcOrd="0" destOrd="0" presId="urn:microsoft.com/office/officeart/2011/layout/TabList"/>
+    <dgm:cxn modelId="{8F2C988F-E003-4082-884E-4D9B5DCA7104}" srcId="{BE874725-5F49-46EE-8DD1-F97FE0C83CEA}" destId="{30D54825-25E6-4CCD-9948-28843BD51318}" srcOrd="8" destOrd="0" parTransId="{167CE6EA-FF06-4514-A7B1-2831CEC61EE6}" sibTransId="{B699D73C-2452-4390-BF4B-642FE6D3A350}"/>
+    <dgm:cxn modelId="{EE887994-05F0-4491-8BC9-45A2F1CBF5B1}" type="presOf" srcId="{BE874725-5F49-46EE-8DD1-F97FE0C83CEA}" destId="{7EEEA72B-471B-47A6-B323-5C0E7C8CC150}" srcOrd="0" destOrd="0" presId="urn:microsoft.com/office/officeart/2011/layout/TabList"/>
+    <dgm:cxn modelId="{813F4CAC-27EE-4218-A33A-9EF313FB8745}" type="presOf" srcId="{4509AE69-810E-48B7-8561-E1A34865AB24}" destId="{7E7F2E31-0F1C-4CC2-9784-5F4FDAE5FB90}" srcOrd="0" destOrd="4" presId="urn:microsoft.com/office/officeart/2011/layout/TabList"/>
+    <dgm:cxn modelId="{993989B4-30D2-4707-A9EF-AA60509F035B}" srcId="{AC985C21-42C9-429C-956A-4C084AB5547A}" destId="{BE874725-5F49-46EE-8DD1-F97FE0C83CEA}" srcOrd="0" destOrd="0" parTransId="{2929FBE0-ED24-4E42-9261-36AAD99237B9}" sibTransId="{2A1C6C02-9C7A-46D4-A095-2B37E33C3CE1}"/>
+    <dgm:cxn modelId="{F75611B7-7CC2-4BD9-9F85-5903FFE59B7A}" srcId="{BE874725-5F49-46EE-8DD1-F97FE0C83CEA}" destId="{C83159BE-F26B-4E38-9965-3513643EF3DE}" srcOrd="2" destOrd="0" parTransId="{75FD8863-4E45-4E31-B054-7AD3F9770677}" sibTransId="{2786BDB5-2E47-42D2-AF98-FF9387827E69}"/>
     <dgm:cxn modelId="{D7C34CC1-0FDC-4214-9C81-C9772611B48A}" srcId="{BE874725-5F49-46EE-8DD1-F97FE0C83CEA}" destId="{B6B96704-5859-4266-8C4D-13701F24D590}" srcOrd="6" destOrd="0" parTransId="{D0207B0D-36A6-47BB-9E36-785717D9A8F4}" sibTransId="{A6505514-D13B-4EB4-A3F4-60C30FFBA1C7}"/>
-    <dgm:cxn modelId="{EE887994-05F0-4491-8BC9-45A2F1CBF5B1}" type="presOf" srcId="{BE874725-5F49-46EE-8DD1-F97FE0C83CEA}" destId="{7EEEA72B-471B-47A6-B323-5C0E7C8CC150}" srcOrd="0" destOrd="0" presId="urn:microsoft.com/office/officeart/2011/layout/TabList"/>
     <dgm:cxn modelId="{4F0481C4-7FD2-41E9-A7E5-28FF5B3711B6}" srcId="{BE874725-5F49-46EE-8DD1-F97FE0C83CEA}" destId="{4509AE69-810E-48B7-8561-E1A34865AB24}" srcOrd="5" destOrd="0" parTransId="{93A1514B-6BB2-428E-8501-DE1D84C5AA90}" sibTransId="{BBF4C946-2A54-410E-9197-985BB3468C69}"/>
+    <dgm:cxn modelId="{B95CCED4-A4C8-481A-8346-E02C85CA6B2F}" type="presOf" srcId="{87273F8E-A427-4A2E-A8B4-EC8B592444F1}" destId="{7E7F2E31-0F1C-4CC2-9784-5F4FDAE5FB90}" srcOrd="0" destOrd="2" presId="urn:microsoft.com/office/officeart/2011/layout/TabList"/>
+    <dgm:cxn modelId="{6910C6D6-3C85-4375-9416-1ED07DDD43D3}" type="presOf" srcId="{30D54825-25E6-4CCD-9948-28843BD51318}" destId="{7E7F2E31-0F1C-4CC2-9784-5F4FDAE5FB90}" srcOrd="0" destOrd="7" presId="urn:microsoft.com/office/officeart/2011/layout/TabList"/>
     <dgm:cxn modelId="{EE2771DE-6C91-486E-8591-DD6D048B5E4C}" srcId="{BE874725-5F49-46EE-8DD1-F97FE0C83CEA}" destId="{87273F8E-A427-4A2E-A8B4-EC8B592444F1}" srcOrd="3" destOrd="0" parTransId="{91FC7025-7C54-4F94-B972-F5FEEF112765}" sibTransId="{6BC7032F-006A-4EEF-9110-3DFDC56190D1}"/>
-    <dgm:cxn modelId="{813F4CAC-27EE-4218-A33A-9EF313FB8745}" type="presOf" srcId="{4509AE69-810E-48B7-8561-E1A34865AB24}" destId="{7E7F2E31-0F1C-4CC2-9784-5F4FDAE5FB90}" srcOrd="0" destOrd="4" presId="urn:microsoft.com/office/officeart/2011/layout/TabList"/>
-    <dgm:cxn modelId="{AA477751-8501-4083-AB8A-911FD70DCE08}" type="presOf" srcId="{AC985C21-42C9-429C-956A-4C084AB5547A}" destId="{88A4544D-52E6-416A-B3DF-FFE4F6CD79FD}" srcOrd="0" destOrd="0" presId="urn:microsoft.com/office/officeart/2011/layout/TabList"/>
+    <dgm:cxn modelId="{593F82EC-9A5E-4103-B69A-676E07DB8E9A}" srcId="{BE874725-5F49-46EE-8DD1-F97FE0C83CEA}" destId="{F5ABB2ED-785A-4D9A-8C7D-0313DEFC8289}" srcOrd="1" destOrd="0" parTransId="{DB3B1C68-1191-41C9-9F8A-9E6DF636EA62}" sibTransId="{88C76B39-538A-4E2B-BC4B-4CEFBBF3CDC8}"/>
     <dgm:cxn modelId="{1E96F6ED-BC1C-454D-AE79-C552264CB78B}" srcId="{BE874725-5F49-46EE-8DD1-F97FE0C83CEA}" destId="{2761C384-5794-4B3E-BABD-07DD155C0531}" srcOrd="0" destOrd="0" parTransId="{95EE1CB1-4B9C-45D1-A063-071E720A4F98}" sibTransId="{46145C5D-5E68-4FA2-A4B6-36EE6604104B}"/>
     <dgm:cxn modelId="{D6A796F6-7F64-4601-8E4B-3FD1B47420E0}" type="presOf" srcId="{9EE2239A-F3B6-47DF-883B-A551F5A43671}" destId="{7E7F2E31-0F1C-4CC2-9784-5F4FDAE5FB90}" srcOrd="0" destOrd="3" presId="urn:microsoft.com/office/officeart/2011/layout/TabList"/>
-    <dgm:cxn modelId="{B95CCED4-A4C8-481A-8346-E02C85CA6B2F}" type="presOf" srcId="{87273F8E-A427-4A2E-A8B4-EC8B592444F1}" destId="{7E7F2E31-0F1C-4CC2-9784-5F4FDAE5FB90}" srcOrd="0" destOrd="2" presId="urn:microsoft.com/office/officeart/2011/layout/TabList"/>
-    <dgm:cxn modelId="{F75611B7-7CC2-4BD9-9F85-5903FFE59B7A}" srcId="{BE874725-5F49-46EE-8DD1-F97FE0C83CEA}" destId="{C83159BE-F26B-4E38-9965-3513643EF3DE}" srcOrd="2" destOrd="0" parTransId="{75FD8863-4E45-4E31-B054-7AD3F9770677}" sibTransId="{2786BDB5-2E47-42D2-AF98-FF9387827E69}"/>
-    <dgm:cxn modelId="{10A4FE31-438C-430D-8326-676E25F9EEF1}" srcId="{BE874725-5F49-46EE-8DD1-F97FE0C83CEA}" destId="{9EE2239A-F3B6-47DF-883B-A551F5A43671}" srcOrd="4" destOrd="0" parTransId="{BCCCCDA3-68A0-43FB-84F6-75AA8EF73DBB}" sibTransId="{B3AE473E-1372-47A8-8801-372C69B583EA}"/>
-    <dgm:cxn modelId="{993989B4-30D2-4707-A9EF-AA60509F035B}" srcId="{AC985C21-42C9-429C-956A-4C084AB5547A}" destId="{BE874725-5F49-46EE-8DD1-F97FE0C83CEA}" srcOrd="0" destOrd="0" parTransId="{2929FBE0-ED24-4E42-9261-36AAD99237B9}" sibTransId="{2A1C6C02-9C7A-46D4-A095-2B37E33C3CE1}"/>
-    <dgm:cxn modelId="{EFF50C28-4B59-4F69-BCCA-EFE9075DD21A}" type="presOf" srcId="{F5ABB2ED-785A-4D9A-8C7D-0313DEFC8289}" destId="{7E7F2E31-0F1C-4CC2-9784-5F4FDAE5FB90}" srcOrd="0" destOrd="0" presId="urn:microsoft.com/office/officeart/2011/layout/TabList"/>
-    <dgm:cxn modelId="{BC8E724D-66A9-4A6E-B152-78E4AD7EE3B0}" type="presOf" srcId="{C83159BE-F26B-4E38-9965-3513643EF3DE}" destId="{7E7F2E31-0F1C-4CC2-9784-5F4FDAE5FB90}" srcOrd="0" destOrd="1" presId="urn:microsoft.com/office/officeart/2011/layout/TabList"/>
-    <dgm:cxn modelId="{6910C6D6-3C85-4375-9416-1ED07DDD43D3}" type="presOf" srcId="{30D54825-25E6-4CCD-9948-28843BD51318}" destId="{7E7F2E31-0F1C-4CC2-9784-5F4FDAE5FB90}" srcOrd="0" destOrd="7" presId="urn:microsoft.com/office/officeart/2011/layout/TabList"/>
-    <dgm:cxn modelId="{8F2C988F-E003-4082-884E-4D9B5DCA7104}" srcId="{BE874725-5F49-46EE-8DD1-F97FE0C83CEA}" destId="{30D54825-25E6-4CCD-9948-28843BD51318}" srcOrd="8" destOrd="0" parTransId="{167CE6EA-FF06-4514-A7B1-2831CEC61EE6}" sibTransId="{B699D73C-2452-4390-BF4B-642FE6D3A350}"/>
-    <dgm:cxn modelId="{593F82EC-9A5E-4103-B69A-676E07DB8E9A}" srcId="{BE874725-5F49-46EE-8DD1-F97FE0C83CEA}" destId="{F5ABB2ED-785A-4D9A-8C7D-0313DEFC8289}" srcOrd="1" destOrd="0" parTransId="{DB3B1C68-1191-41C9-9F8A-9E6DF636EA62}" sibTransId="{88C76B39-538A-4E2B-BC4B-4CEFBBF3CDC8}"/>
-    <dgm:cxn modelId="{6B42C74D-689F-468D-87DF-006650136509}" type="presOf" srcId="{B6B96704-5859-4266-8C4D-13701F24D590}" destId="{7E7F2E31-0F1C-4CC2-9784-5F4FDAE5FB90}" srcOrd="0" destOrd="5" presId="urn:microsoft.com/office/officeart/2011/layout/TabList"/>
-    <dgm:cxn modelId="{08543580-C7BE-4569-B8F3-F274E6816E24}" type="presOf" srcId="{2761C384-5794-4B3E-BABD-07DD155C0531}" destId="{DCDCC7AF-C182-42EC-87B9-86024B8E8CCB}" srcOrd="0" destOrd="0" presId="urn:microsoft.com/office/officeart/2011/layout/TabList"/>
-    <dgm:cxn modelId="{BDFE2C42-8770-4473-9376-F6FA946222DD}" type="presOf" srcId="{6DB36BD6-D707-4655-B470-F0CEA5F38B8A}" destId="{7E7F2E31-0F1C-4CC2-9784-5F4FDAE5FB90}" srcOrd="0" destOrd="6" presId="urn:microsoft.com/office/officeart/2011/layout/TabList"/>
     <dgm:cxn modelId="{CD9EF3ED-9642-4355-B47C-5AE724DBA262}" type="presParOf" srcId="{88A4544D-52E6-416A-B3DF-FFE4F6CD79FD}" destId="{775AA4FF-8CB7-4405-AE38-E3708572E747}" srcOrd="0" destOrd="0" presId="urn:microsoft.com/office/officeart/2011/layout/TabList"/>
     <dgm:cxn modelId="{F16C3BCD-DEBD-47EE-B98B-7C3771A61DAD}" type="presParOf" srcId="{775AA4FF-8CB7-4405-AE38-E3708572E747}" destId="{DCDCC7AF-C182-42EC-87B9-86024B8E8CCB}" srcOrd="0" destOrd="0" presId="urn:microsoft.com/office/officeart/2011/layout/TabList"/>
     <dgm:cxn modelId="{E5716BB1-B98C-4367-8D06-3BCDFDCD8354}" type="presParOf" srcId="{775AA4FF-8CB7-4405-AE38-E3708572E747}" destId="{7EEEA72B-471B-47A6-B323-5C0E7C8CC150}" srcOrd="1" destOrd="0" presId="urn:microsoft.com/office/officeart/2011/layout/TabList"/>
@@ -4061,10 +3985,9 @@
         <a:lstStyle/>
         <a:p>
           <a:r>
-            <a:rPr lang="en-US" dirty="0" smtClean="0"/>
+            <a:rPr lang="en-US" dirty="0"/>
             <a:t>OOP</a:t>
           </a:r>
-          <a:endParaRPr lang="en-US" dirty="0"/>
         </a:p>
       </dgm:t>
     </dgm:pt>
@@ -4098,10 +4021,9 @@
         <a:lstStyle/>
         <a:p>
           <a:r>
-            <a:rPr lang="en-US" dirty="0" smtClean="0"/>
+            <a:rPr lang="en-US" dirty="0"/>
             <a:t>Encapsulation</a:t>
           </a:r>
-          <a:endParaRPr lang="en-US" dirty="0"/>
         </a:p>
       </dgm:t>
     </dgm:pt>
@@ -4135,10 +4057,9 @@
         <a:lstStyle/>
         <a:p>
           <a:r>
-            <a:rPr lang="en-US" dirty="0" smtClean="0"/>
+            <a:rPr lang="en-US" dirty="0"/>
             <a:t>Polymorphism</a:t>
           </a:r>
-          <a:endParaRPr lang="en-US" dirty="0"/>
         </a:p>
       </dgm:t>
     </dgm:pt>
@@ -4172,10 +4093,9 @@
         <a:lstStyle/>
         <a:p>
           <a:r>
-            <a:rPr lang="en-US" dirty="0" smtClean="0"/>
+            <a:rPr lang="en-US" dirty="0"/>
             <a:t>Inheritance</a:t>
           </a:r>
-          <a:endParaRPr lang="en-US" dirty="0"/>
         </a:p>
       </dgm:t>
     </dgm:pt>
@@ -4209,14 +4129,13 @@
         <a:lstStyle/>
         <a:p>
           <a:r>
-            <a:rPr lang="en-US" smtClean="0"/>
+            <a:rPr lang="en-US"/>
             <a:t>Data </a:t>
           </a:r>
           <a:r>
-            <a:rPr lang="en-US" dirty="0" smtClean="0"/>
+            <a:rPr lang="en-US" dirty="0"/>
             <a:t>Abstraction</a:t>
           </a:r>
-          <a:endParaRPr lang="en-US" dirty="0"/>
         </a:p>
       </dgm:t>
     </dgm:pt>
@@ -4252,24 +4171,10 @@
         </dgm:presLayoutVars>
       </dgm:prSet>
       <dgm:spPr/>
-      <dgm:t>
-        <a:bodyPr/>
-        <a:lstStyle/>
-        <a:p>
-          <a:endParaRPr lang="en-US"/>
-        </a:p>
-      </dgm:t>
     </dgm:pt>
     <dgm:pt modelId="{B3781CB1-F5A1-40EC-B8C6-FBD8BBEF53B4}" type="pres">
       <dgm:prSet presAssocID="{F8471A0B-6A8D-45F9-8452-604E41D68666}" presName="centerShape" presStyleLbl="node0" presStyleIdx="0" presStyleCnt="1"/>
       <dgm:spPr/>
-      <dgm:t>
-        <a:bodyPr/>
-        <a:lstStyle/>
-        <a:p>
-          <a:endParaRPr lang="en-US"/>
-        </a:p>
-      </dgm:t>
     </dgm:pt>
     <dgm:pt modelId="{AD84B42B-3227-481F-A31C-64B877CD64EC}" type="pres">
       <dgm:prSet presAssocID="{00E744F6-14EC-4554-947A-4E869D717654}" presName="node" presStyleLbl="node1" presStyleIdx="0" presStyleCnt="4">
@@ -4278,13 +4183,6 @@
         </dgm:presLayoutVars>
       </dgm:prSet>
       <dgm:spPr/>
-      <dgm:t>
-        <a:bodyPr/>
-        <a:lstStyle/>
-        <a:p>
-          <a:endParaRPr lang="en-US"/>
-        </a:p>
-      </dgm:t>
     </dgm:pt>
     <dgm:pt modelId="{3185101E-288D-4580-9634-9CC1CCA35FFE}" type="pres">
       <dgm:prSet presAssocID="{00E744F6-14EC-4554-947A-4E869D717654}" presName="dummy" presStyleCnt="0"/>
@@ -4293,13 +4191,6 @@
     <dgm:pt modelId="{8B32B420-A77B-40B4-9833-363C9DF6AB10}" type="pres">
       <dgm:prSet presAssocID="{B653B105-D838-4BCA-A69F-19FCAD04F5E1}" presName="sibTrans" presStyleLbl="sibTrans2D1" presStyleIdx="0" presStyleCnt="4"/>
       <dgm:spPr/>
-      <dgm:t>
-        <a:bodyPr/>
-        <a:lstStyle/>
-        <a:p>
-          <a:endParaRPr lang="en-US"/>
-        </a:p>
-      </dgm:t>
     </dgm:pt>
     <dgm:pt modelId="{1CBCC194-3275-43B4-9AFC-757FE63A516A}" type="pres">
       <dgm:prSet presAssocID="{76911394-A941-489B-A6AC-4B699879629F}" presName="node" presStyleLbl="node1" presStyleIdx="1" presStyleCnt="4">
@@ -4308,13 +4199,6 @@
         </dgm:presLayoutVars>
       </dgm:prSet>
       <dgm:spPr/>
-      <dgm:t>
-        <a:bodyPr/>
-        <a:lstStyle/>
-        <a:p>
-          <a:endParaRPr lang="en-US"/>
-        </a:p>
-      </dgm:t>
     </dgm:pt>
     <dgm:pt modelId="{01A22E86-030A-40F9-8FA2-BD402ABE2562}" type="pres">
       <dgm:prSet presAssocID="{76911394-A941-489B-A6AC-4B699879629F}" presName="dummy" presStyleCnt="0"/>
@@ -4323,13 +4207,6 @@
     <dgm:pt modelId="{26DA77E8-BBCD-416B-A3AB-6B294F722663}" type="pres">
       <dgm:prSet presAssocID="{6C9F3F9A-767A-412B-AC92-448BFDFAC2C5}" presName="sibTrans" presStyleLbl="sibTrans2D1" presStyleIdx="1" presStyleCnt="4"/>
       <dgm:spPr/>
-      <dgm:t>
-        <a:bodyPr/>
-        <a:lstStyle/>
-        <a:p>
-          <a:endParaRPr lang="en-US"/>
-        </a:p>
-      </dgm:t>
     </dgm:pt>
     <dgm:pt modelId="{B76714D7-7F18-47B0-9097-C09A8A8D9EE9}" type="pres">
       <dgm:prSet presAssocID="{A98705C8-FAC6-4CF7-A004-D65051BDBBE7}" presName="node" presStyleLbl="node1" presStyleIdx="2" presStyleCnt="4">
@@ -4338,13 +4215,6 @@
         </dgm:presLayoutVars>
       </dgm:prSet>
       <dgm:spPr/>
-      <dgm:t>
-        <a:bodyPr/>
-        <a:lstStyle/>
-        <a:p>
-          <a:endParaRPr lang="en-US"/>
-        </a:p>
-      </dgm:t>
     </dgm:pt>
     <dgm:pt modelId="{48DA54B4-30FD-40F2-95F2-889660C15D1D}" type="pres">
       <dgm:prSet presAssocID="{A98705C8-FAC6-4CF7-A004-D65051BDBBE7}" presName="dummy" presStyleCnt="0"/>
@@ -4353,13 +4223,6 @@
     <dgm:pt modelId="{B3DA097A-ED99-461A-9514-553D906558A1}" type="pres">
       <dgm:prSet presAssocID="{2338D566-4559-4929-BE59-016FA4CAC362}" presName="sibTrans" presStyleLbl="sibTrans2D1" presStyleIdx="2" presStyleCnt="4"/>
       <dgm:spPr/>
-      <dgm:t>
-        <a:bodyPr/>
-        <a:lstStyle/>
-        <a:p>
-          <a:endParaRPr lang="en-US"/>
-        </a:p>
-      </dgm:t>
     </dgm:pt>
     <dgm:pt modelId="{FB99C967-9A5C-425D-8355-9C1B0BC050E5}" type="pres">
       <dgm:prSet presAssocID="{7D009C6C-7598-4422-817B-5EC7AE77C058}" presName="node" presStyleLbl="node1" presStyleIdx="3" presStyleCnt="4">
@@ -4368,13 +4231,6 @@
         </dgm:presLayoutVars>
       </dgm:prSet>
       <dgm:spPr/>
-      <dgm:t>
-        <a:bodyPr/>
-        <a:lstStyle/>
-        <a:p>
-          <a:endParaRPr lang="en-US"/>
-        </a:p>
-      </dgm:t>
     </dgm:pt>
     <dgm:pt modelId="{E64848BE-2916-459D-B41D-B5286F364383}" type="pres">
       <dgm:prSet presAssocID="{7D009C6C-7598-4422-817B-5EC7AE77C058}" presName="dummy" presStyleCnt="0"/>
@@ -4383,31 +4239,24 @@
     <dgm:pt modelId="{5728C335-02FE-4994-B282-D8114F2B26B5}" type="pres">
       <dgm:prSet presAssocID="{B4E6A710-66A0-4EFB-93B7-AB33A5DBDBB2}" presName="sibTrans" presStyleLbl="sibTrans2D1" presStyleIdx="3" presStyleCnt="4"/>
       <dgm:spPr/>
-      <dgm:t>
-        <a:bodyPr/>
-        <a:lstStyle/>
-        <a:p>
-          <a:endParaRPr lang="en-US"/>
-        </a:p>
-      </dgm:t>
     </dgm:pt>
   </dgm:ptLst>
   <dgm:cxnLst>
+    <dgm:cxn modelId="{55FB0D09-E286-4EE8-996A-795D5F9A64BB}" type="presOf" srcId="{76911394-A941-489B-A6AC-4B699879629F}" destId="{1CBCC194-3275-43B4-9AFC-757FE63A516A}" srcOrd="0" destOrd="0" presId="urn:microsoft.com/office/officeart/2005/8/layout/radial6"/>
     <dgm:cxn modelId="{487A580A-39E5-48EF-B805-4B70BEC16744}" srcId="{F8471A0B-6A8D-45F9-8452-604E41D68666}" destId="{00E744F6-14EC-4554-947A-4E869D717654}" srcOrd="0" destOrd="0" parTransId="{AD77BF83-30B4-48BD-988C-AF8EB3354249}" sibTransId="{B653B105-D838-4BCA-A69F-19FCAD04F5E1}"/>
+    <dgm:cxn modelId="{186A3F1D-F528-4167-91E4-2659F3B97E88}" type="presOf" srcId="{B653B105-D838-4BCA-A69F-19FCAD04F5E1}" destId="{8B32B420-A77B-40B4-9833-363C9DF6AB10}" srcOrd="0" destOrd="0" presId="urn:microsoft.com/office/officeart/2005/8/layout/radial6"/>
+    <dgm:cxn modelId="{7EEE591E-64A0-4E94-9B46-BA3CBAD8FA68}" type="presOf" srcId="{6C9F3F9A-767A-412B-AC92-448BFDFAC2C5}" destId="{26DA77E8-BBCD-416B-A3AB-6B294F722663}" srcOrd="0" destOrd="0" presId="urn:microsoft.com/office/officeart/2005/8/layout/radial6"/>
     <dgm:cxn modelId="{7442212F-AD7B-44F4-BC68-8E1D7F744594}" type="presOf" srcId="{00E744F6-14EC-4554-947A-4E869D717654}" destId="{AD84B42B-3227-481F-A31C-64B877CD64EC}" srcOrd="0" destOrd="0" presId="urn:microsoft.com/office/officeart/2005/8/layout/radial6"/>
-    <dgm:cxn modelId="{55FB0D09-E286-4EE8-996A-795D5F9A64BB}" type="presOf" srcId="{76911394-A941-489B-A6AC-4B699879629F}" destId="{1CBCC194-3275-43B4-9AFC-757FE63A516A}" srcOrd="0" destOrd="0" presId="urn:microsoft.com/office/officeart/2005/8/layout/radial6"/>
-    <dgm:cxn modelId="{186A3F1D-F528-4167-91E4-2659F3B97E88}" type="presOf" srcId="{B653B105-D838-4BCA-A69F-19FCAD04F5E1}" destId="{8B32B420-A77B-40B4-9833-363C9DF6AB10}" srcOrd="0" destOrd="0" presId="urn:microsoft.com/office/officeart/2005/8/layout/radial6"/>
+    <dgm:cxn modelId="{A85D0A42-F518-487A-8728-B4305F349866}" type="presOf" srcId="{B4E6A710-66A0-4EFB-93B7-AB33A5DBDBB2}" destId="{5728C335-02FE-4994-B282-D8114F2B26B5}" srcOrd="0" destOrd="0" presId="urn:microsoft.com/office/officeart/2005/8/layout/radial6"/>
+    <dgm:cxn modelId="{00A3574A-2DD7-4FC3-863D-28669B5BFB26}" type="presOf" srcId="{2338D566-4559-4929-BE59-016FA4CAC362}" destId="{B3DA097A-ED99-461A-9514-553D906558A1}" srcOrd="0" destOrd="0" presId="urn:microsoft.com/office/officeart/2005/8/layout/radial6"/>
+    <dgm:cxn modelId="{7DD0ED6E-F3C9-45A2-9B30-B228C2DE8C72}" type="presOf" srcId="{F8471A0B-6A8D-45F9-8452-604E41D68666}" destId="{B3781CB1-F5A1-40EC-B8C6-FBD8BBEF53B4}" srcOrd="0" destOrd="0" presId="urn:microsoft.com/office/officeart/2005/8/layout/radial6"/>
+    <dgm:cxn modelId="{DCD5CE7F-2484-457C-BB7F-A6508F0C526C}" type="presOf" srcId="{7D009C6C-7598-4422-817B-5EC7AE77C058}" destId="{FB99C967-9A5C-425D-8355-9C1B0BC050E5}" srcOrd="0" destOrd="0" presId="urn:microsoft.com/office/officeart/2005/8/layout/radial6"/>
+    <dgm:cxn modelId="{AB1F9393-0DC5-4DF8-A9DF-FF0B8E4E59D2}" srcId="{F8471A0B-6A8D-45F9-8452-604E41D68666}" destId="{A98705C8-FAC6-4CF7-A004-D65051BDBBE7}" srcOrd="2" destOrd="0" parTransId="{7F1F42A9-4F95-4D1C-A2C9-A1CD290D12F8}" sibTransId="{2338D566-4559-4929-BE59-016FA4CAC362}"/>
+    <dgm:cxn modelId="{5289DBB0-AD66-4D48-B55E-E5347AA31F72}" srcId="{6DED2F9F-442D-4FB7-AC58-75D181246BE8}" destId="{F8471A0B-6A8D-45F9-8452-604E41D68666}" srcOrd="0" destOrd="0" parTransId="{36F14463-4BFC-4DFC-9F2E-83D992DC8E51}" sibTransId="{CB29C95A-2054-48D1-B241-568A1A12000F}"/>
+    <dgm:cxn modelId="{943958D6-AB4A-4D7F-BB91-D1F2E708B576}" srcId="{F8471A0B-6A8D-45F9-8452-604E41D68666}" destId="{76911394-A941-489B-A6AC-4B699879629F}" srcOrd="1" destOrd="0" parTransId="{539CDF49-E83A-4805-932B-246E6C7DB47A}" sibTransId="{6C9F3F9A-767A-412B-AC92-448BFDFAC2C5}"/>
     <dgm:cxn modelId="{354AD8DF-7008-4D33-8DA1-BD42B5C3BA53}" type="presOf" srcId="{6DED2F9F-442D-4FB7-AC58-75D181246BE8}" destId="{2F80D015-2805-435E-BDC5-0AB27DAF2E09}" srcOrd="0" destOrd="0" presId="urn:microsoft.com/office/officeart/2005/8/layout/radial6"/>
-    <dgm:cxn modelId="{DCD5CE7F-2484-457C-BB7F-A6508F0C526C}" type="presOf" srcId="{7D009C6C-7598-4422-817B-5EC7AE77C058}" destId="{FB99C967-9A5C-425D-8355-9C1B0BC050E5}" srcOrd="0" destOrd="0" presId="urn:microsoft.com/office/officeart/2005/8/layout/radial6"/>
-    <dgm:cxn modelId="{7EEE591E-64A0-4E94-9B46-BA3CBAD8FA68}" type="presOf" srcId="{6C9F3F9A-767A-412B-AC92-448BFDFAC2C5}" destId="{26DA77E8-BBCD-416B-A3AB-6B294F722663}" srcOrd="0" destOrd="0" presId="urn:microsoft.com/office/officeart/2005/8/layout/radial6"/>
-    <dgm:cxn modelId="{5289DBB0-AD66-4D48-B55E-E5347AA31F72}" srcId="{6DED2F9F-442D-4FB7-AC58-75D181246BE8}" destId="{F8471A0B-6A8D-45F9-8452-604E41D68666}" srcOrd="0" destOrd="0" parTransId="{36F14463-4BFC-4DFC-9F2E-83D992DC8E51}" sibTransId="{CB29C95A-2054-48D1-B241-568A1A12000F}"/>
+    <dgm:cxn modelId="{1EECFEE3-1607-4A11-BDE5-E8EEB24EB58B}" type="presOf" srcId="{A98705C8-FAC6-4CF7-A004-D65051BDBBE7}" destId="{B76714D7-7F18-47B0-9097-C09A8A8D9EE9}" srcOrd="0" destOrd="0" presId="urn:microsoft.com/office/officeart/2005/8/layout/radial6"/>
     <dgm:cxn modelId="{B48737FE-4D9F-4AE9-9755-20E8F87D9FC5}" srcId="{F8471A0B-6A8D-45F9-8452-604E41D68666}" destId="{7D009C6C-7598-4422-817B-5EC7AE77C058}" srcOrd="3" destOrd="0" parTransId="{9453EA1B-BED2-428E-91A7-B416BDF28E5A}" sibTransId="{B4E6A710-66A0-4EFB-93B7-AB33A5DBDBB2}"/>
-    <dgm:cxn modelId="{A85D0A42-F518-487A-8728-B4305F349866}" type="presOf" srcId="{B4E6A710-66A0-4EFB-93B7-AB33A5DBDBB2}" destId="{5728C335-02FE-4994-B282-D8114F2B26B5}" srcOrd="0" destOrd="0" presId="urn:microsoft.com/office/officeart/2005/8/layout/radial6"/>
-    <dgm:cxn modelId="{7DD0ED6E-F3C9-45A2-9B30-B228C2DE8C72}" type="presOf" srcId="{F8471A0B-6A8D-45F9-8452-604E41D68666}" destId="{B3781CB1-F5A1-40EC-B8C6-FBD8BBEF53B4}" srcOrd="0" destOrd="0" presId="urn:microsoft.com/office/officeart/2005/8/layout/radial6"/>
-    <dgm:cxn modelId="{AB1F9393-0DC5-4DF8-A9DF-FF0B8E4E59D2}" srcId="{F8471A0B-6A8D-45F9-8452-604E41D68666}" destId="{A98705C8-FAC6-4CF7-A004-D65051BDBBE7}" srcOrd="2" destOrd="0" parTransId="{7F1F42A9-4F95-4D1C-A2C9-A1CD290D12F8}" sibTransId="{2338D566-4559-4929-BE59-016FA4CAC362}"/>
-    <dgm:cxn modelId="{943958D6-AB4A-4D7F-BB91-D1F2E708B576}" srcId="{F8471A0B-6A8D-45F9-8452-604E41D68666}" destId="{76911394-A941-489B-A6AC-4B699879629F}" srcOrd="1" destOrd="0" parTransId="{539CDF49-E83A-4805-932B-246E6C7DB47A}" sibTransId="{6C9F3F9A-767A-412B-AC92-448BFDFAC2C5}"/>
-    <dgm:cxn modelId="{00A3574A-2DD7-4FC3-863D-28669B5BFB26}" type="presOf" srcId="{2338D566-4559-4929-BE59-016FA4CAC362}" destId="{B3DA097A-ED99-461A-9514-553D906558A1}" srcOrd="0" destOrd="0" presId="urn:microsoft.com/office/officeart/2005/8/layout/radial6"/>
-    <dgm:cxn modelId="{1EECFEE3-1607-4A11-BDE5-E8EEB24EB58B}" type="presOf" srcId="{A98705C8-FAC6-4CF7-A004-D65051BDBBE7}" destId="{B76714D7-7F18-47B0-9097-C09A8A8D9EE9}" srcOrd="0" destOrd="0" presId="urn:microsoft.com/office/officeart/2005/8/layout/radial6"/>
     <dgm:cxn modelId="{8F44410B-DF1D-4645-83B6-D375DDED1C97}" type="presParOf" srcId="{2F80D015-2805-435E-BDC5-0AB27DAF2E09}" destId="{B3781CB1-F5A1-40EC-B8C6-FBD8BBEF53B4}" srcOrd="0" destOrd="0" presId="urn:microsoft.com/office/officeart/2005/8/layout/radial6"/>
     <dgm:cxn modelId="{923446D2-F5C2-46CC-95B4-1294F4E03924}" type="presParOf" srcId="{2F80D015-2805-435E-BDC5-0AB27DAF2E09}" destId="{AD84B42B-3227-481F-A31C-64B877CD64EC}" srcOrd="1" destOrd="0" presId="urn:microsoft.com/office/officeart/2005/8/layout/radial6"/>
     <dgm:cxn modelId="{EDA27951-E1F7-41F1-9F4E-E7DBDBD28EFB}" type="presParOf" srcId="{2F80D015-2805-435E-BDC5-0AB27DAF2E09}" destId="{3185101E-288D-4580-9634-9CC1CCA35FFE}" srcOrd="2" destOrd="0" presId="urn:microsoft.com/office/officeart/2005/8/layout/radial6"/>
@@ -4448,7 +4297,7 @@
         <a:p>
           <a:pPr algn="ctr"/>
           <a:r>
-            <a:rPr lang="en-US" dirty="0" smtClean="0">
+            <a:rPr lang="en-US" dirty="0">
               <a:solidFill>
                 <a:schemeClr val="accent6">
                   <a:lumMod val="50000"/>
@@ -4457,13 +4306,6 @@
             </a:rPr>
             <a:t>Data Encapsulation</a:t>
           </a:r>
-          <a:endParaRPr lang="en-US" dirty="0">
-            <a:solidFill>
-              <a:schemeClr val="accent6">
-                <a:lumMod val="50000"/>
-              </a:schemeClr>
-            </a:solidFill>
-          </a:endParaRPr>
         </a:p>
       </dgm:t>
     </dgm:pt>
@@ -4500,7 +4342,7 @@
         <a:p>
           <a:pPr algn="ctr"/>
           <a:r>
-            <a:rPr lang="en-US" dirty="0" smtClean="0">
+            <a:rPr lang="en-US" dirty="0">
               <a:solidFill>
                 <a:schemeClr val="accent6">
                   <a:lumMod val="50000"/>
@@ -4509,13 +4351,6 @@
             </a:rPr>
             <a:t>Data Hiding</a:t>
           </a:r>
-          <a:endParaRPr lang="en-US" dirty="0">
-            <a:solidFill>
-              <a:schemeClr val="accent6">
-                <a:lumMod val="50000"/>
-              </a:schemeClr>
-            </a:solidFill>
-          </a:endParaRPr>
         </a:p>
       </dgm:t>
     </dgm:pt>
@@ -4552,7 +4387,7 @@
         <a:p>
           <a:pPr algn="ctr"/>
           <a:r>
-            <a:rPr lang="en-US" dirty="0" smtClean="0">
+            <a:rPr lang="en-US" dirty="0">
               <a:solidFill>
                 <a:schemeClr val="accent6">
                   <a:lumMod val="50000"/>
@@ -4561,13 +4396,6 @@
             </a:rPr>
             <a:t>Data Abstraction</a:t>
           </a:r>
-          <a:endParaRPr lang="en-US" dirty="0">
-            <a:solidFill>
-              <a:schemeClr val="accent6">
-                <a:lumMod val="50000"/>
-              </a:schemeClr>
-            </a:solidFill>
-          </a:endParaRPr>
         </a:p>
       </dgm:t>
     </dgm:pt>
@@ -4611,13 +4439,6 @@
         </dgm:presLayoutVars>
       </dgm:prSet>
       <dgm:spPr/>
-      <dgm:t>
-        <a:bodyPr/>
-        <a:lstStyle/>
-        <a:p>
-          <a:endParaRPr lang="en-US"/>
-        </a:p>
-      </dgm:t>
     </dgm:pt>
     <dgm:pt modelId="{2D728580-DE3B-4FCC-AE80-EE617B301731}" type="pres">
       <dgm:prSet presAssocID="{C9FFF357-EDC3-4CB0-ADC1-F4FF98F39DFD}" presName="spacerL" presStyleCnt="0"/>
@@ -4626,13 +4447,6 @@
     <dgm:pt modelId="{9B0911FB-6887-4975-9D3C-70C94ADC63E3}" type="pres">
       <dgm:prSet presAssocID="{C9FFF357-EDC3-4CB0-ADC1-F4FF98F39DFD}" presName="sibTrans" presStyleLbl="sibTrans2D1" presStyleIdx="0" presStyleCnt="2"/>
       <dgm:spPr/>
-      <dgm:t>
-        <a:bodyPr/>
-        <a:lstStyle/>
-        <a:p>
-          <a:endParaRPr lang="en-US"/>
-        </a:p>
-      </dgm:t>
     </dgm:pt>
     <dgm:pt modelId="{5CDDC681-6EF9-4848-B593-7F4054359086}" type="pres">
       <dgm:prSet presAssocID="{C9FFF357-EDC3-4CB0-ADC1-F4FF98F39DFD}" presName="spacerR" presStyleCnt="0"/>
@@ -4645,13 +4459,6 @@
         </dgm:presLayoutVars>
       </dgm:prSet>
       <dgm:spPr/>
-      <dgm:t>
-        <a:bodyPr/>
-        <a:lstStyle/>
-        <a:p>
-          <a:endParaRPr lang="en-US"/>
-        </a:p>
-      </dgm:t>
     </dgm:pt>
     <dgm:pt modelId="{809B6183-1533-490D-B1E9-1A5379B1FCBE}" type="pres">
       <dgm:prSet presAssocID="{E89F9660-B3B5-43DA-B88F-FAE49CABFD95}" presName="spacerL" presStyleCnt="0"/>
@@ -4660,13 +4467,6 @@
     <dgm:pt modelId="{F894C335-7BC1-4FC8-9A06-FBB3B38C8570}" type="pres">
       <dgm:prSet presAssocID="{E89F9660-B3B5-43DA-B88F-FAE49CABFD95}" presName="sibTrans" presStyleLbl="sibTrans2D1" presStyleIdx="1" presStyleCnt="2"/>
       <dgm:spPr/>
-      <dgm:t>
-        <a:bodyPr/>
-        <a:lstStyle/>
-        <a:p>
-          <a:endParaRPr lang="en-US"/>
-        </a:p>
-      </dgm:t>
     </dgm:pt>
     <dgm:pt modelId="{5334A68F-1B81-4CBE-BD98-4446FA7C5FE8}" type="pres">
       <dgm:prSet presAssocID="{E89F9660-B3B5-43DA-B88F-FAE49CABFD95}" presName="spacerR" presStyleCnt="0"/>
@@ -4679,25 +4479,18 @@
         </dgm:presLayoutVars>
       </dgm:prSet>
       <dgm:spPr/>
-      <dgm:t>
-        <a:bodyPr/>
-        <a:lstStyle/>
-        <a:p>
-          <a:endParaRPr lang="en-US"/>
-        </a:p>
-      </dgm:t>
     </dgm:pt>
   </dgm:ptLst>
   <dgm:cxnLst>
+    <dgm:cxn modelId="{34116919-89A5-4735-A309-1B9E24094B7D}" type="presOf" srcId="{CB6C0C13-87C9-4CA1-ACFA-E37FDC23069C}" destId="{15DE8C8D-3070-43AE-9AFF-EF2CB0D9CAC5}" srcOrd="0" destOrd="0" presId="urn:microsoft.com/office/officeart/2005/8/layout/equation1"/>
+    <dgm:cxn modelId="{AA308819-363F-4555-8D3E-E45BEB8608A6}" srcId="{DD8A29B1-0DC1-46E8-B782-C78B30030BFB}" destId="{2AAC1AA1-A5C0-417A-A3CA-D9AECC6E4762}" srcOrd="0" destOrd="0" parTransId="{BBCDBBF7-5676-4502-BA66-AECB8BD3EF74}" sibTransId="{C9FFF357-EDC3-4CB0-ADC1-F4FF98F39DFD}"/>
+    <dgm:cxn modelId="{37C3A655-5593-4438-A780-1CA69AABBB72}" type="presOf" srcId="{C9FFF357-EDC3-4CB0-ADC1-F4FF98F39DFD}" destId="{9B0911FB-6887-4975-9D3C-70C94ADC63E3}" srcOrd="0" destOrd="0" presId="urn:microsoft.com/office/officeart/2005/8/layout/equation1"/>
+    <dgm:cxn modelId="{AAB71958-4608-4F82-8607-33687583318F}" srcId="{DD8A29B1-0DC1-46E8-B782-C78B30030BFB}" destId="{36D89544-D8A0-4C6B-A5C7-F0089F33F434}" srcOrd="2" destOrd="0" parTransId="{EB585438-CD05-4EA5-AAF8-0282F03EA339}" sibTransId="{55221336-B65D-4F64-87AE-A2585D4675A2}"/>
+    <dgm:cxn modelId="{80F1F360-9B7F-4E59-8B05-07862CDD3116}" type="presOf" srcId="{E89F9660-B3B5-43DA-B88F-FAE49CABFD95}" destId="{F894C335-7BC1-4FC8-9A06-FBB3B38C8570}" srcOrd="0" destOrd="0" presId="urn:microsoft.com/office/officeart/2005/8/layout/equation1"/>
+    <dgm:cxn modelId="{79A01577-4F32-4B26-937F-B33B7FC58FE3}" type="presOf" srcId="{2AAC1AA1-A5C0-417A-A3CA-D9AECC6E4762}" destId="{1A195BFC-9FE3-4095-8F6B-25D1059761B1}" srcOrd="0" destOrd="0" presId="urn:microsoft.com/office/officeart/2005/8/layout/equation1"/>
+    <dgm:cxn modelId="{2F468C85-62A1-4B2C-806E-7CDC5DF7E049}" srcId="{DD8A29B1-0DC1-46E8-B782-C78B30030BFB}" destId="{CB6C0C13-87C9-4CA1-ACFA-E37FDC23069C}" srcOrd="1" destOrd="0" parTransId="{52C13687-630E-4F75-9928-5A0F82EBCF9C}" sibTransId="{E89F9660-B3B5-43DA-B88F-FAE49CABFD95}"/>
+    <dgm:cxn modelId="{6B5C0B99-20C4-4922-B41B-061EB5DD0F5B}" type="presOf" srcId="{36D89544-D8A0-4C6B-A5C7-F0089F33F434}" destId="{61B67E30-29F0-494C-8973-CBE190B1B8E9}" srcOrd="0" destOrd="0" presId="urn:microsoft.com/office/officeart/2005/8/layout/equation1"/>
     <dgm:cxn modelId="{83D58EDA-9D0C-4650-AD56-170D566ADEEA}" type="presOf" srcId="{DD8A29B1-0DC1-46E8-B782-C78B30030BFB}" destId="{57AF7768-5686-4F81-89B5-0C669CD2369C}" srcOrd="0" destOrd="0" presId="urn:microsoft.com/office/officeart/2005/8/layout/equation1"/>
-    <dgm:cxn modelId="{AA308819-363F-4555-8D3E-E45BEB8608A6}" srcId="{DD8A29B1-0DC1-46E8-B782-C78B30030BFB}" destId="{2AAC1AA1-A5C0-417A-A3CA-D9AECC6E4762}" srcOrd="0" destOrd="0" parTransId="{BBCDBBF7-5676-4502-BA66-AECB8BD3EF74}" sibTransId="{C9FFF357-EDC3-4CB0-ADC1-F4FF98F39DFD}"/>
-    <dgm:cxn modelId="{2F468C85-62A1-4B2C-806E-7CDC5DF7E049}" srcId="{DD8A29B1-0DC1-46E8-B782-C78B30030BFB}" destId="{CB6C0C13-87C9-4CA1-ACFA-E37FDC23069C}" srcOrd="1" destOrd="0" parTransId="{52C13687-630E-4F75-9928-5A0F82EBCF9C}" sibTransId="{E89F9660-B3B5-43DA-B88F-FAE49CABFD95}"/>
-    <dgm:cxn modelId="{34116919-89A5-4735-A309-1B9E24094B7D}" type="presOf" srcId="{CB6C0C13-87C9-4CA1-ACFA-E37FDC23069C}" destId="{15DE8C8D-3070-43AE-9AFF-EF2CB0D9CAC5}" srcOrd="0" destOrd="0" presId="urn:microsoft.com/office/officeart/2005/8/layout/equation1"/>
-    <dgm:cxn modelId="{37C3A655-5593-4438-A780-1CA69AABBB72}" type="presOf" srcId="{C9FFF357-EDC3-4CB0-ADC1-F4FF98F39DFD}" destId="{9B0911FB-6887-4975-9D3C-70C94ADC63E3}" srcOrd="0" destOrd="0" presId="urn:microsoft.com/office/officeart/2005/8/layout/equation1"/>
-    <dgm:cxn modelId="{80F1F360-9B7F-4E59-8B05-07862CDD3116}" type="presOf" srcId="{E89F9660-B3B5-43DA-B88F-FAE49CABFD95}" destId="{F894C335-7BC1-4FC8-9A06-FBB3B38C8570}" srcOrd="0" destOrd="0" presId="urn:microsoft.com/office/officeart/2005/8/layout/equation1"/>
-    <dgm:cxn modelId="{6B5C0B99-20C4-4922-B41B-061EB5DD0F5B}" type="presOf" srcId="{36D89544-D8A0-4C6B-A5C7-F0089F33F434}" destId="{61B67E30-29F0-494C-8973-CBE190B1B8E9}" srcOrd="0" destOrd="0" presId="urn:microsoft.com/office/officeart/2005/8/layout/equation1"/>
-    <dgm:cxn modelId="{AAB71958-4608-4F82-8607-33687583318F}" srcId="{DD8A29B1-0DC1-46E8-B782-C78B30030BFB}" destId="{36D89544-D8A0-4C6B-A5C7-F0089F33F434}" srcOrd="2" destOrd="0" parTransId="{EB585438-CD05-4EA5-AAF8-0282F03EA339}" sibTransId="{55221336-B65D-4F64-87AE-A2585D4675A2}"/>
-    <dgm:cxn modelId="{79A01577-4F32-4B26-937F-B33B7FC58FE3}" type="presOf" srcId="{2AAC1AA1-A5C0-417A-A3CA-D9AECC6E4762}" destId="{1A195BFC-9FE3-4095-8F6B-25D1059761B1}" srcOrd="0" destOrd="0" presId="urn:microsoft.com/office/officeart/2005/8/layout/equation1"/>
     <dgm:cxn modelId="{5D809996-C819-456E-A359-3B2863AE9EB4}" type="presParOf" srcId="{57AF7768-5686-4F81-89B5-0C669CD2369C}" destId="{1A195BFC-9FE3-4095-8F6B-25D1059761B1}" srcOrd="0" destOrd="0" presId="urn:microsoft.com/office/officeart/2005/8/layout/equation1"/>
     <dgm:cxn modelId="{D778CD01-B2C3-4136-BA5B-5221C2FE1005}" type="presParOf" srcId="{57AF7768-5686-4F81-89B5-0C669CD2369C}" destId="{2D728580-DE3B-4FCC-AE80-EE617B301731}" srcOrd="1" destOrd="0" presId="urn:microsoft.com/office/officeart/2005/8/layout/equation1"/>
     <dgm:cxn modelId="{AFAD0CC7-34E7-4111-A8FA-0342E56B6783}" type="presParOf" srcId="{57AF7768-5686-4F81-89B5-0C669CD2369C}" destId="{9B0911FB-6887-4975-9D3C-70C94ADC63E3}" srcOrd="2" destOrd="0" presId="urn:microsoft.com/office/officeart/2005/8/layout/equation1"/>
@@ -4870,7 +4663,7 @@
         </a:bodyPr>
         <a:lstStyle/>
         <a:p>
-          <a:pPr lvl="0" algn="ctr" defTabSz="977900">
+          <a:pPr marL="0" lvl="0" indent="0" algn="ctr" defTabSz="977900">
             <a:lnSpc>
               <a:spcPct val="90000"/>
             </a:lnSpc>
@@ -4880,12 +4673,12 @@
             <a:spcAft>
               <a:spcPct val="35000"/>
             </a:spcAft>
+            <a:buNone/>
           </a:pPr>
           <a:r>
-            <a:rPr lang="en-US" sz="2200" kern="1200" dirty="0" smtClean="0"/>
+            <a:rPr lang="en-US" sz="2200" kern="1200" dirty="0"/>
             <a:t>Output</a:t>
           </a:r>
-          <a:endParaRPr lang="en-US" sz="2200" kern="1200" dirty="0"/>
         </a:p>
       </dsp:txBody>
       <dsp:txXfrm>
@@ -4964,7 +4757,7 @@
         </a:bodyPr>
         <a:lstStyle/>
         <a:p>
-          <a:pPr lvl="0" algn="ctr" defTabSz="577850">
+          <a:pPr marL="0" lvl="0" indent="0" algn="ctr" defTabSz="577850">
             <a:lnSpc>
               <a:spcPct val="90000"/>
             </a:lnSpc>
@@ -4974,12 +4767,12 @@
             <a:spcAft>
               <a:spcPct val="35000"/>
             </a:spcAft>
+            <a:buNone/>
           </a:pPr>
           <a:r>
-            <a:rPr lang="en-US" sz="1300" kern="1200" dirty="0" smtClean="0"/>
+            <a:rPr lang="en-US" sz="1300" kern="1200" dirty="0"/>
             <a:t>Object3</a:t>
           </a:r>
-          <a:endParaRPr lang="en-US" sz="1300" kern="1200" dirty="0"/>
         </a:p>
       </dsp:txBody>
       <dsp:txXfrm>
@@ -5058,7 +4851,7 @@
         </a:bodyPr>
         <a:lstStyle/>
         <a:p>
-          <a:pPr lvl="0" algn="ctr" defTabSz="577850">
+          <a:pPr marL="0" lvl="0" indent="0" algn="ctr" defTabSz="577850">
             <a:lnSpc>
               <a:spcPct val="90000"/>
             </a:lnSpc>
@@ -5068,12 +4861,12 @@
             <a:spcAft>
               <a:spcPct val="35000"/>
             </a:spcAft>
+            <a:buNone/>
           </a:pPr>
           <a:r>
-            <a:rPr lang="en-US" sz="1300" kern="1200" dirty="0" smtClean="0"/>
+            <a:rPr lang="en-US" sz="1300" kern="1200" dirty="0"/>
             <a:t>Object2</a:t>
           </a:r>
-          <a:endParaRPr lang="en-US" sz="1300" kern="1200" dirty="0"/>
         </a:p>
       </dsp:txBody>
       <dsp:txXfrm>
@@ -5152,7 +4945,7 @@
         </a:bodyPr>
         <a:lstStyle/>
         <a:p>
-          <a:pPr lvl="0" algn="ctr" defTabSz="577850">
+          <a:pPr marL="0" lvl="0" indent="0" algn="ctr" defTabSz="577850">
             <a:lnSpc>
               <a:spcPct val="90000"/>
             </a:lnSpc>
@@ -5162,12 +4955,12 @@
             <a:spcAft>
               <a:spcPct val="35000"/>
             </a:spcAft>
+            <a:buNone/>
           </a:pPr>
           <a:r>
-            <a:rPr lang="en-US" sz="1300" kern="1200" dirty="0" smtClean="0"/>
+            <a:rPr lang="en-US" sz="1300" kern="1200" dirty="0"/>
             <a:t>Object1</a:t>
           </a:r>
-          <a:endParaRPr lang="en-US" sz="1300" kern="1200" dirty="0"/>
         </a:p>
       </dsp:txBody>
       <dsp:txXfrm>
@@ -5313,7 +5106,7 @@
         </a:bodyPr>
         <a:lstStyle/>
         <a:p>
-          <a:pPr lvl="0" algn="l" defTabSz="2844800">
+          <a:pPr marL="0" lvl="0" indent="0" algn="l" defTabSz="2844800">
             <a:lnSpc>
               <a:spcPct val="90000"/>
             </a:lnSpc>
@@ -5323,12 +5116,12 @@
             <a:spcAft>
               <a:spcPct val="35000"/>
             </a:spcAft>
+            <a:buNone/>
           </a:pPr>
           <a:r>
-            <a:rPr lang="en-US" sz="6400" kern="1200" dirty="0" smtClean="0"/>
+            <a:rPr lang="en-US" sz="6400" kern="1200" dirty="0"/>
             <a:t>Benefits</a:t>
           </a:r>
-          <a:endParaRPr lang="en-US" sz="6400" kern="1200" dirty="0"/>
         </a:p>
       </dsp:txBody>
       <dsp:txXfrm>
@@ -5393,7 +5186,7 @@
         </a:bodyPr>
         <a:lstStyle/>
         <a:p>
-          <a:pPr lvl="0" algn="ctr" defTabSz="2844800">
+          <a:pPr marL="0" lvl="0" indent="0" algn="ctr" defTabSz="2844800">
             <a:lnSpc>
               <a:spcPct val="90000"/>
             </a:lnSpc>
@@ -5403,12 +5196,12 @@
             <a:spcAft>
               <a:spcPct val="35000"/>
             </a:spcAft>
+            <a:buNone/>
           </a:pPr>
           <a:r>
-            <a:rPr lang="en-US" sz="6400" kern="1200" dirty="0" smtClean="0"/>
+            <a:rPr lang="en-US" sz="6400" kern="1200" dirty="0"/>
             <a:t>OOP</a:t>
           </a:r>
-          <a:endParaRPr lang="en-US" sz="6400" kern="1200" dirty="0"/>
         </a:p>
       </dsp:txBody>
       <dsp:txXfrm>
@@ -5463,13 +5256,12 @@
             <a:spcAft>
               <a:spcPct val="15000"/>
             </a:spcAft>
-            <a:buChar char="••"/>
+            <a:buChar char="•"/>
           </a:pPr>
           <a:r>
-            <a:rPr lang="en-US" sz="1800" b="0" i="0" kern="1200" dirty="0" smtClean="0"/>
+            <a:rPr lang="en-US" sz="1800" b="0" i="0" kern="1200" dirty="0"/>
             <a:t>It provides a clear modular structure.</a:t>
           </a:r>
-          <a:endParaRPr lang="en-US" sz="1800" b="0" i="0" kern="1200" dirty="0"/>
         </a:p>
         <a:p>
           <a:pPr marL="171450" lvl="1" indent="-171450" algn="l" defTabSz="800100">
@@ -5482,13 +5274,12 @@
             <a:spcAft>
               <a:spcPct val="15000"/>
             </a:spcAft>
-            <a:buChar char="••"/>
+            <a:buChar char="•"/>
           </a:pPr>
           <a:r>
-            <a:rPr lang="en-US" sz="1800" b="0" i="0" kern="1200" dirty="0" smtClean="0"/>
+            <a:rPr lang="en-US" sz="1800" b="0" i="0" kern="1200" dirty="0"/>
             <a:t>Objects can also be reused within an across applications.</a:t>
           </a:r>
-          <a:endParaRPr lang="en-US" sz="1800" b="0" i="0" kern="1200" dirty="0"/>
         </a:p>
         <a:p>
           <a:pPr marL="171450" lvl="1" indent="-171450" algn="l" defTabSz="800100">
@@ -5501,13 +5292,12 @@
             <a:spcAft>
               <a:spcPct val="15000"/>
             </a:spcAft>
-            <a:buChar char="••"/>
+            <a:buChar char="•"/>
           </a:pPr>
           <a:r>
-            <a:rPr lang="en-US" sz="1800" b="0" i="0" kern="1200" dirty="0" smtClean="0"/>
+            <a:rPr lang="en-US" sz="1800" b="0" i="0" kern="1200" dirty="0"/>
             <a:t>Data is safe and secure with data abstraction.</a:t>
           </a:r>
-          <a:endParaRPr lang="en-US" sz="1800" b="0" i="0" kern="1200" dirty="0"/>
         </a:p>
         <a:p>
           <a:pPr marL="171450" lvl="1" indent="-171450" algn="l" defTabSz="800100">
@@ -5520,13 +5310,12 @@
             <a:spcAft>
               <a:spcPct val="15000"/>
             </a:spcAft>
-            <a:buChar char="••"/>
+            <a:buChar char="•"/>
           </a:pPr>
           <a:r>
-            <a:rPr lang="en-US" sz="1800" b="0" i="0" kern="1200" dirty="0" smtClean="0"/>
+            <a:rPr lang="en-US" sz="1800" b="0" i="0" kern="1200" dirty="0"/>
             <a:t>It makes software easier to maintain.</a:t>
           </a:r>
-          <a:endParaRPr lang="en-US" sz="1800" b="0" i="0" kern="1200" dirty="0"/>
         </a:p>
         <a:p>
           <a:pPr marL="171450" lvl="1" indent="-171450" algn="l" defTabSz="800100">
@@ -5539,13 +5328,12 @@
             <a:spcAft>
               <a:spcPct val="15000"/>
             </a:spcAft>
-            <a:buChar char="••"/>
+            <a:buChar char="•"/>
           </a:pPr>
           <a:r>
-            <a:rPr lang="en-US" sz="1800" b="0" i="0" kern="1200" dirty="0" smtClean="0"/>
+            <a:rPr lang="en-US" sz="1800" b="0" i="0" kern="1200" dirty="0"/>
             <a:t>Reusability also enables faster development.</a:t>
           </a:r>
-          <a:endParaRPr lang="en-US" sz="1800" b="0" i="0" kern="1200" dirty="0"/>
         </a:p>
         <a:p>
           <a:pPr marL="171450" lvl="1" indent="-171450" algn="l" defTabSz="800100">
@@ -5558,13 +5346,12 @@
             <a:spcAft>
               <a:spcPct val="15000"/>
             </a:spcAft>
-            <a:buChar char="••"/>
+            <a:buChar char="•"/>
           </a:pPr>
           <a:r>
-            <a:rPr lang="en-US" sz="1800" b="0" i="0" kern="1200" dirty="0" smtClean="0"/>
+            <a:rPr lang="en-US" sz="1800" b="0" i="0" kern="1200" dirty="0"/>
             <a:t>The software components can be easily adapted and modified by the programmers.</a:t>
           </a:r>
-          <a:endParaRPr lang="en-US" sz="1800" b="0" i="0" kern="1200" dirty="0"/>
         </a:p>
         <a:p>
           <a:pPr marL="171450" lvl="1" indent="-171450" algn="l" defTabSz="800100">
@@ -5577,13 +5364,12 @@
             <a:spcAft>
               <a:spcPct val="15000"/>
             </a:spcAft>
-            <a:buChar char="••"/>
+            <a:buChar char="•"/>
           </a:pPr>
           <a:r>
-            <a:rPr lang="en-US" sz="1800" b="0" i="0" kern="1200" dirty="0" smtClean="0"/>
+            <a:rPr lang="en-US" sz="1800" b="0" i="0" kern="1200" dirty="0"/>
             <a:t>It implements real life scenario.</a:t>
           </a:r>
-          <a:endParaRPr lang="en-US" sz="1800" b="0" i="0" kern="1200" dirty="0"/>
         </a:p>
         <a:p>
           <a:pPr marL="171450" lvl="1" indent="-171450" algn="l" defTabSz="800100">
@@ -5596,13 +5382,12 @@
             <a:spcAft>
               <a:spcPct val="15000"/>
             </a:spcAft>
-            <a:buChar char="••"/>
+            <a:buChar char="•"/>
           </a:pPr>
           <a:r>
-            <a:rPr lang="en-US" sz="1800" b="0" i="0" kern="1200" dirty="0" smtClean="0"/>
+            <a:rPr lang="en-US" sz="1800" b="0" i="0" kern="1200" dirty="0"/>
             <a:t>The productivity of programmers increases.</a:t>
           </a:r>
-          <a:endParaRPr lang="en-US" sz="1800" b="0" i="0" kern="1200" dirty="0"/>
         </a:p>
       </dsp:txBody>
       <dsp:txXfrm>
@@ -5856,7 +5641,7 @@
         </a:bodyPr>
         <a:lstStyle/>
         <a:p>
-          <a:pPr lvl="0" algn="ctr" defTabSz="1333500">
+          <a:pPr marL="0" lvl="0" indent="0" algn="ctr" defTabSz="1333500">
             <a:lnSpc>
               <a:spcPct val="90000"/>
             </a:lnSpc>
@@ -5866,12 +5651,12 @@
             <a:spcAft>
               <a:spcPct val="35000"/>
             </a:spcAft>
+            <a:buNone/>
           </a:pPr>
           <a:r>
-            <a:rPr lang="en-US" sz="3000" kern="1200" dirty="0" smtClean="0"/>
+            <a:rPr lang="en-US" sz="3000" kern="1200" dirty="0"/>
             <a:t>OOP</a:t>
           </a:r>
-          <a:endParaRPr lang="en-US" sz="3000" kern="1200" dirty="0"/>
         </a:p>
       </dsp:txBody>
       <dsp:txXfrm>
@@ -5933,7 +5718,7 @@
         </a:bodyPr>
         <a:lstStyle/>
         <a:p>
-          <a:pPr lvl="0" algn="ctr" defTabSz="311150">
+          <a:pPr marL="0" lvl="0" indent="0" algn="ctr" defTabSz="311150">
             <a:lnSpc>
               <a:spcPct val="90000"/>
             </a:lnSpc>
@@ -5943,16 +5728,16 @@
             <a:spcAft>
               <a:spcPct val="35000"/>
             </a:spcAft>
+            <a:buNone/>
           </a:pPr>
           <a:r>
-            <a:rPr lang="en-US" sz="700" kern="1200" smtClean="0"/>
+            <a:rPr lang="en-US" sz="700" kern="1200"/>
             <a:t>Data </a:t>
           </a:r>
           <a:r>
-            <a:rPr lang="en-US" sz="700" kern="1200" dirty="0" smtClean="0"/>
+            <a:rPr lang="en-US" sz="700" kern="1200" dirty="0"/>
             <a:t>Abstraction</a:t>
           </a:r>
-          <a:endParaRPr lang="en-US" sz="700" kern="1200" dirty="0"/>
         </a:p>
       </dsp:txBody>
       <dsp:txXfrm>
@@ -6014,7 +5799,7 @@
         </a:bodyPr>
         <a:lstStyle/>
         <a:p>
-          <a:pPr lvl="0" algn="ctr" defTabSz="311150">
+          <a:pPr marL="0" lvl="0" indent="0" algn="ctr" defTabSz="311150">
             <a:lnSpc>
               <a:spcPct val="90000"/>
             </a:lnSpc>
@@ -6024,12 +5809,12 @@
             <a:spcAft>
               <a:spcPct val="35000"/>
             </a:spcAft>
+            <a:buNone/>
           </a:pPr>
           <a:r>
-            <a:rPr lang="en-US" sz="700" kern="1200" dirty="0" smtClean="0"/>
+            <a:rPr lang="en-US" sz="700" kern="1200" dirty="0"/>
             <a:t>Encapsulation</a:t>
           </a:r>
-          <a:endParaRPr lang="en-US" sz="700" kern="1200" dirty="0"/>
         </a:p>
       </dsp:txBody>
       <dsp:txXfrm>
@@ -6091,7 +5876,7 @@
         </a:bodyPr>
         <a:lstStyle/>
         <a:p>
-          <a:pPr lvl="0" algn="ctr" defTabSz="311150">
+          <a:pPr marL="0" lvl="0" indent="0" algn="ctr" defTabSz="311150">
             <a:lnSpc>
               <a:spcPct val="90000"/>
             </a:lnSpc>
@@ -6101,12 +5886,12 @@
             <a:spcAft>
               <a:spcPct val="35000"/>
             </a:spcAft>
+            <a:buNone/>
           </a:pPr>
           <a:r>
-            <a:rPr lang="en-US" sz="700" kern="1200" dirty="0" smtClean="0"/>
+            <a:rPr lang="en-US" sz="700" kern="1200" dirty="0"/>
             <a:t>Polymorphism</a:t>
           </a:r>
-          <a:endParaRPr lang="en-US" sz="700" kern="1200" dirty="0"/>
         </a:p>
       </dsp:txBody>
       <dsp:txXfrm>
@@ -6168,7 +5953,7 @@
         </a:bodyPr>
         <a:lstStyle/>
         <a:p>
-          <a:pPr lvl="0" algn="ctr" defTabSz="311150">
+          <a:pPr marL="0" lvl="0" indent="0" algn="ctr" defTabSz="311150">
             <a:lnSpc>
               <a:spcPct val="90000"/>
             </a:lnSpc>
@@ -6178,12 +5963,12 @@
             <a:spcAft>
               <a:spcPct val="35000"/>
             </a:spcAft>
+            <a:buNone/>
           </a:pPr>
           <a:r>
-            <a:rPr lang="en-US" sz="700" kern="1200" dirty="0" smtClean="0"/>
+            <a:rPr lang="en-US" sz="700" kern="1200" dirty="0"/>
             <a:t>Inheritance</a:t>
           </a:r>
-          <a:endParaRPr lang="en-US" sz="700" kern="1200" dirty="0"/>
         </a:p>
       </dsp:txBody>
       <dsp:txXfrm>
@@ -6285,7 +6070,7 @@
         </a:bodyPr>
         <a:lstStyle/>
         <a:p>
-          <a:pPr lvl="0" algn="ctr" defTabSz="355600">
+          <a:pPr marL="0" lvl="0" indent="0" algn="ctr" defTabSz="355600">
             <a:lnSpc>
               <a:spcPct val="90000"/>
             </a:lnSpc>
@@ -6295,9 +6080,10 @@
             <a:spcAft>
               <a:spcPct val="35000"/>
             </a:spcAft>
+            <a:buNone/>
           </a:pPr>
           <a:r>
-            <a:rPr lang="en-US" sz="800" kern="1200" dirty="0" smtClean="0">
+            <a:rPr lang="en-US" sz="800" kern="1200" dirty="0">
               <a:solidFill>
                 <a:schemeClr val="accent6">
                   <a:lumMod val="50000"/>
@@ -6306,13 +6092,6 @@
             </a:rPr>
             <a:t>Data Encapsulation</a:t>
           </a:r>
-          <a:endParaRPr lang="en-US" sz="800" kern="1200" dirty="0">
-            <a:solidFill>
-              <a:schemeClr val="accent6">
-                <a:lumMod val="50000"/>
-              </a:schemeClr>
-            </a:solidFill>
-          </a:endParaRPr>
         </a:p>
       </dsp:txBody>
       <dsp:txXfrm>
@@ -6402,7 +6181,7 @@
         </a:bodyPr>
         <a:lstStyle/>
         <a:p>
-          <a:pPr lvl="0" algn="ctr" defTabSz="311150">
+          <a:pPr marL="0" lvl="0" indent="0" algn="ctr" defTabSz="311150">
             <a:lnSpc>
               <a:spcPct val="90000"/>
             </a:lnSpc>
@@ -6412,6 +6191,7 @@
             <a:spcAft>
               <a:spcPct val="35000"/>
             </a:spcAft>
+            <a:buNone/>
           </a:pPr>
           <a:endParaRPr lang="en-US" sz="700" kern="1200"/>
         </a:p>
@@ -6503,7 +6283,7 @@
         </a:bodyPr>
         <a:lstStyle/>
         <a:p>
-          <a:pPr lvl="0" algn="ctr" defTabSz="355600">
+          <a:pPr marL="0" lvl="0" indent="0" algn="ctr" defTabSz="355600">
             <a:lnSpc>
               <a:spcPct val="90000"/>
             </a:lnSpc>
@@ -6513,9 +6293,10 @@
             <a:spcAft>
               <a:spcPct val="35000"/>
             </a:spcAft>
+            <a:buNone/>
           </a:pPr>
           <a:r>
-            <a:rPr lang="en-US" sz="800" kern="1200" dirty="0" smtClean="0">
+            <a:rPr lang="en-US" sz="800" kern="1200" dirty="0">
               <a:solidFill>
                 <a:schemeClr val="accent6">
                   <a:lumMod val="50000"/>
@@ -6524,13 +6305,6 @@
             </a:rPr>
             <a:t>Data Hiding</a:t>
           </a:r>
-          <a:endParaRPr lang="en-US" sz="800" kern="1200" dirty="0">
-            <a:solidFill>
-              <a:schemeClr val="accent6">
-                <a:lumMod val="50000"/>
-              </a:schemeClr>
-            </a:solidFill>
-          </a:endParaRPr>
         </a:p>
       </dsp:txBody>
       <dsp:txXfrm>
@@ -6620,7 +6394,7 @@
         </a:bodyPr>
         <a:lstStyle/>
         <a:p>
-          <a:pPr lvl="0" algn="ctr" defTabSz="311150">
+          <a:pPr marL="0" lvl="0" indent="0" algn="ctr" defTabSz="311150">
             <a:lnSpc>
               <a:spcPct val="90000"/>
             </a:lnSpc>
@@ -6630,6 +6404,7 @@
             <a:spcAft>
               <a:spcPct val="35000"/>
             </a:spcAft>
+            <a:buNone/>
           </a:pPr>
           <a:endParaRPr lang="en-US" sz="700" kern="1200"/>
         </a:p>
@@ -6721,7 +6496,7 @@
         </a:bodyPr>
         <a:lstStyle/>
         <a:p>
-          <a:pPr lvl="0" algn="ctr" defTabSz="355600">
+          <a:pPr marL="0" lvl="0" indent="0" algn="ctr" defTabSz="355600">
             <a:lnSpc>
               <a:spcPct val="90000"/>
             </a:lnSpc>
@@ -6731,9 +6506,10 @@
             <a:spcAft>
               <a:spcPct val="35000"/>
             </a:spcAft>
+            <a:buNone/>
           </a:pPr>
           <a:r>
-            <a:rPr lang="en-US" sz="800" kern="1200" dirty="0" smtClean="0">
+            <a:rPr lang="en-US" sz="800" kern="1200" dirty="0">
               <a:solidFill>
                 <a:schemeClr val="accent6">
                   <a:lumMod val="50000"/>
@@ -6742,13 +6518,6 @@
             </a:rPr>
             <a:t>Data Abstraction</a:t>
           </a:r>
-          <a:endParaRPr lang="en-US" sz="800" kern="1200" dirty="0">
-            <a:solidFill>
-              <a:schemeClr val="accent6">
-                <a:lumMod val="50000"/>
-              </a:schemeClr>
-            </a:solidFill>
-          </a:endParaRPr>
         </a:p>
       </dsp:txBody>
       <dsp:txXfrm>
@@ -12166,7 +11935,7 @@
           <a:p>
             <a:fld id="{F9ACA898-F605-4900-878E-E9768DF1D293}" type="datetimeFigureOut">
               <a:rPr lang="en-US" smtClean="0"/>
-              <a:t>2/25/2019</a:t>
+              <a:t>1/24/20</a:t>
             </a:fld>
             <a:endParaRPr lang="en-US"/>
           </a:p>
@@ -12230,38 +11999,37 @@
           <a:p>
             <a:pPr lvl="0"/>
             <a:r>
-              <a:rPr lang="en-US" smtClean="0"/>
+              <a:rPr lang="en-US"/>
               <a:t>Click to edit Master text styles</a:t>
             </a:r>
           </a:p>
           <a:p>
             <a:pPr lvl="1"/>
             <a:r>
-              <a:rPr lang="en-US" smtClean="0"/>
+              <a:rPr lang="en-US"/>
               <a:t>Second level</a:t>
             </a:r>
           </a:p>
           <a:p>
             <a:pPr lvl="2"/>
             <a:r>
-              <a:rPr lang="en-US" smtClean="0"/>
+              <a:rPr lang="en-US"/>
               <a:t>Third level</a:t>
             </a:r>
           </a:p>
           <a:p>
             <a:pPr lvl="3"/>
             <a:r>
-              <a:rPr lang="en-US" smtClean="0"/>
+              <a:rPr lang="en-US"/>
               <a:t>Fourth level</a:t>
             </a:r>
           </a:p>
           <a:p>
             <a:pPr lvl="4"/>
             <a:r>
-              <a:rPr lang="en-US" smtClean="0"/>
+              <a:rPr lang="en-US"/>
               <a:t>Fifth level</a:t>
             </a:r>
-            <a:endParaRPr lang="en-US"/>
           </a:p>
         </p:txBody>
       </p:sp>
@@ -12517,7 +12285,7 @@
           <a:p>
             <a:pPr lvl="0"/>
             <a:r>
-              <a:rPr lang="en-US" dirty="0" smtClean="0"/>
+              <a:rPr lang="en-US" dirty="0"/>
               <a:t>Read Me First</a:t>
             </a:r>
           </a:p>
@@ -12561,10 +12329,9 @@
           <a:p>
             <a:pPr lvl="0"/>
             <a:r>
-              <a:rPr lang="en-US" dirty="0" smtClean="0"/>
+              <a:rPr lang="en-US" dirty="0"/>
               <a:t>See notes on the left of slide </a:t>
             </a:r>
-            <a:endParaRPr lang="en-US" dirty="0"/>
           </a:p>
         </p:txBody>
       </p:sp>
@@ -12581,13 +12348,6 @@
   <p:clrMapOvr>
     <a:masterClrMapping/>
   </p:clrMapOvr>
-  <p:timing>
-    <p:tnLst>
-      <p:par>
-        <p:cTn id="1" dur="indefinite" restart="never" nodeType="tmRoot"/>
-      </p:par>
-    </p:tnLst>
-  </p:timing>
 </p:sldLayout>
 </file>
 
@@ -12648,10 +12408,9 @@
           </a:lstStyle>
           <a:p>
             <a:r>
-              <a:rPr lang="en-US" dirty="0" smtClean="0"/>
+              <a:rPr lang="en-US" dirty="0"/>
               <a:t>Recap or Review – use any color slide</a:t>
             </a:r>
-            <a:endParaRPr lang="en-US" dirty="0"/>
           </a:p>
         </p:txBody>
       </p:sp>
@@ -12739,38 +12498,37 @@
           <a:p>
             <a:pPr lvl="0"/>
             <a:r>
-              <a:rPr lang="en-US" dirty="0" smtClean="0"/>
+              <a:rPr lang="en-US" dirty="0"/>
               <a:t>Click to edit Master text styles</a:t>
             </a:r>
           </a:p>
           <a:p>
             <a:pPr lvl="1"/>
             <a:r>
-              <a:rPr lang="en-US" dirty="0" smtClean="0"/>
+              <a:rPr lang="en-US" dirty="0"/>
               <a:t>Second level</a:t>
             </a:r>
           </a:p>
           <a:p>
             <a:pPr lvl="2"/>
             <a:r>
-              <a:rPr lang="en-US" dirty="0" smtClean="0"/>
+              <a:rPr lang="en-US" dirty="0"/>
               <a:t>Third level</a:t>
             </a:r>
           </a:p>
           <a:p>
             <a:pPr lvl="3"/>
             <a:r>
-              <a:rPr lang="en-US" dirty="0" smtClean="0"/>
+              <a:rPr lang="en-US" dirty="0"/>
               <a:t>Fourth level</a:t>
             </a:r>
           </a:p>
           <a:p>
             <a:pPr lvl="4"/>
             <a:r>
-              <a:rPr lang="en-US" dirty="0" smtClean="0"/>
+              <a:rPr lang="en-US" dirty="0"/>
               <a:t>Fifth level</a:t>
             </a:r>
-            <a:endParaRPr lang="en-US" dirty="0"/>
           </a:p>
         </p:txBody>
       </p:sp>
@@ -12787,13 +12545,6 @@
   <p:clrMapOvr>
     <a:masterClrMapping/>
   </p:clrMapOvr>
-  <p:timing>
-    <p:tnLst>
-      <p:par>
-        <p:cTn id="1" dur="indefinite" restart="never" nodeType="tmRoot"/>
-      </p:par>
-    </p:tnLst>
-  </p:timing>
 </p:sldLayout>
 </file>
 
@@ -12854,10 +12605,9 @@
           </a:lstStyle>
           <a:p>
             <a:r>
-              <a:rPr lang="en-US" dirty="0" smtClean="0"/>
+              <a:rPr lang="en-US" dirty="0"/>
               <a:t>Slide Title – Light Blue Background</a:t>
             </a:r>
-            <a:endParaRPr lang="en-US" dirty="0"/>
           </a:p>
         </p:txBody>
       </p:sp>
@@ -12945,38 +12695,37 @@
           <a:p>
             <a:pPr lvl="0"/>
             <a:r>
-              <a:rPr lang="en-US" dirty="0" smtClean="0"/>
+              <a:rPr lang="en-US" dirty="0"/>
               <a:t>Click to edit Master text styles</a:t>
             </a:r>
           </a:p>
           <a:p>
             <a:pPr lvl="1"/>
             <a:r>
-              <a:rPr lang="en-US" dirty="0" smtClean="0"/>
+              <a:rPr lang="en-US" dirty="0"/>
               <a:t>Second level</a:t>
             </a:r>
           </a:p>
           <a:p>
             <a:pPr lvl="2"/>
             <a:r>
-              <a:rPr lang="en-US" dirty="0" smtClean="0"/>
+              <a:rPr lang="en-US" dirty="0"/>
               <a:t>Third level</a:t>
             </a:r>
           </a:p>
           <a:p>
             <a:pPr lvl="3"/>
             <a:r>
-              <a:rPr lang="en-US" dirty="0" smtClean="0"/>
+              <a:rPr lang="en-US" dirty="0"/>
               <a:t>Fourth level</a:t>
             </a:r>
           </a:p>
           <a:p>
             <a:pPr lvl="4"/>
             <a:r>
-              <a:rPr lang="en-US" dirty="0" smtClean="0"/>
+              <a:rPr lang="en-US" dirty="0"/>
               <a:t>Fifth level</a:t>
             </a:r>
-            <a:endParaRPr lang="en-US" dirty="0"/>
           </a:p>
         </p:txBody>
       </p:sp>
@@ -12993,13 +12742,6 @@
   <p:clrMapOvr>
     <a:masterClrMapping/>
   </p:clrMapOvr>
-  <p:timing>
-    <p:tnLst>
-      <p:par>
-        <p:cTn id="1" dur="indefinite" restart="never" nodeType="tmRoot"/>
-      </p:par>
-    </p:tnLst>
-  </p:timing>
 </p:sldLayout>
 </file>
 
@@ -13060,10 +12802,9 @@
           </a:lstStyle>
           <a:p>
             <a:r>
-              <a:rPr lang="en-US" dirty="0" smtClean="0"/>
+              <a:rPr lang="en-US" dirty="0"/>
               <a:t>Slide Title – White background</a:t>
             </a:r>
-            <a:endParaRPr lang="en-US" dirty="0"/>
           </a:p>
         </p:txBody>
       </p:sp>
@@ -13143,38 +12884,37 @@
           <a:p>
             <a:pPr lvl="0"/>
             <a:r>
-              <a:rPr lang="en-US" dirty="0" smtClean="0"/>
+              <a:rPr lang="en-US" dirty="0"/>
               <a:t>Click to edit Master text styles</a:t>
             </a:r>
           </a:p>
           <a:p>
             <a:pPr lvl="1"/>
             <a:r>
-              <a:rPr lang="en-US" dirty="0" smtClean="0"/>
+              <a:rPr lang="en-US" dirty="0"/>
               <a:t>Second level</a:t>
             </a:r>
           </a:p>
           <a:p>
             <a:pPr lvl="2"/>
             <a:r>
-              <a:rPr lang="en-US" dirty="0" smtClean="0"/>
+              <a:rPr lang="en-US" dirty="0"/>
               <a:t>Third level</a:t>
             </a:r>
           </a:p>
           <a:p>
             <a:pPr lvl="3"/>
             <a:r>
-              <a:rPr lang="en-US" dirty="0" smtClean="0"/>
+              <a:rPr lang="en-US" dirty="0"/>
               <a:t>Fourth level</a:t>
             </a:r>
           </a:p>
           <a:p>
             <a:pPr lvl="4"/>
             <a:r>
-              <a:rPr lang="en-US" dirty="0" smtClean="0"/>
+              <a:rPr lang="en-US" dirty="0"/>
               <a:t>Fifth level</a:t>
             </a:r>
-            <a:endParaRPr lang="en-US" dirty="0"/>
           </a:p>
         </p:txBody>
       </p:sp>
@@ -13191,13 +12931,6 @@
   <p:clrMapOvr>
     <a:masterClrMapping/>
   </p:clrMapOvr>
-  <p:timing>
-    <p:tnLst>
-      <p:par>
-        <p:cTn id="1" dur="indefinite" restart="never" nodeType="tmRoot"/>
-      </p:par>
-    </p:tnLst>
-  </p:timing>
 </p:sldLayout>
 </file>
 
@@ -13258,10 +12991,9 @@
           </a:lstStyle>
           <a:p>
             <a:r>
-              <a:rPr lang="en-US" dirty="0" smtClean="0"/>
+              <a:rPr lang="en-US" dirty="0"/>
               <a:t>Check on learning -  any color slide </a:t>
             </a:r>
-            <a:endParaRPr lang="en-US" dirty="0"/>
           </a:p>
         </p:txBody>
       </p:sp>
@@ -13349,38 +13081,37 @@
           <a:p>
             <a:pPr lvl="0"/>
             <a:r>
-              <a:rPr lang="en-US" dirty="0" smtClean="0"/>
+              <a:rPr lang="en-US" dirty="0"/>
               <a:t>Click to edit Master text styles</a:t>
             </a:r>
           </a:p>
           <a:p>
             <a:pPr lvl="1"/>
             <a:r>
-              <a:rPr lang="en-US" dirty="0" smtClean="0"/>
+              <a:rPr lang="en-US" dirty="0"/>
               <a:t>Second level</a:t>
             </a:r>
           </a:p>
           <a:p>
             <a:pPr lvl="2"/>
             <a:r>
-              <a:rPr lang="en-US" dirty="0" smtClean="0"/>
+              <a:rPr lang="en-US" dirty="0"/>
               <a:t>Third level</a:t>
             </a:r>
           </a:p>
           <a:p>
             <a:pPr lvl="3"/>
             <a:r>
-              <a:rPr lang="en-US" dirty="0" smtClean="0"/>
+              <a:rPr lang="en-US" dirty="0"/>
               <a:t>Fourth level</a:t>
             </a:r>
           </a:p>
           <a:p>
             <a:pPr lvl="4"/>
             <a:r>
-              <a:rPr lang="en-US" dirty="0" smtClean="0"/>
+              <a:rPr lang="en-US" dirty="0"/>
               <a:t>Fifth level</a:t>
             </a:r>
-            <a:endParaRPr lang="en-US" dirty="0"/>
           </a:p>
         </p:txBody>
       </p:sp>
@@ -13397,13 +13128,6 @@
   <p:clrMapOvr>
     <a:masterClrMapping/>
   </p:clrMapOvr>
-  <p:timing>
-    <p:tnLst>
-      <p:par>
-        <p:cTn id="1" dur="indefinite" restart="never" nodeType="tmRoot"/>
-      </p:par>
-    </p:tnLst>
-  </p:timing>
 </p:sldLayout>
 </file>
 
@@ -13464,10 +13188,9 @@
           </a:lstStyle>
           <a:p>
             <a:r>
-              <a:rPr lang="en-US" dirty="0" smtClean="0"/>
+              <a:rPr lang="en-US" dirty="0"/>
               <a:t>Restate terminal objective - any color slide </a:t>
             </a:r>
-            <a:endParaRPr lang="en-US" dirty="0"/>
           </a:p>
         </p:txBody>
       </p:sp>
@@ -13555,38 +13278,37 @@
           <a:p>
             <a:pPr lvl="0"/>
             <a:r>
-              <a:rPr lang="en-US" dirty="0" smtClean="0"/>
+              <a:rPr lang="en-US" dirty="0"/>
               <a:t>Click to edit Master text styles</a:t>
             </a:r>
           </a:p>
           <a:p>
             <a:pPr lvl="1"/>
             <a:r>
-              <a:rPr lang="en-US" dirty="0" smtClean="0"/>
+              <a:rPr lang="en-US" dirty="0"/>
               <a:t>Second level</a:t>
             </a:r>
           </a:p>
           <a:p>
             <a:pPr lvl="2"/>
             <a:r>
-              <a:rPr lang="en-US" dirty="0" smtClean="0"/>
+              <a:rPr lang="en-US" dirty="0"/>
               <a:t>Third level</a:t>
             </a:r>
           </a:p>
           <a:p>
             <a:pPr lvl="3"/>
             <a:r>
-              <a:rPr lang="en-US" dirty="0" smtClean="0"/>
+              <a:rPr lang="en-US" dirty="0"/>
               <a:t>Fourth level</a:t>
             </a:r>
           </a:p>
           <a:p>
             <a:pPr lvl="4"/>
             <a:r>
-              <a:rPr lang="en-US" dirty="0" smtClean="0"/>
+              <a:rPr lang="en-US" dirty="0"/>
               <a:t>Fifth level</a:t>
             </a:r>
-            <a:endParaRPr lang="en-US" dirty="0"/>
           </a:p>
         </p:txBody>
       </p:sp>
@@ -13603,13 +13325,6 @@
   <p:clrMapOvr>
     <a:masterClrMapping/>
   </p:clrMapOvr>
-  <p:timing>
-    <p:tnLst>
-      <p:par>
-        <p:cTn id="1" dur="indefinite" restart="never" nodeType="tmRoot"/>
-      </p:par>
-    </p:tnLst>
-  </p:timing>
 </p:sldLayout>
 </file>
 
@@ -13670,10 +13385,9 @@
           </a:lstStyle>
           <a:p>
             <a:r>
-              <a:rPr lang="en-US" dirty="0" smtClean="0"/>
+              <a:rPr lang="en-US" dirty="0"/>
               <a:t>Ask learner-centered questions - any color slide </a:t>
             </a:r>
-            <a:endParaRPr lang="en-US" dirty="0"/>
           </a:p>
         </p:txBody>
       </p:sp>
@@ -13761,38 +13475,37 @@
           <a:p>
             <a:pPr lvl="0"/>
             <a:r>
-              <a:rPr lang="en-US" dirty="0" smtClean="0"/>
+              <a:rPr lang="en-US" dirty="0"/>
               <a:t>Click to edit Master text styles</a:t>
             </a:r>
           </a:p>
           <a:p>
             <a:pPr lvl="1"/>
             <a:r>
-              <a:rPr lang="en-US" dirty="0" smtClean="0"/>
+              <a:rPr lang="en-US" dirty="0"/>
               <a:t>Second level</a:t>
             </a:r>
           </a:p>
           <a:p>
             <a:pPr lvl="2"/>
             <a:r>
-              <a:rPr lang="en-US" dirty="0" smtClean="0"/>
+              <a:rPr lang="en-US" dirty="0"/>
               <a:t>Third level</a:t>
             </a:r>
           </a:p>
           <a:p>
             <a:pPr lvl="3"/>
             <a:r>
-              <a:rPr lang="en-US" dirty="0" smtClean="0"/>
+              <a:rPr lang="en-US" dirty="0"/>
               <a:t>Fourth level</a:t>
             </a:r>
           </a:p>
           <a:p>
             <a:pPr lvl="4"/>
             <a:r>
-              <a:rPr lang="en-US" dirty="0" smtClean="0"/>
+              <a:rPr lang="en-US" dirty="0"/>
               <a:t>Fifth level</a:t>
             </a:r>
-            <a:endParaRPr lang="en-US" dirty="0"/>
           </a:p>
         </p:txBody>
       </p:sp>
@@ -13809,13 +13522,6 @@
   <p:clrMapOvr>
     <a:masterClrMapping/>
   </p:clrMapOvr>
-  <p:timing>
-    <p:tnLst>
-      <p:par>
-        <p:cTn id="1" dur="indefinite" restart="never" nodeType="tmRoot"/>
-      </p:par>
-    </p:tnLst>
-  </p:timing>
 </p:sldLayout>
 </file>
 
@@ -13899,10 +13605,9 @@
           </a:lstStyle>
           <a:p>
             <a:r>
-              <a:rPr lang="en-US" dirty="0" smtClean="0"/>
+              <a:rPr lang="en-US" dirty="0"/>
               <a:t>Thank you</a:t>
             </a:r>
-            <a:endParaRPr lang="en-US" dirty="0"/>
           </a:p>
         </p:txBody>
       </p:sp>
@@ -14003,21 +13708,21 @@
           <a:p>
             <a:pPr lvl="0"/>
             <a:r>
-              <a:rPr lang="en-US" dirty="0" smtClean="0"/>
+              <a:rPr lang="en-US" dirty="0"/>
               <a:t>Name</a:t>
             </a:r>
           </a:p>
           <a:p>
             <a:pPr lvl="0"/>
             <a:r>
-              <a:rPr lang="en-US" dirty="0" smtClean="0"/>
+              <a:rPr lang="en-US" dirty="0"/>
               <a:t>ID</a:t>
             </a:r>
             <a:br>
-              <a:rPr lang="en-US" dirty="0" smtClean="0"/>
+              <a:rPr lang="en-US" dirty="0"/>
             </a:br>
             <a:r>
-              <a:rPr lang="en-US" dirty="0" smtClean="0"/>
+              <a:rPr lang="en-US" dirty="0"/>
               <a:t>Email</a:t>
             </a:r>
           </a:p>
@@ -14295,13 +14000,6 @@
   <p:clrMapOvr>
     <a:masterClrMapping/>
   </p:clrMapOvr>
-  <p:timing>
-    <p:tnLst>
-      <p:par>
-        <p:cTn id="1" dur="indefinite" restart="never" nodeType="tmRoot"/>
-      </p:par>
-    </p:tnLst>
-  </p:timing>
 </p:sldLayout>
 </file>
 
@@ -14335,13 +14033,6 @@
   <p:clrMapOvr>
     <a:masterClrMapping/>
   </p:clrMapOvr>
-  <p:timing>
-    <p:tnLst>
-      <p:par>
-        <p:cTn id="1" dur="indefinite" restart="never" nodeType="tmRoot"/>
-      </p:par>
-    </p:tnLst>
-  </p:timing>
 </p:sldLayout>
 </file>
 
@@ -14449,7 +14140,7 @@
           <a:p>
             <a:pPr lvl="0"/>
             <a:r>
-              <a:rPr lang="en-US" dirty="0" smtClean="0"/>
+              <a:rPr lang="en-US" dirty="0"/>
               <a:t>Course Title</a:t>
             </a:r>
           </a:p>
@@ -14493,10 +14184,9 @@
           <a:p>
             <a:pPr lvl="0"/>
             <a:r>
-              <a:rPr lang="en-US" dirty="0" smtClean="0"/>
+              <a:rPr lang="en-US" dirty="0"/>
               <a:t>Sub Topic Title</a:t>
             </a:r>
-            <a:endParaRPr lang="en-US" dirty="0"/>
           </a:p>
         </p:txBody>
       </p:sp>
@@ -14652,13 +14342,6 @@
   <p:clrMapOvr>
     <a:masterClrMapping/>
   </p:clrMapOvr>
-  <p:timing>
-    <p:tnLst>
-      <p:par>
-        <p:cTn id="1" dur="indefinite" restart="never" nodeType="tmRoot"/>
-      </p:par>
-    </p:tnLst>
-  </p:timing>
 </p:sldLayout>
 </file>
 
@@ -14711,10 +14394,9 @@
           </a:lstStyle>
           <a:p>
             <a:r>
-              <a:rPr lang="en-US" dirty="0" smtClean="0"/>
+              <a:rPr lang="en-US" dirty="0"/>
               <a:t>Generate interest</a:t>
             </a:r>
-            <a:endParaRPr lang="en-US" dirty="0"/>
           </a:p>
         </p:txBody>
       </p:sp>
@@ -14802,10 +14484,9 @@
           <a:p>
             <a:pPr lvl="0"/>
             <a:r>
-              <a:rPr lang="en-US" dirty="0" smtClean="0"/>
+              <a:rPr lang="en-US" dirty="0"/>
               <a:t>Click to add text</a:t>
             </a:r>
-            <a:endParaRPr lang="en-US" dirty="0"/>
           </a:p>
         </p:txBody>
       </p:sp>
@@ -14822,13 +14503,6 @@
   <p:clrMapOvr>
     <a:masterClrMapping/>
   </p:clrMapOvr>
-  <p:timing>
-    <p:tnLst>
-      <p:par>
-        <p:cTn id="1" dur="indefinite" restart="never" nodeType="tmRoot"/>
-      </p:par>
-    </p:tnLst>
-  </p:timing>
 </p:sldLayout>
 </file>
 
@@ -14881,10 +14555,9 @@
           </a:lstStyle>
           <a:p>
             <a:r>
-              <a:rPr lang="en-US" dirty="0" smtClean="0"/>
+              <a:rPr lang="en-US" dirty="0"/>
               <a:t>Terminal Objective</a:t>
             </a:r>
-            <a:endParaRPr lang="en-US" dirty="0"/>
           </a:p>
         </p:txBody>
       </p:sp>
@@ -14972,10 +14645,9 @@
           <a:p>
             <a:pPr lvl="0"/>
             <a:r>
-              <a:rPr lang="en-US" dirty="0" smtClean="0"/>
+              <a:rPr lang="en-US" dirty="0"/>
               <a:t>Click to add text</a:t>
             </a:r>
-            <a:endParaRPr lang="en-US" dirty="0"/>
           </a:p>
         </p:txBody>
       </p:sp>
@@ -14992,13 +14664,6 @@
   <p:clrMapOvr>
     <a:masterClrMapping/>
   </p:clrMapOvr>
-  <p:timing>
-    <p:tnLst>
-      <p:par>
-        <p:cTn id="1" dur="indefinite" restart="never" nodeType="tmRoot"/>
-      </p:par>
-    </p:tnLst>
-  </p:timing>
 </p:sldLayout>
 </file>
 
@@ -15051,10 +14716,9 @@
           </a:lstStyle>
           <a:p>
             <a:r>
-              <a:rPr lang="en-US" dirty="0" smtClean="0"/>
+              <a:rPr lang="en-US" dirty="0"/>
               <a:t>Need and/or Benefits</a:t>
             </a:r>
-            <a:endParaRPr lang="en-US" dirty="0"/>
           </a:p>
         </p:txBody>
       </p:sp>
@@ -15158,13 +14822,6 @@
   <p:clrMapOvr>
     <a:masterClrMapping/>
   </p:clrMapOvr>
-  <p:timing>
-    <p:tnLst>
-      <p:par>
-        <p:cTn id="1" dur="indefinite" restart="never" nodeType="tmRoot"/>
-      </p:par>
-    </p:tnLst>
-  </p:timing>
 </p:sldLayout>
 </file>
 
@@ -15217,10 +14874,9 @@
           </a:lstStyle>
           <a:p>
             <a:r>
-              <a:rPr lang="en-US" dirty="0" smtClean="0"/>
+              <a:rPr lang="en-US" dirty="0"/>
               <a:t>Key Topics</a:t>
             </a:r>
-            <a:endParaRPr lang="en-US" dirty="0"/>
           </a:p>
         </p:txBody>
       </p:sp>
@@ -15324,13 +14980,6 @@
   <p:clrMapOvr>
     <a:masterClrMapping/>
   </p:clrMapOvr>
-  <p:timing>
-    <p:tnLst>
-      <p:par>
-        <p:cTn id="1" dur="indefinite" restart="never" nodeType="tmRoot"/>
-      </p:par>
-    </p:tnLst>
-  </p:timing>
 </p:sldLayout>
 </file>
 
@@ -15455,7 +15104,7 @@
           <a:p>
             <a:pPr lvl="0"/>
             <a:r>
-              <a:rPr lang="en-US" dirty="0" smtClean="0"/>
+              <a:rPr lang="en-US" dirty="0"/>
               <a:t>Module Title</a:t>
             </a:r>
           </a:p>
@@ -15503,13 +15152,6 @@
   <p:clrMapOvr>
     <a:masterClrMapping/>
   </p:clrMapOvr>
-  <p:timing>
-    <p:tnLst>
-      <p:par>
-        <p:cTn id="1" dur="indefinite" restart="never" nodeType="tmRoot"/>
-      </p:par>
-    </p:tnLst>
-  </p:timing>
 </p:sldLayout>
 </file>
 
@@ -15562,10 +15204,9 @@
           </a:lstStyle>
           <a:p>
             <a:r>
-              <a:rPr lang="en-US" dirty="0" smtClean="0"/>
+              <a:rPr lang="en-US" dirty="0"/>
               <a:t>Slide Title – Black Background</a:t>
             </a:r>
-            <a:endParaRPr lang="en-US" dirty="0"/>
           </a:p>
         </p:txBody>
       </p:sp>
@@ -15653,38 +15294,37 @@
           <a:p>
             <a:pPr lvl="0"/>
             <a:r>
-              <a:rPr lang="en-US" dirty="0" smtClean="0"/>
+              <a:rPr lang="en-US" dirty="0"/>
               <a:t>Click to edit Master text styles</a:t>
             </a:r>
           </a:p>
           <a:p>
             <a:pPr lvl="1"/>
             <a:r>
-              <a:rPr lang="en-US" dirty="0" smtClean="0"/>
+              <a:rPr lang="en-US" dirty="0"/>
               <a:t>Second level</a:t>
             </a:r>
           </a:p>
           <a:p>
             <a:pPr lvl="2"/>
             <a:r>
-              <a:rPr lang="en-US" dirty="0" smtClean="0"/>
+              <a:rPr lang="en-US" dirty="0"/>
               <a:t>Third level</a:t>
             </a:r>
           </a:p>
           <a:p>
             <a:pPr lvl="3"/>
             <a:r>
-              <a:rPr lang="en-US" dirty="0" smtClean="0"/>
+              <a:rPr lang="en-US" dirty="0"/>
               <a:t>Fourth level</a:t>
             </a:r>
           </a:p>
           <a:p>
             <a:pPr lvl="4"/>
             <a:r>
-              <a:rPr lang="en-US" dirty="0" smtClean="0"/>
+              <a:rPr lang="en-US" dirty="0"/>
               <a:t>Fifth level</a:t>
             </a:r>
-            <a:endParaRPr lang="en-US" dirty="0"/>
           </a:p>
         </p:txBody>
       </p:sp>
@@ -15701,13 +15341,6 @@
   <p:clrMapOvr>
     <a:masterClrMapping/>
   </p:clrMapOvr>
-  <p:timing>
-    <p:tnLst>
-      <p:par>
-        <p:cTn id="1" dur="indefinite" restart="never" nodeType="tmRoot"/>
-      </p:par>
-    </p:tnLst>
-  </p:timing>
 </p:sldLayout>
 </file>
 
@@ -15768,10 +15401,9 @@
           </a:lstStyle>
           <a:p>
             <a:r>
-              <a:rPr lang="en-US" dirty="0" smtClean="0"/>
+              <a:rPr lang="en-US" dirty="0"/>
               <a:t>Activity Slide -  dark blue – use only for activities</a:t>
             </a:r>
-            <a:endParaRPr lang="en-US" dirty="0"/>
           </a:p>
         </p:txBody>
       </p:sp>
@@ -15859,38 +15491,37 @@
           <a:p>
             <a:pPr lvl="0"/>
             <a:r>
-              <a:rPr lang="en-US" dirty="0" smtClean="0"/>
+              <a:rPr lang="en-US" dirty="0"/>
               <a:t>Click to edit Master text styles</a:t>
             </a:r>
           </a:p>
           <a:p>
             <a:pPr lvl="1"/>
             <a:r>
-              <a:rPr lang="en-US" dirty="0" smtClean="0"/>
+              <a:rPr lang="en-US" dirty="0"/>
               <a:t>Second level</a:t>
             </a:r>
           </a:p>
           <a:p>
             <a:pPr lvl="2"/>
             <a:r>
-              <a:rPr lang="en-US" dirty="0" smtClean="0"/>
+              <a:rPr lang="en-US" dirty="0"/>
               <a:t>Third level</a:t>
             </a:r>
           </a:p>
           <a:p>
             <a:pPr lvl="3"/>
             <a:r>
-              <a:rPr lang="en-US" dirty="0" smtClean="0"/>
+              <a:rPr lang="en-US" dirty="0"/>
               <a:t>Fourth level</a:t>
             </a:r>
           </a:p>
           <a:p>
             <a:pPr lvl="4"/>
             <a:r>
-              <a:rPr lang="en-US" dirty="0" smtClean="0"/>
+              <a:rPr lang="en-US" dirty="0"/>
               <a:t>Fifth level</a:t>
             </a:r>
-            <a:endParaRPr lang="en-US" dirty="0"/>
           </a:p>
         </p:txBody>
       </p:sp>
@@ -15907,13 +15538,6 @@
   <p:clrMapOvr>
     <a:masterClrMapping/>
   </p:clrMapOvr>
-  <p:timing>
-    <p:tnLst>
-      <p:par>
-        <p:cTn id="1" dur="indefinite" restart="never" nodeType="tmRoot"/>
-      </p:par>
-    </p:tnLst>
-  </p:timing>
 </p:sldLayout>
 </file>
 
@@ -15982,13 +15606,6 @@
     <p:sldLayoutId id="2147483674" r:id="rId17"/>
     <p:sldLayoutId id="2147483668" r:id="rId18"/>
   </p:sldLayoutIdLst>
-  <p:timing>
-    <p:tnLst>
-      <p:par>
-        <p:cTn id="1" dur="indefinite" restart="never" nodeType="tmRoot"/>
-      </p:par>
-    </p:tnLst>
-  </p:timing>
   <p:hf hdr="0" ftr="0" dt="0"/>
   <p:txStyles>
     <p:titleStyle>
@@ -16276,10 +15893,9 @@
           <a:lstStyle/>
           <a:p>
             <a:r>
-              <a:rPr lang="en-US" dirty="0" smtClean="0"/>
+              <a:rPr lang="en-US" dirty="0"/>
               <a:t>Introduction to Python</a:t>
             </a:r>
-            <a:endParaRPr lang="en-US" dirty="0"/>
           </a:p>
         </p:txBody>
       </p:sp>
@@ -16306,7 +15922,7 @@
           <a:lstStyle/>
           <a:p>
             <a:r>
-              <a:rPr lang="en-US" dirty="0" smtClean="0"/>
+              <a:rPr lang="en-US" dirty="0"/>
               <a:t>Basics of Python Programming Language</a:t>
             </a:r>
           </a:p>
@@ -16315,10 +15931,9 @@
           </a:p>
           <a:p>
             <a:r>
-              <a:rPr lang="en-US" dirty="0" smtClean="0"/>
+              <a:rPr lang="en-US" dirty="0"/>
               <a:t>Day 4 | Duration: 2 Hours</a:t>
             </a:r>
-            <a:endParaRPr lang="en-US" dirty="0"/>
           </a:p>
         </p:txBody>
       </p:sp>
@@ -16347,13 +15962,6 @@
       </p:transition>
     </mc:Fallback>
   </mc:AlternateContent>
-  <p:timing>
-    <p:tnLst>
-      <p:par>
-        <p:cTn id="1" dur="indefinite" restart="never" nodeType="tmRoot"/>
-      </p:par>
-    </p:tnLst>
-  </p:timing>
 </p:sld>
 </file>
 
@@ -16390,10 +15998,9 @@
           <a:lstStyle/>
           <a:p>
             <a:r>
-              <a:rPr lang="en-US" dirty="0" smtClean="0"/>
+              <a:rPr lang="en-US" dirty="0"/>
               <a:t>Class &amp; Object in Python</a:t>
             </a:r>
-            <a:endParaRPr lang="en-US" dirty="0"/>
           </a:p>
         </p:txBody>
       </p:sp>
@@ -16422,13 +16029,6 @@
       </p:transition>
     </mc:Fallback>
   </mc:AlternateContent>
-  <p:timing>
-    <p:tnLst>
-      <p:par>
-        <p:cTn id="1" dur="indefinite" restart="never" nodeType="tmRoot"/>
-      </p:par>
-    </p:tnLst>
-  </p:timing>
 </p:sld>
 </file>
 
@@ -16478,11 +16078,7 @@
             </a:pPr>
             <a:r>
               <a:rPr lang="en-US" dirty="0"/>
-              <a:t>Classes are used to create new user-defined data structures that contain arbitrary information about something</a:t>
-            </a:r>
-            <a:r>
-              <a:rPr lang="en-US" dirty="0" smtClean="0"/>
-              <a:t>.</a:t>
+              <a:t>Classes are used to create new user-defined data structures that contain arbitrary information about something.</a:t>
             </a:r>
           </a:p>
           <a:p>
@@ -16493,27 +16089,7 @@
             </a:pPr>
             <a:r>
               <a:rPr lang="en-US" dirty="0"/>
-              <a:t>A</a:t>
-            </a:r>
-            <a:r>
-              <a:rPr lang="en-US" dirty="0" smtClean="0"/>
-              <a:t> </a:t>
-            </a:r>
-            <a:r>
-              <a:rPr lang="en-US" dirty="0"/>
-              <a:t>class just provides </a:t>
-            </a:r>
-            <a:r>
-              <a:rPr lang="en-US" dirty="0" smtClean="0"/>
-              <a:t>structure, it is </a:t>
-            </a:r>
-            <a:r>
-              <a:rPr lang="en-US" dirty="0"/>
-              <a:t>a blueprint for how something should be defined, but it doesn’t actually provide any real content </a:t>
-            </a:r>
-            <a:r>
-              <a:rPr lang="en-US" dirty="0" smtClean="0"/>
-              <a:t>itself.</a:t>
+              <a:t>A class just provides structure, it is a blueprint for how something should be defined, but it doesn’t actually provide any real content itself.</a:t>
             </a:r>
           </a:p>
           <a:p>
@@ -16532,11 +16108,7 @@
             </a:r>
             <a:r>
               <a:rPr lang="en-US" dirty="0"/>
-              <a:t> statement creates a new class </a:t>
-            </a:r>
-            <a:r>
-              <a:rPr lang="en-US" dirty="0" smtClean="0"/>
-              <a:t>definition in Python.</a:t>
+              <a:t> statement creates a new class definition in Python.</a:t>
             </a:r>
           </a:p>
           <a:p>
@@ -16547,23 +16119,11 @@
             </a:pPr>
             <a:r>
               <a:rPr lang="en-US" dirty="0"/>
-              <a:t>The </a:t>
-            </a:r>
-            <a:r>
-              <a:rPr lang="en-US" dirty="0" smtClean="0"/>
-              <a:t>class</a:t>
-            </a:r>
-            <a:r>
-              <a:rPr lang="en-US" dirty="0"/>
-              <a:t> consists of all the component statements defining class members, data attributes and </a:t>
-            </a:r>
-            <a:r>
-              <a:rPr lang="en-US" dirty="0" smtClean="0"/>
-              <a:t>functions.</a:t>
-            </a:r>
-          </a:p>
-          <a:p>
-            <a:endParaRPr lang="en-US" sz="2400" dirty="0" smtClean="0"/>
+              <a:t>The class consists of all the component statements defining class members, data attributes and functions.</a:t>
+            </a:r>
+          </a:p>
+          <a:p>
+            <a:endParaRPr lang="en-US" sz="2400" dirty="0"/>
           </a:p>
         </p:txBody>
       </p:sp>
@@ -16614,13 +16174,6 @@
       </p:transition>
     </mc:Fallback>
   </mc:AlternateContent>
-  <p:timing>
-    <p:tnLst>
-      <p:par>
-        <p:cTn id="1" dur="indefinite" restart="never" nodeType="tmRoot"/>
-      </p:par>
-    </p:tnLst>
-  </p:timing>
 </p:sld>
 </file>
 
@@ -16664,12 +16217,8 @@
           <a:lstStyle/>
           <a:p>
             <a:r>
-              <a:rPr lang="en-US" sz="2000" dirty="0" smtClean="0"/>
-              <a:t>An</a:t>
-            </a:r>
-            <a:r>
               <a:rPr lang="en-US" sz="2000" dirty="0"/>
-              <a:t> </a:t>
+              <a:t>An </a:t>
             </a:r>
             <a:r>
               <a:rPr lang="en-US" sz="2000" dirty="0">
@@ -16677,22 +16226,14 @@
                   <a:srgbClr val="00B0F0"/>
                 </a:solidFill>
               </a:rPr>
-              <a:t>o</a:t>
-            </a:r>
-            <a:r>
-              <a:rPr lang="en-US" sz="2000" dirty="0" smtClean="0">
-                <a:solidFill>
-                  <a:srgbClr val="00B0F0"/>
-                </a:solidFill>
-              </a:rPr>
-              <a:t>bject</a:t>
-            </a:r>
-            <a:r>
-              <a:rPr lang="en-US" sz="2000" dirty="0" smtClean="0"/>
+              <a:t>object</a:t>
+            </a:r>
+            <a:r>
+              <a:rPr lang="en-US" sz="2000" dirty="0"/>
               <a:t> or </a:t>
             </a:r>
             <a:r>
-              <a:rPr lang="en-US" sz="2000" i="1" dirty="0" smtClean="0"/>
+              <a:rPr lang="en-US" sz="2000" i="1" dirty="0"/>
               <a:t>instance</a:t>
             </a:r>
             <a:r>
@@ -16705,14 +16246,10 @@
             </a:r>
             <a:r>
               <a:rPr lang="en-US" sz="2000" dirty="0"/>
-              <a:t> </a:t>
-            </a:r>
-            <a:r>
-              <a:rPr lang="en-US" sz="2000" dirty="0" smtClean="0"/>
-              <a:t>values &amp; functionalities, and we can create as many object we want from a class, which is called </a:t>
-            </a:r>
-            <a:r>
-              <a:rPr lang="en-US" sz="2000" dirty="0" smtClean="0">
+              <a:t> values &amp; functionalities, and we can create as many object we want from a class, which is called </a:t>
+            </a:r>
+            <a:r>
+              <a:rPr lang="en-US" sz="2000" dirty="0">
                 <a:solidFill>
                   <a:srgbClr val="00B0F0"/>
                 </a:solidFill>
@@ -16720,7 +16257,7 @@
               <a:t>Instantiation</a:t>
             </a:r>
             <a:r>
-              <a:rPr lang="en-US" sz="2000" dirty="0" smtClean="0"/>
+              <a:rPr lang="en-US" sz="2000" dirty="0"/>
               <a:t>.</a:t>
             </a:r>
           </a:p>
@@ -16728,7 +16265,7 @@
             <a:endParaRPr lang="en-US" sz="2400" dirty="0"/>
           </a:p>
           <a:p>
-            <a:endParaRPr lang="en-US" dirty="0" smtClean="0"/>
+            <a:endParaRPr lang="en-US" dirty="0"/>
           </a:p>
         </p:txBody>
       </p:sp>
@@ -16823,23 +16360,8 @@
                 </a:solidFill>
                 <a:latin typeface="Arial Black" panose="020B0A04020102020204" pitchFamily="34" charset="0"/>
               </a:rPr>
-              <a:t>C</a:t>
-            </a:r>
-            <a:r>
-              <a:rPr lang="en-US" dirty="0" smtClean="0">
-                <a:solidFill>
-                  <a:schemeClr val="accent5"/>
-                </a:solidFill>
-                <a:latin typeface="Arial Black" panose="020B0A04020102020204" pitchFamily="34" charset="0"/>
-              </a:rPr>
-              <a:t>lass User</a:t>
-            </a:r>
-            <a:endParaRPr lang="en-US" dirty="0">
-              <a:solidFill>
-                <a:schemeClr val="accent5"/>
-              </a:solidFill>
-              <a:latin typeface="Arial Black" panose="020B0A04020102020204" pitchFamily="34" charset="0"/>
-            </a:endParaRPr>
+              <a:t>Class User</a:t>
+            </a:r>
           </a:p>
         </p:txBody>
       </p:sp>
@@ -16866,22 +16388,17 @@
           <a:lstStyle/>
           <a:p>
             <a:r>
-              <a:rPr lang="en-US" sz="1400" dirty="0" smtClean="0"/>
+              <a:rPr lang="en-US" sz="1400" dirty="0"/>
               <a:t>Attribute: </a:t>
             </a:r>
             <a:r>
-              <a:rPr lang="en-US" sz="1400" i="1" dirty="0" smtClean="0">
+              <a:rPr lang="en-US" sz="1400" i="1" dirty="0">
                 <a:solidFill>
                   <a:schemeClr val="accent4"/>
                 </a:solidFill>
               </a:rPr>
               <a:t>name</a:t>
             </a:r>
-            <a:endParaRPr lang="en-US" sz="1400" i="1" dirty="0">
-              <a:solidFill>
-                <a:schemeClr val="accent4"/>
-              </a:solidFill>
-            </a:endParaRPr>
           </a:p>
         </p:txBody>
       </p:sp>
@@ -16908,11 +16425,11 @@
           <a:lstStyle/>
           <a:p>
             <a:r>
-              <a:rPr lang="en-US" sz="1400" dirty="0" smtClean="0"/>
+              <a:rPr lang="en-US" sz="1400" dirty="0"/>
               <a:t>Method: </a:t>
             </a:r>
             <a:r>
-              <a:rPr lang="en-US" sz="1400" i="1" dirty="0" err="1" smtClean="0">
+              <a:rPr lang="en-US" sz="1400" i="1" dirty="0" err="1">
                 <a:solidFill>
                   <a:schemeClr val="accent4"/>
                 </a:solidFill>
@@ -16920,18 +16437,13 @@
               <a:t>sayHello</a:t>
             </a:r>
             <a:r>
-              <a:rPr lang="en-US" sz="1400" i="1" dirty="0" smtClean="0">
+              <a:rPr lang="en-US" sz="1400" i="1" dirty="0">
                 <a:solidFill>
                   <a:schemeClr val="accent4"/>
                 </a:solidFill>
               </a:rPr>
               <a:t>()</a:t>
             </a:r>
-            <a:endParaRPr lang="en-US" sz="1400" i="1" dirty="0">
-              <a:solidFill>
-                <a:schemeClr val="accent4"/>
-              </a:solidFill>
-            </a:endParaRPr>
           </a:p>
         </p:txBody>
       </p:sp>
@@ -17057,18 +16569,13 @@
           <a:lstStyle/>
           <a:p>
             <a:r>
-              <a:rPr lang="en-US" sz="1400" dirty="0" smtClean="0">
+              <a:rPr lang="en-US" sz="1400" dirty="0">
                 <a:solidFill>
                   <a:srgbClr val="00B050"/>
                 </a:solidFill>
               </a:rPr>
               <a:t>David</a:t>
             </a:r>
-            <a:endParaRPr lang="en-US" sz="1400" dirty="0">
-              <a:solidFill>
-                <a:srgbClr val="00B050"/>
-              </a:solidFill>
-            </a:endParaRPr>
           </a:p>
         </p:txBody>
       </p:sp>
@@ -17095,7 +16602,7 @@
           <a:lstStyle/>
           <a:p>
             <a:r>
-              <a:rPr lang="en-US" sz="1400" i="1" dirty="0" err="1" smtClean="0">
+              <a:rPr lang="en-US" sz="1400" i="1" dirty="0" err="1">
                 <a:solidFill>
                   <a:schemeClr val="accent4"/>
                 </a:solidFill>
@@ -17103,18 +16610,13 @@
               <a:t>sayHello</a:t>
             </a:r>
             <a:r>
-              <a:rPr lang="en-US" sz="1400" i="1" dirty="0" smtClean="0">
+              <a:rPr lang="en-US" sz="1400" i="1" dirty="0">
                 <a:solidFill>
                   <a:schemeClr val="accent4"/>
                 </a:solidFill>
               </a:rPr>
               <a:t>()</a:t>
             </a:r>
-            <a:endParaRPr lang="en-US" sz="1400" i="1" dirty="0">
-              <a:solidFill>
-                <a:schemeClr val="accent4"/>
-              </a:solidFill>
-            </a:endParaRPr>
           </a:p>
         </p:txBody>
       </p:sp>
@@ -17210,18 +16712,13 @@
           <a:lstStyle/>
           <a:p>
             <a:r>
-              <a:rPr lang="en-US" sz="1400" dirty="0" smtClean="0">
+              <a:rPr lang="en-US" sz="1400" dirty="0">
                 <a:solidFill>
                   <a:srgbClr val="00B050"/>
                 </a:solidFill>
               </a:rPr>
               <a:t>Bill</a:t>
             </a:r>
-            <a:endParaRPr lang="en-US" sz="1400" dirty="0">
-              <a:solidFill>
-                <a:srgbClr val="00B050"/>
-              </a:solidFill>
-            </a:endParaRPr>
           </a:p>
         </p:txBody>
       </p:sp>
@@ -17248,7 +16745,7 @@
           <a:lstStyle/>
           <a:p>
             <a:r>
-              <a:rPr lang="en-US" sz="1400" i="1" dirty="0" err="1" smtClean="0">
+              <a:rPr lang="en-US" sz="1400" i="1" dirty="0" err="1">
                 <a:solidFill>
                   <a:schemeClr val="accent4"/>
                 </a:solidFill>
@@ -17256,18 +16753,13 @@
               <a:t>sayHello</a:t>
             </a:r>
             <a:r>
-              <a:rPr lang="en-US" sz="1400" i="1" dirty="0" smtClean="0">
+              <a:rPr lang="en-US" sz="1400" i="1" dirty="0">
                 <a:solidFill>
                   <a:schemeClr val="accent4"/>
                 </a:solidFill>
               </a:rPr>
               <a:t>()</a:t>
             </a:r>
-            <a:endParaRPr lang="en-US" sz="1400" i="1" dirty="0">
-              <a:solidFill>
-                <a:schemeClr val="accent4"/>
-              </a:solidFill>
-            </a:endParaRPr>
           </a:p>
         </p:txBody>
       </p:sp>
@@ -17364,18 +16856,13 @@
           <a:p>
             <a:pPr algn="ctr"/>
             <a:r>
-              <a:rPr lang="en-US" sz="1400" dirty="0" smtClean="0">
+              <a:rPr lang="en-US" sz="1400" dirty="0">
                 <a:solidFill>
                   <a:srgbClr val="00B050"/>
                 </a:solidFill>
               </a:rPr>
               <a:t>James</a:t>
             </a:r>
-            <a:endParaRPr lang="en-US" sz="1400" dirty="0">
-              <a:solidFill>
-                <a:srgbClr val="00B050"/>
-              </a:solidFill>
-            </a:endParaRPr>
           </a:p>
         </p:txBody>
       </p:sp>
@@ -17402,7 +16889,7 @@
           <a:lstStyle/>
           <a:p>
             <a:r>
-              <a:rPr lang="en-US" sz="1400" i="1" dirty="0" err="1" smtClean="0">
+              <a:rPr lang="en-US" sz="1400" i="1" dirty="0" err="1">
                 <a:solidFill>
                   <a:schemeClr val="accent4"/>
                 </a:solidFill>
@@ -17410,18 +16897,13 @@
               <a:t>sayHello</a:t>
             </a:r>
             <a:r>
-              <a:rPr lang="en-US" sz="1400" i="1" dirty="0" smtClean="0">
+              <a:rPr lang="en-US" sz="1400" i="1" dirty="0">
                 <a:solidFill>
                   <a:schemeClr val="accent4"/>
                 </a:solidFill>
               </a:rPr>
               <a:t>()</a:t>
             </a:r>
-            <a:endParaRPr lang="en-US" sz="1400" i="1" dirty="0">
-              <a:solidFill>
-                <a:schemeClr val="accent4"/>
-              </a:solidFill>
-            </a:endParaRPr>
           </a:p>
         </p:txBody>
       </p:sp>
@@ -17578,7 +17060,7 @@
           <a:p>
             <a:pPr algn="ctr"/>
             <a:r>
-              <a:rPr lang="en-US" dirty="0" smtClean="0">
+              <a:rPr lang="en-US" dirty="0">
                 <a:ln w="0"/>
                 <a:effectLst>
                   <a:outerShdw blurRad="38100" dist="19050" dir="2700000" algn="tl" rotWithShape="0">
@@ -17740,7 +17222,7 @@
           <a:p>
             <a:pPr algn="ctr"/>
             <a:r>
-              <a:rPr lang="en-US" dirty="0" smtClean="0">
+              <a:rPr lang="en-US" dirty="0">
                 <a:ln w="0"/>
                 <a:effectLst>
                   <a:outerShdw blurRad="38100" dist="19050" dir="2700000" algn="tl" rotWithShape="0">
@@ -17901,13 +17383,6 @@
       </p:transition>
     </mc:Fallback>
   </mc:AlternateContent>
-  <p:timing>
-    <p:tnLst>
-      <p:par>
-        <p:cTn id="1" dur="indefinite" restart="never" nodeType="tmRoot"/>
-      </p:par>
-    </p:tnLst>
-  </p:timing>
 </p:sld>
 </file>
 
@@ -17951,7 +17426,7 @@
           <a:lstStyle/>
           <a:p>
             <a:r>
-              <a:rPr lang="en-US" sz="2000" dirty="0" smtClean="0"/>
+              <a:rPr lang="en-US" sz="2000" dirty="0"/>
               <a:t>Creating a very basic class &amp; object of it in Python:</a:t>
             </a:r>
           </a:p>
@@ -17959,7 +17434,7 @@
             <a:endParaRPr lang="en-US" sz="2400" dirty="0"/>
           </a:p>
           <a:p>
-            <a:endParaRPr lang="en-US" dirty="0" smtClean="0"/>
+            <a:endParaRPr lang="en-US" dirty="0"/>
           </a:p>
         </p:txBody>
       </p:sp>
@@ -18076,13 +17551,6 @@
       </p:transition>
     </mc:Fallback>
   </mc:AlternateContent>
-  <p:timing>
-    <p:tnLst>
-      <p:par>
-        <p:cTn id="1" dur="indefinite" restart="never" nodeType="tmRoot"/>
-      </p:par>
-    </p:tnLst>
-  </p:timing>
 </p:sld>
 </file>
 
@@ -18126,7 +17594,7 @@
           <a:lstStyle/>
           <a:p>
             <a:r>
-              <a:rPr lang="en-US" sz="2000" dirty="0" smtClean="0"/>
+              <a:rPr lang="en-US" sz="2000" dirty="0"/>
               <a:t>Few important built-in class methods:</a:t>
             </a:r>
           </a:p>
@@ -18140,7 +17608,7 @@
               </a:buBlip>
             </a:pPr>
             <a:r>
-              <a:rPr lang="en-US" sz="2000" dirty="0" smtClean="0">
+              <a:rPr lang="en-US" sz="2000" dirty="0">
                 <a:solidFill>
                   <a:srgbClr val="00B0F0"/>
                 </a:solidFill>
@@ -18148,7 +17616,7 @@
               <a:t>__</a:t>
             </a:r>
             <a:r>
-              <a:rPr lang="en-US" sz="2000" dirty="0" err="1" smtClean="0">
+              <a:rPr lang="en-US" sz="2000" dirty="0" err="1">
                 <a:solidFill>
                   <a:srgbClr val="00B0F0"/>
                 </a:solidFill>
@@ -18156,7 +17624,7 @@
               <a:t>init</a:t>
             </a:r>
             <a:r>
-              <a:rPr lang="en-US" sz="2000" dirty="0" smtClean="0">
+              <a:rPr lang="en-US" sz="2000" dirty="0">
                 <a:solidFill>
                   <a:srgbClr val="00B0F0"/>
                 </a:solidFill>
@@ -18164,7 +17632,7 @@
               <a:t>__()</a:t>
             </a:r>
             <a:r>
-              <a:rPr lang="en-US" sz="2000" dirty="0" smtClean="0">
+              <a:rPr lang="en-US" sz="2000" dirty="0">
                 <a:solidFill>
                   <a:schemeClr val="bg1"/>
                 </a:solidFill>
@@ -18172,7 +17640,7 @@
               <a:t>: This is called the </a:t>
             </a:r>
             <a:r>
-              <a:rPr lang="en-US" sz="2000" dirty="0" smtClean="0">
+              <a:rPr lang="en-US" sz="2000" dirty="0">
                 <a:solidFill>
                   <a:srgbClr val="00B0F0"/>
                 </a:solidFill>
@@ -18180,7 +17648,7 @@
               <a:t>constructor</a:t>
             </a:r>
             <a:r>
-              <a:rPr lang="en-US" sz="2000" dirty="0" smtClean="0">
+              <a:rPr lang="en-US" sz="2000" dirty="0">
                 <a:solidFill>
                   <a:schemeClr val="bg1"/>
                 </a:solidFill>
@@ -18189,19 +17657,7 @@
             </a:r>
             <a:r>
               <a:rPr lang="en-US" sz="2000" dirty="0"/>
-              <a:t>whenever an object is created. </a:t>
-            </a:r>
-            <a:r>
-              <a:rPr lang="en-US" sz="2000" dirty="0" smtClean="0"/>
-              <a:t>It helps </a:t>
-            </a:r>
-            <a:r>
-              <a:rPr lang="en-US" sz="2000" dirty="0"/>
-              <a:t>to assign initial values to objects of your class right after they have been created</a:t>
-            </a:r>
-            <a:r>
-              <a:rPr lang="en-US" sz="2000" dirty="0" smtClean="0"/>
-              <a:t>.</a:t>
+              <a:t>whenever an object is created. It helps to assign initial values to objects of your class right after they have been created.</a:t>
             </a:r>
             <a:endParaRPr lang="en-US" sz="2000" dirty="0">
               <a:solidFill>
@@ -18216,7 +17672,7 @@
               </a:buBlip>
             </a:pPr>
             <a:r>
-              <a:rPr lang="en-US" sz="2000" dirty="0" smtClean="0">
+              <a:rPr lang="en-US" sz="2000" dirty="0">
                 <a:solidFill>
                   <a:srgbClr val="00B0F0"/>
                 </a:solidFill>
@@ -18224,7 +17680,7 @@
               <a:t>__del__()</a:t>
             </a:r>
             <a:r>
-              <a:rPr lang="en-US" sz="2000" dirty="0" smtClean="0">
+              <a:rPr lang="en-US" sz="2000" dirty="0">
                 <a:solidFill>
                   <a:schemeClr val="bg1"/>
                 </a:solidFill>
@@ -18245,15 +17701,7 @@
             </a:r>
             <a:r>
               <a:rPr lang="en-US" sz="2000" dirty="0"/>
-              <a:t> function. A destructor function is called whenever an object is deleted/destroyed. </a:t>
-            </a:r>
-            <a:r>
-              <a:rPr lang="en-US" sz="2000" dirty="0" smtClean="0"/>
-              <a:t>We </a:t>
-            </a:r>
-            <a:r>
-              <a:rPr lang="en-US" sz="2000" dirty="0"/>
-              <a:t>can delete an object using ‘</a:t>
+              <a:t> function. A destructor function is called whenever an object is deleted/destroyed. We can delete an object using ‘</a:t>
             </a:r>
             <a:r>
               <a:rPr lang="en-US" sz="1900" i="1" dirty="0">
@@ -18270,44 +17718,13 @@
                 <a:latin typeface="Courier New" panose="02070309020205020404" pitchFamily="49" charset="0"/>
                 <a:cs typeface="Courier New" panose="02070309020205020404" pitchFamily="49" charset="0"/>
               </a:rPr>
-              <a:t> </a:t>
-            </a:r>
-            <a:r>
-              <a:rPr lang="en-US" sz="1900" i="1" dirty="0" smtClean="0">
-                <a:latin typeface="Courier New" panose="02070309020205020404" pitchFamily="49" charset="0"/>
-                <a:cs typeface="Courier New" panose="02070309020205020404" pitchFamily="49" charset="0"/>
-              </a:rPr>
-              <a:t>&lt;object&gt;</a:t>
-            </a:r>
-            <a:r>
-              <a:rPr lang="en-US" sz="2000" dirty="0" smtClean="0"/>
-              <a:t>’ command. Objects </a:t>
+              <a:t> &lt;object&gt;</a:t>
             </a:r>
             <a:r>
               <a:rPr lang="en-US" sz="2000" dirty="0"/>
-              <a:t>are also automatically deleted when the program terminates, or the object goes out of </a:t>
-            </a:r>
-            <a:r>
-              <a:rPr lang="en-US" sz="2000" dirty="0" smtClean="0"/>
-              <a:t>scope. The </a:t>
-            </a:r>
-            <a:r>
-              <a:rPr lang="en-US" sz="2000" dirty="0"/>
-              <a:t>destructor can be used to perform some cleanup activities before an object is </a:t>
-            </a:r>
-            <a:r>
-              <a:rPr lang="en-US" sz="2000" dirty="0" smtClean="0"/>
-              <a:t>destroyed, </a:t>
-            </a:r>
-            <a:r>
-              <a:rPr lang="en-US" sz="2000" dirty="0"/>
-              <a:t>like freeing up resources, closing file pointers, etc</a:t>
-            </a:r>
-            <a:r>
-              <a:rPr lang="en-US" sz="2000" dirty="0" smtClean="0"/>
-              <a:t>.</a:t>
-            </a:r>
-            <a:endParaRPr lang="en-US" sz="2000" dirty="0" smtClean="0">
+              <a:t>’ command. Objects are also automatically deleted when the program terminates, or the object goes out of scope. The destructor can be used to perform some cleanup activities before an object is destroyed, like freeing up resources, closing file pointers, etc.</a:t>
+            </a:r>
+            <a:endParaRPr lang="en-US" sz="2000" dirty="0">
               <a:solidFill>
                 <a:schemeClr val="bg1"/>
               </a:solidFill>
@@ -18320,7 +17737,7 @@
               </a:buBlip>
             </a:pPr>
             <a:r>
-              <a:rPr lang="en-US" sz="2000" dirty="0" smtClean="0">
+              <a:rPr lang="en-US" sz="2000" dirty="0">
                 <a:solidFill>
                   <a:srgbClr val="00B0F0"/>
                 </a:solidFill>
@@ -18328,7 +17745,7 @@
               <a:t>__</a:t>
             </a:r>
             <a:r>
-              <a:rPr lang="en-US" sz="2000" dirty="0" err="1" smtClean="0">
+              <a:rPr lang="en-US" sz="2000" dirty="0" err="1">
                 <a:solidFill>
                   <a:srgbClr val="00B0F0"/>
                 </a:solidFill>
@@ -18336,7 +17753,7 @@
               <a:t>str</a:t>
             </a:r>
             <a:r>
-              <a:rPr lang="en-US" sz="2000" dirty="0" smtClean="0">
+              <a:rPr lang="en-US" sz="2000" dirty="0">
                 <a:solidFill>
                   <a:srgbClr val="00B0F0"/>
                 </a:solidFill>
@@ -18344,7 +17761,7 @@
               <a:t>__()	</a:t>
             </a:r>
             <a:r>
-              <a:rPr lang="en-US" sz="2000" dirty="0" smtClean="0">
+              <a:rPr lang="en-US" sz="2000" dirty="0">
                 <a:solidFill>
                   <a:schemeClr val="bg1"/>
                 </a:solidFill>
@@ -18352,18 +17769,10 @@
               <a:t>: This method returns whatever we want an object to display if we print the object itself, or </a:t>
             </a:r>
             <a:r>
-              <a:rPr lang="en-US" sz="2000" dirty="0" smtClean="0"/>
-              <a:t>explicitly </a:t>
-            </a:r>
-            <a:r>
               <a:rPr lang="en-US" sz="2000" dirty="0"/>
-              <a:t>convert an object into a </a:t>
-            </a:r>
-            <a:r>
-              <a:rPr lang="en-US" sz="2000" dirty="0" smtClean="0"/>
-              <a:t>string.</a:t>
-            </a:r>
-            <a:endParaRPr lang="en-US" sz="2000" dirty="0" smtClean="0">
+              <a:t>explicitly convert an object into a string.</a:t>
+            </a:r>
+            <a:endParaRPr lang="en-US" sz="2000" dirty="0">
               <a:solidFill>
                 <a:schemeClr val="bg1"/>
               </a:solidFill>
@@ -18418,13 +17827,6 @@
       </p:transition>
     </mc:Fallback>
   </mc:AlternateContent>
-  <p:timing>
-    <p:tnLst>
-      <p:par>
-        <p:cTn id="1" dur="indefinite" restart="never" nodeType="tmRoot"/>
-      </p:par>
-    </p:tnLst>
-  </p:timing>
 </p:sld>
 </file>
 
@@ -18468,7 +17870,7 @@
           <a:lstStyle/>
           <a:p>
             <a:r>
-              <a:rPr lang="en-US" sz="2000" dirty="0" smtClean="0"/>
+              <a:rPr lang="en-US" sz="2000" dirty="0"/>
               <a:t> </a:t>
             </a:r>
           </a:p>
@@ -18585,7 +17987,7 @@
           <a:lstStyle/>
           <a:p>
             <a:r>
-              <a:rPr lang="en-US" dirty="0" smtClean="0">
+              <a:rPr lang="en-US" dirty="0">
                 <a:solidFill>
                   <a:schemeClr val="bg1"/>
                 </a:solidFill>
@@ -18593,7 +17995,7 @@
               <a:t>Note: Even if we are not using </a:t>
             </a:r>
             <a:r>
-              <a:rPr lang="en-US" i="1" dirty="0" smtClean="0">
+              <a:rPr lang="en-US" i="1" dirty="0">
                 <a:solidFill>
                   <a:schemeClr val="bg1"/>
                 </a:solidFill>
@@ -18601,7 +18003,7 @@
               <a:t>del</a:t>
             </a:r>
             <a:r>
-              <a:rPr lang="en-US" dirty="0" smtClean="0">
+              <a:rPr lang="en-US" dirty="0">
                 <a:solidFill>
                   <a:schemeClr val="bg1"/>
                 </a:solidFill>
@@ -18609,7 +18011,7 @@
               <a:t> keyword to delete an object, the </a:t>
             </a:r>
             <a:r>
-              <a:rPr lang="en-US" i="1" dirty="0" smtClean="0">
+              <a:rPr lang="en-US" i="1" dirty="0">
                 <a:solidFill>
                   <a:schemeClr val="bg1"/>
                 </a:solidFill>
@@ -18617,18 +18019,13 @@
               <a:t>__del__() </a:t>
             </a:r>
             <a:r>
-              <a:rPr lang="en-US" dirty="0" smtClean="0">
+              <a:rPr lang="en-US" dirty="0">
                 <a:solidFill>
                   <a:schemeClr val="bg1"/>
                 </a:solidFill>
               </a:rPr>
               <a:t>method is automatically called when the object goes out of scope.</a:t>
             </a:r>
-            <a:endParaRPr lang="en-US" dirty="0">
-              <a:solidFill>
-                <a:schemeClr val="bg1"/>
-              </a:solidFill>
-            </a:endParaRPr>
           </a:p>
         </p:txBody>
       </p:sp>
@@ -18657,13 +18054,6 @@
       </p:transition>
     </mc:Fallback>
   </mc:AlternateContent>
-  <p:timing>
-    <p:tnLst>
-      <p:par>
-        <p:cTn id="1" dur="indefinite" restart="never" nodeType="tmRoot"/>
-      </p:par>
-    </p:tnLst>
-  </p:timing>
 </p:sld>
 </file>
 
@@ -18707,7 +18097,7 @@
           <a:lstStyle/>
           <a:p>
             <a:r>
-              <a:rPr lang="en-US" sz="2000" dirty="0" smtClean="0"/>
+              <a:rPr lang="en-US" sz="2000" dirty="0"/>
               <a:t> </a:t>
             </a:r>
           </a:p>
@@ -18859,13 +18249,6 @@
       </p:transition>
     </mc:Fallback>
   </mc:AlternateContent>
-  <p:timing>
-    <p:tnLst>
-      <p:par>
-        <p:cTn id="1" dur="indefinite" restart="never" nodeType="tmRoot"/>
-      </p:par>
-    </p:tnLst>
-  </p:timing>
 </p:sld>
 </file>
 
@@ -18909,12 +18292,12 @@
           <a:lstStyle/>
           <a:p>
             <a:r>
-              <a:rPr lang="en-US" sz="1900" dirty="0" smtClean="0"/>
+              <a:rPr lang="en-US" sz="1900" dirty="0"/>
               <a:t>Few important built-in class attributes:</a:t>
             </a:r>
           </a:p>
           <a:p>
-            <a:endParaRPr lang="en-US" sz="1900" dirty="0" smtClean="0"/>
+            <a:endParaRPr lang="en-US" sz="1900" dirty="0"/>
           </a:p>
           <a:p>
             <a:pPr marL="342900" indent="-342900">
@@ -18923,28 +18306,12 @@
               </a:buBlip>
             </a:pPr>
             <a:r>
-              <a:rPr lang="en-US" sz="1900" dirty="0" smtClean="0">
-                <a:solidFill>
-                  <a:srgbClr val="00B0F0"/>
-                </a:solidFill>
-              </a:rPr>
-              <a:t>__</a:t>
-            </a:r>
-            <a:r>
               <a:rPr lang="en-US" sz="1900" dirty="0">
                 <a:solidFill>
                   <a:srgbClr val="00B0F0"/>
                 </a:solidFill>
               </a:rPr>
-              <a:t>dict</a:t>
-            </a:r>
-            <a:r>
-              <a:rPr lang="en-US" sz="1900" dirty="0" smtClean="0">
-                <a:solidFill>
-                  <a:srgbClr val="00B0F0"/>
-                </a:solidFill>
-              </a:rPr>
-              <a:t>__</a:t>
+              <a:t>__dict__</a:t>
             </a:r>
             <a:r>
               <a:rPr lang="en-US" sz="1900" dirty="0">
@@ -18952,31 +18319,7 @@
                   <a:schemeClr val="bg1"/>
                 </a:solidFill>
               </a:rPr>
-              <a:t>: Dictionary containing the </a:t>
-            </a:r>
-            <a:r>
-              <a:rPr lang="en-US" sz="1900" dirty="0" smtClean="0">
-                <a:solidFill>
-                  <a:schemeClr val="bg1"/>
-                </a:solidFill>
-              </a:rPr>
-              <a:t>class’s </a:t>
-            </a:r>
-            <a:r>
-              <a:rPr lang="en-US" sz="1900" dirty="0">
-                <a:solidFill>
-                  <a:schemeClr val="bg1"/>
-                </a:solidFill>
-              </a:rPr>
-              <a:t>namespace</a:t>
-            </a:r>
-            <a:r>
-              <a:rPr lang="en-US" sz="1900" dirty="0" smtClean="0">
-                <a:solidFill>
-                  <a:schemeClr val="bg1"/>
-                </a:solidFill>
-              </a:rPr>
-              <a:t>.</a:t>
+              <a:t>: Dictionary containing the class’s namespace.</a:t>
             </a:r>
           </a:p>
           <a:p>
@@ -18986,7 +18329,7 @@
               </a:buBlip>
             </a:pPr>
             <a:r>
-              <a:rPr lang="en-US" sz="1900" dirty="0" smtClean="0">
+              <a:rPr lang="en-US" sz="1900" dirty="0">
                 <a:solidFill>
                   <a:srgbClr val="00B0F0"/>
                 </a:solidFill>
@@ -18994,16 +18337,8 @@
               <a:t>__doc__</a:t>
             </a:r>
             <a:r>
-              <a:rPr lang="en-US" sz="1900" dirty="0" smtClean="0"/>
-              <a:t>: Class </a:t>
-            </a:r>
-            <a:r>
               <a:rPr lang="en-US" sz="1900" dirty="0"/>
-              <a:t>documentation string or none, if </a:t>
-            </a:r>
-            <a:r>
-              <a:rPr lang="en-US" sz="1900" dirty="0" smtClean="0"/>
-              <a:t>not defined.</a:t>
+              <a:t>: Class documentation string or none, if not defined.</a:t>
             </a:r>
           </a:p>
           <a:p>
@@ -19013,36 +18348,16 @@
               </a:buBlip>
             </a:pPr>
             <a:r>
-              <a:rPr lang="en-US" sz="1900" dirty="0" smtClean="0">
-                <a:solidFill>
-                  <a:srgbClr val="00B0F0"/>
-                </a:solidFill>
-              </a:rPr>
-              <a:t>__</a:t>
-            </a:r>
-            <a:r>
               <a:rPr lang="en-US" sz="1900" dirty="0">
                 <a:solidFill>
                   <a:srgbClr val="00B0F0"/>
                 </a:solidFill>
               </a:rPr>
-              <a:t>name</a:t>
-            </a:r>
-            <a:r>
-              <a:rPr lang="en-US" sz="1900" dirty="0" smtClean="0">
-                <a:solidFill>
-                  <a:srgbClr val="00B0F0"/>
-                </a:solidFill>
-              </a:rPr>
-              <a:t>__</a:t>
+              <a:t>__name__</a:t>
             </a:r>
             <a:r>
               <a:rPr lang="en-US" sz="1900" dirty="0"/>
-              <a:t>:</a:t>
-            </a:r>
-            <a:r>
-              <a:rPr lang="en-US" sz="1900" dirty="0" smtClean="0"/>
-              <a:t> Returns the name of the Class.</a:t>
+              <a:t>: Returns the name of the Class.</a:t>
             </a:r>
           </a:p>
           <a:p>
@@ -19052,60 +18367,16 @@
               </a:buBlip>
             </a:pPr>
             <a:r>
-              <a:rPr lang="en-US" sz="1900" dirty="0" smtClean="0">
-                <a:solidFill>
-                  <a:srgbClr val="00B0F0"/>
-                </a:solidFill>
-              </a:rPr>
-              <a:t>__</a:t>
-            </a:r>
-            <a:r>
               <a:rPr lang="en-US" sz="1900" dirty="0">
                 <a:solidFill>
                   <a:srgbClr val="00B0F0"/>
                 </a:solidFill>
               </a:rPr>
-              <a:t>module</a:t>
-            </a:r>
-            <a:r>
-              <a:rPr lang="en-US" sz="1900" dirty="0" smtClean="0">
-                <a:solidFill>
-                  <a:srgbClr val="00B0F0"/>
-                </a:solidFill>
-              </a:rPr>
-              <a:t>__</a:t>
+              <a:t>__module__</a:t>
             </a:r>
             <a:r>
               <a:rPr lang="en-US" sz="1900" dirty="0"/>
-              <a:t>:</a:t>
-            </a:r>
-            <a:r>
-              <a:rPr lang="en-US" sz="1900" dirty="0" smtClean="0"/>
-              <a:t> Returns the module </a:t>
-            </a:r>
-            <a:r>
-              <a:rPr lang="en-US" sz="1900" dirty="0"/>
-              <a:t>name in which the class is defined. This attribute </a:t>
-            </a:r>
-            <a:r>
-              <a:rPr lang="en-US" sz="1900" dirty="0" smtClean="0"/>
-              <a:t>returns “__</a:t>
-            </a:r>
-            <a:r>
-              <a:rPr lang="en-US" sz="1900" dirty="0"/>
-              <a:t>main</a:t>
-            </a:r>
-            <a:r>
-              <a:rPr lang="en-US" sz="1900" dirty="0" smtClean="0"/>
-              <a:t>__” </a:t>
-            </a:r>
-            <a:r>
-              <a:rPr lang="en-US" sz="1900" dirty="0"/>
-              <a:t>in interactive </a:t>
-            </a:r>
-            <a:r>
-              <a:rPr lang="en-US" sz="1900" dirty="0" smtClean="0"/>
-              <a:t>mode (shell).</a:t>
+              <a:t>: Returns the module name in which the class is defined. This attribute returns “__main__” in interactive mode (shell).</a:t>
             </a:r>
           </a:p>
           <a:p>
@@ -19115,52 +18386,16 @@
               </a:buBlip>
             </a:pPr>
             <a:r>
-              <a:rPr lang="en-US" sz="1900" dirty="0" smtClean="0">
-                <a:solidFill>
-                  <a:srgbClr val="00B0F0"/>
-                </a:solidFill>
-              </a:rPr>
-              <a:t>__</a:t>
-            </a:r>
-            <a:r>
               <a:rPr lang="en-US" sz="1900" dirty="0">
                 <a:solidFill>
                   <a:srgbClr val="00B0F0"/>
                 </a:solidFill>
               </a:rPr>
-              <a:t>bases</a:t>
-            </a:r>
-            <a:r>
-              <a:rPr lang="en-US" sz="1900" dirty="0" smtClean="0">
-                <a:solidFill>
-                  <a:srgbClr val="00B0F0"/>
-                </a:solidFill>
-              </a:rPr>
-              <a:t>__</a:t>
+              <a:t>__bases__</a:t>
             </a:r>
             <a:r>
               <a:rPr lang="en-US" sz="1900" dirty="0"/>
-              <a:t>:</a:t>
-            </a:r>
-            <a:r>
-              <a:rPr lang="en-US" sz="1900" dirty="0" smtClean="0"/>
-              <a:t> </a:t>
-            </a:r>
-            <a:r>
-              <a:rPr lang="en-US" sz="1900" dirty="0"/>
-              <a:t>A </a:t>
-            </a:r>
-            <a:r>
-              <a:rPr lang="en-US" sz="1900" dirty="0" smtClean="0"/>
-              <a:t>tuple </a:t>
-            </a:r>
-            <a:r>
-              <a:rPr lang="en-US" sz="1900" dirty="0"/>
-              <a:t>containing the base classes, in the order of their occurrence in the base class list</a:t>
-            </a:r>
-            <a:r>
-              <a:rPr lang="en-US" sz="1900" dirty="0" smtClean="0"/>
-              <a:t>.</a:t>
+              <a:t>: A tuple containing the base classes, in the order of their occurrence in the base class list.</a:t>
             </a:r>
           </a:p>
         </p:txBody>
@@ -19212,13 +18447,6 @@
       </p:transition>
     </mc:Fallback>
   </mc:AlternateContent>
-  <p:timing>
-    <p:tnLst>
-      <p:par>
-        <p:cTn id="1" dur="indefinite" restart="never" nodeType="tmRoot"/>
-      </p:par>
-    </p:tnLst>
-  </p:timing>
 </p:sld>
 </file>
 
@@ -19262,7 +18490,7 @@
           <a:lstStyle/>
           <a:p>
             <a:r>
-              <a:rPr lang="en-US" sz="2000" dirty="0" smtClean="0"/>
+              <a:rPr lang="en-US" sz="2000" dirty="0"/>
               <a:t>  </a:t>
             </a:r>
           </a:p>
@@ -19414,13 +18642,6 @@
       </p:transition>
     </mc:Fallback>
   </mc:AlternateContent>
-  <p:timing>
-    <p:tnLst>
-      <p:par>
-        <p:cTn id="1" dur="indefinite" restart="never" nodeType="tmRoot"/>
-      </p:par>
-    </p:tnLst>
-  </p:timing>
 </p:sld>
 </file>
 
@@ -19469,7 +18690,7 @@
               </a:buBlip>
             </a:pPr>
             <a:r>
-              <a:rPr lang="en-US" sz="2000" dirty="0" smtClean="0">
+              <a:rPr lang="en-US" sz="2000" dirty="0">
                 <a:solidFill>
                   <a:srgbClr val="00B0F0"/>
                 </a:solidFill>
@@ -19477,16 +18698,8 @@
               <a:t>Encapsulation</a:t>
             </a:r>
             <a:r>
-              <a:rPr lang="en-US" sz="2000" dirty="0" smtClean="0"/>
-              <a:t> </a:t>
-            </a:r>
-            <a:r>
               <a:rPr lang="en-US" sz="2000" dirty="0"/>
-              <a:t>is seen as the bundling of data with the methods that operate on that </a:t>
-            </a:r>
-            <a:r>
-              <a:rPr lang="en-US" sz="2000" dirty="0" smtClean="0"/>
-              <a:t>data.</a:t>
+              <a:t> is seen as the bundling of data with the methods that operate on that data.</a:t>
             </a:r>
           </a:p>
           <a:p>
@@ -19496,52 +18709,16 @@
               </a:buBlip>
             </a:pPr>
             <a:r>
-              <a:rPr lang="en-US" sz="2000" dirty="0" smtClean="0">
-                <a:solidFill>
-                  <a:srgbClr val="00B0F0"/>
-                </a:solidFill>
-              </a:rPr>
-              <a:t>Data </a:t>
-            </a:r>
-            <a:r>
               <a:rPr lang="en-US" sz="2000" dirty="0">
                 <a:solidFill>
                   <a:srgbClr val="00B0F0"/>
                 </a:solidFill>
               </a:rPr>
-              <a:t>H</a:t>
-            </a:r>
-            <a:r>
-              <a:rPr lang="en-US" sz="2000" dirty="0" smtClean="0">
-                <a:solidFill>
-                  <a:srgbClr val="00B0F0"/>
-                </a:solidFill>
-              </a:rPr>
-              <a:t>iding </a:t>
+              <a:t>Data Hiding </a:t>
             </a:r>
             <a:r>
               <a:rPr lang="en-US" sz="2000" dirty="0"/>
-              <a:t>on the other hand is the principle that some internal information or data is </a:t>
-            </a:r>
-            <a:r>
-              <a:rPr lang="en-US" sz="2000" dirty="0" smtClean="0"/>
-              <a:t>“hidden”, </a:t>
-            </a:r>
-            <a:r>
-              <a:rPr lang="en-US" sz="2000" dirty="0"/>
-              <a:t>so that it </a:t>
-            </a:r>
-            <a:r>
-              <a:rPr lang="en-US" sz="2000" dirty="0" smtClean="0"/>
-              <a:t>can’t </a:t>
-            </a:r>
-            <a:r>
-              <a:rPr lang="en-US" sz="2000" dirty="0"/>
-              <a:t>be </a:t>
-            </a:r>
-            <a:r>
-              <a:rPr lang="en-US" sz="2000" dirty="0" smtClean="0"/>
-              <a:t>changed.</a:t>
+              <a:t>on the other hand is the principle that some internal information or data is “hidden”, so that it can’t be changed.</a:t>
             </a:r>
           </a:p>
           <a:p>
@@ -19551,22 +18728,9 @@
               </a:buBlip>
             </a:pPr>
             <a:r>
-              <a:rPr lang="en-US" sz="2000" dirty="0" smtClean="0"/>
-              <a:t>Data </a:t>
-            </a:r>
-            <a:r>
               <a:rPr lang="en-US" sz="2000" dirty="0"/>
-              <a:t>encapsulation via methods </a:t>
-            </a:r>
-            <a:r>
-              <a:rPr lang="en-US" sz="2000" dirty="0" smtClean="0"/>
-              <a:t>doesn’t </a:t>
-            </a:r>
-            <a:r>
-              <a:rPr lang="en-US" sz="2000" dirty="0"/>
-              <a:t>necessarily mean that the data is hidden. You might be capable of accessing and seeing the data anyway, but using the methods is recommended. </a:t>
-            </a:r>
-            <a:endParaRPr lang="en-US" sz="2000" dirty="0" smtClean="0"/>
+              <a:t>Data encapsulation via methods doesn’t necessarily mean that the data is hidden. You might be capable of accessing and seeing the data anyway, but using the methods is recommended. </a:t>
+            </a:r>
           </a:p>
           <a:p>
             <a:pPr marL="457200" indent="-457200">
@@ -19575,7 +18739,7 @@
               </a:buBlip>
             </a:pPr>
             <a:r>
-              <a:rPr lang="en-US" sz="2000" dirty="0" smtClean="0">
+              <a:rPr lang="en-US" sz="2000" dirty="0">
                 <a:solidFill>
                   <a:srgbClr val="00B0F0"/>
                 </a:solidFill>
@@ -19584,25 +18748,8 @@
             </a:r>
             <a:r>
               <a:rPr lang="en-US" sz="2000" dirty="0"/>
-              <a:t>is present</a:t>
-            </a:r>
-            <a:r>
-              <a:rPr lang="en-US" sz="2000" dirty="0" smtClean="0"/>
-              <a:t>, </a:t>
-            </a:r>
-            <a:r>
-              <a:rPr lang="en-US" sz="2000" dirty="0"/>
-              <a:t>if both data hiding </a:t>
-            </a:r>
-            <a:r>
-              <a:rPr lang="en-US" sz="2000" dirty="0" smtClean="0"/>
-              <a:t>&amp; </a:t>
-            </a:r>
-            <a:r>
-              <a:rPr lang="en-US" sz="2000" dirty="0"/>
-              <a:t>data encapsulation is used. </a:t>
-            </a:r>
-            <a:endParaRPr lang="en-US" sz="2000" dirty="0" smtClean="0"/>
+              <a:t>is present, if both data hiding &amp; data encapsulation is used. </a:t>
+            </a:r>
           </a:p>
         </p:txBody>
       </p:sp>
@@ -19623,13 +18770,8 @@
           <a:p>
             <a:r>
               <a:rPr lang="en-US" dirty="0"/>
-              <a:t>Class &amp; Object in </a:t>
-            </a:r>
-            <a:r>
-              <a:rPr lang="en-US" dirty="0" smtClean="0"/>
-              <a:t>Python</a:t>
-            </a:r>
-            <a:endParaRPr lang="en-US" dirty="0"/>
+              <a:t>Class &amp; Object in Python</a:t>
+            </a:r>
           </a:p>
         </p:txBody>
       </p:sp>
@@ -19680,13 +18822,6 @@
       </p:transition>
     </mc:Fallback>
   </mc:AlternateContent>
-  <p:timing>
-    <p:tnLst>
-      <p:par>
-        <p:cTn id="1" dur="indefinite" restart="never" nodeType="tmRoot"/>
-      </p:par>
-    </p:tnLst>
-  </p:timing>
 </p:sld>
 </file>
 
@@ -19748,75 +18883,19 @@
           <a:p>
             <a:pPr algn="r"/>
             <a:r>
-              <a:rPr lang="en-US" sz="2400" i="1" dirty="0" smtClean="0">
-                <a:solidFill>
-                  <a:schemeClr val="accent6"/>
-                </a:solidFill>
-              </a:rPr>
-              <a:t>“There </a:t>
-            </a:r>
-            <a:r>
               <a:rPr lang="en-US" sz="2400" i="1" dirty="0">
                 <a:solidFill>
                   <a:schemeClr val="accent6"/>
                 </a:solidFill>
               </a:rPr>
-              <a:t>should be </a:t>
-            </a:r>
-            <a:r>
-              <a:rPr lang="en-US" sz="2400" i="1" dirty="0" smtClean="0">
-                <a:solidFill>
-                  <a:schemeClr val="accent6"/>
-                </a:solidFill>
-              </a:rPr>
-              <a:t>one- </a:t>
-            </a:r>
-            <a:r>
-              <a:rPr lang="en-US" sz="2400" i="1" dirty="0">
-                <a:solidFill>
-                  <a:schemeClr val="accent6"/>
-                </a:solidFill>
-              </a:rPr>
-              <a:t>and preferably only </a:t>
-            </a:r>
-            <a:r>
-              <a:rPr lang="en-US" sz="2400" i="1" dirty="0" smtClean="0">
-                <a:solidFill>
-                  <a:schemeClr val="accent6"/>
-                </a:solidFill>
-              </a:rPr>
-              <a:t>one- obvious </a:t>
-            </a:r>
-            <a:r>
-              <a:rPr lang="en-US" sz="2400" i="1" dirty="0">
-                <a:solidFill>
-                  <a:schemeClr val="accent6"/>
-                </a:solidFill>
-              </a:rPr>
-              <a:t>way to </a:t>
-            </a:r>
-            <a:r>
-              <a:rPr lang="en-US" sz="2400" i="1" dirty="0" smtClean="0">
-                <a:solidFill>
-                  <a:schemeClr val="accent6"/>
-                </a:solidFill>
-              </a:rPr>
-              <a:t>do it.”</a:t>
+              <a:t>“There should be one- and preferably only one- obvious way to do it.”</a:t>
             </a:r>
           </a:p>
           <a:p>
             <a:pPr algn="r"/>
             <a:r>
-              <a:rPr lang="en-US" sz="1400" i="1" dirty="0" smtClean="0"/>
-              <a:t>- The Zen of Python (</a:t>
-            </a:r>
-            <a:r>
               <a:rPr lang="en-US" sz="1400" i="1" dirty="0"/>
-              <a:t>by Tim Peters</a:t>
-            </a:r>
-            <a:r>
-              <a:rPr lang="en-US" sz="1400" i="1" dirty="0" smtClean="0"/>
-              <a:t>)</a:t>
+              <a:t>- The Zen of Python (by Tim Peters)</a:t>
             </a:r>
           </a:p>
         </p:txBody>
@@ -19868,13 +18947,6 @@
       </p:transition>
     </mc:Fallback>
   </mc:AlternateContent>
-  <p:timing>
-    <p:tnLst>
-      <p:par>
-        <p:cTn id="1" dur="indefinite" restart="never" nodeType="tmRoot"/>
-      </p:par>
-    </p:tnLst>
-  </p:timing>
 </p:sld>
 </file>
 
@@ -19921,7 +18993,6 @@
               <a:rPr lang="en-US" sz="2000" dirty="0"/>
               <a:t> </a:t>
             </a:r>
-            <a:endParaRPr lang="en-US" sz="2000" dirty="0" smtClean="0"/>
           </a:p>
         </p:txBody>
       </p:sp>
@@ -19942,13 +19013,8 @@
           <a:p>
             <a:r>
               <a:rPr lang="en-US" dirty="0"/>
-              <a:t>Class &amp; Object in </a:t>
-            </a:r>
-            <a:r>
-              <a:rPr lang="en-US" dirty="0" smtClean="0"/>
-              <a:t>Python</a:t>
-            </a:r>
-            <a:endParaRPr lang="en-US" dirty="0"/>
+              <a:t>Class &amp; Object in Python</a:t>
+            </a:r>
           </a:p>
         </p:txBody>
       </p:sp>
@@ -20009,7 +19075,7 @@
           <a:lstStyle/>
           <a:p>
             <a:r>
-              <a:rPr lang="en-US" dirty="0" smtClean="0">
+              <a:rPr lang="en-US" dirty="0">
                 <a:solidFill>
                   <a:schemeClr val="bg1"/>
                 </a:solidFill>
@@ -20017,7 +19083,7 @@
               <a:t>We are able to access as well as modify the instance attributes directly by the </a:t>
             </a:r>
             <a:r>
-              <a:rPr lang="en-US" sz="1400" i="1" dirty="0" smtClean="0">
+              <a:rPr lang="en-US" sz="1400" i="1" dirty="0">
                 <a:solidFill>
                   <a:srgbClr val="00B050"/>
                 </a:solidFill>
@@ -20027,7 +19093,7 @@
               <a:t>object</a:t>
             </a:r>
             <a:r>
-              <a:rPr lang="en-US" sz="1400" dirty="0" smtClean="0">
+              <a:rPr lang="en-US" sz="1400" dirty="0">
                 <a:solidFill>
                   <a:schemeClr val="bg1"/>
                 </a:solidFill>
@@ -20037,18 +19103,13 @@
               <a:t>.&lt;attribute&gt; </a:t>
             </a:r>
             <a:r>
-              <a:rPr lang="en-US" dirty="0" smtClean="0">
+              <a:rPr lang="en-US" dirty="0">
                 <a:solidFill>
                   <a:schemeClr val="bg1"/>
                 </a:solidFill>
               </a:rPr>
               <a:t>notation.</a:t>
             </a:r>
-            <a:endParaRPr lang="en-US" dirty="0">
-              <a:solidFill>
-                <a:schemeClr val="bg1"/>
-              </a:solidFill>
-            </a:endParaRPr>
           </a:p>
         </p:txBody>
       </p:sp>
@@ -20117,15 +19178,7 @@
                   <a:schemeClr val="bg1"/>
                 </a:solidFill>
               </a:rPr>
-              <a:t>Python uses a special naming scheme for attributes to control the accessibility of the </a:t>
-            </a:r>
-            <a:r>
-              <a:rPr lang="en-US" sz="1600" dirty="0" smtClean="0">
-                <a:solidFill>
-                  <a:schemeClr val="bg1"/>
-                </a:solidFill>
-              </a:rPr>
-              <a:t>attributes.</a:t>
+              <a:t>Python uses a special naming scheme for attributes to control the accessibility of the attributes.</a:t>
             </a:r>
           </a:p>
           <a:p>
@@ -20135,126 +19188,28 @@
               </a:buBlip>
             </a:pPr>
             <a:r>
-              <a:rPr lang="en-US" sz="1600" dirty="0" smtClean="0">
-                <a:solidFill>
-                  <a:schemeClr val="bg1"/>
-                </a:solidFill>
-              </a:rPr>
-              <a:t>We </a:t>
-            </a:r>
-            <a:r>
               <a:rPr lang="en-US" sz="1600" dirty="0">
                 <a:solidFill>
                   <a:schemeClr val="bg1"/>
                 </a:solidFill>
               </a:rPr>
-              <a:t>can prefix an attribute name with a leading underscore </a:t>
-            </a:r>
-            <a:r>
-              <a:rPr lang="en-US" sz="1600" dirty="0" smtClean="0">
-                <a:solidFill>
-                  <a:schemeClr val="bg1"/>
-                </a:solidFill>
-              </a:rPr>
-              <a:t>“_”. </a:t>
-            </a:r>
+              <a:t>We can prefix an attribute name with a leading underscore “_”. This marks the attribute as protected. It tells users of the class not to use this attribute unless, somebody writes a subclass.</a:t>
+            </a:r>
+          </a:p>
+          <a:p>
+            <a:pPr marL="285750" indent="-285750">
+              <a:buBlip>
+                <a:blip r:embed="rId5"/>
+              </a:buBlip>
+            </a:pPr>
             <a:r>
               <a:rPr lang="en-US" sz="1600" dirty="0">
                 <a:solidFill>
                   <a:schemeClr val="bg1"/>
                 </a:solidFill>
               </a:rPr>
-              <a:t>This marks the attribute as protected. It tells users of the class not to use this attribute unless, somebody writes a </a:t>
-            </a:r>
-            <a:r>
-              <a:rPr lang="en-US" sz="1600" dirty="0" smtClean="0">
-                <a:solidFill>
-                  <a:schemeClr val="bg1"/>
-                </a:solidFill>
-              </a:rPr>
-              <a:t>subclass.</a:t>
-            </a:r>
-            <a:endParaRPr lang="en-US" sz="1600" dirty="0">
-              <a:solidFill>
-                <a:schemeClr val="bg1"/>
-              </a:solidFill>
-            </a:endParaRPr>
-          </a:p>
-          <a:p>
-            <a:pPr marL="285750" indent="-285750">
-              <a:buBlip>
-                <a:blip r:embed="rId5"/>
-              </a:buBlip>
-            </a:pPr>
-            <a:r>
-              <a:rPr lang="en-US" sz="1600" dirty="0">
-                <a:solidFill>
-                  <a:schemeClr val="bg1"/>
-                </a:solidFill>
-              </a:rPr>
-              <a:t>W</a:t>
-            </a:r>
-            <a:r>
-              <a:rPr lang="en-US" sz="1600" dirty="0" smtClean="0">
-                <a:solidFill>
-                  <a:schemeClr val="bg1"/>
-                </a:solidFill>
-              </a:rPr>
-              <a:t>e </a:t>
-            </a:r>
-            <a:r>
-              <a:rPr lang="en-US" sz="1600" dirty="0">
-                <a:solidFill>
-                  <a:schemeClr val="bg1"/>
-                </a:solidFill>
-              </a:rPr>
-              <a:t>can prefix an attribute name with two leading underscores </a:t>
-            </a:r>
-            <a:r>
-              <a:rPr lang="en-US" sz="1600" dirty="0" smtClean="0">
-                <a:solidFill>
-                  <a:schemeClr val="bg1"/>
-                </a:solidFill>
-              </a:rPr>
-              <a:t>“__”. </a:t>
-            </a:r>
-            <a:r>
-              <a:rPr lang="en-US" sz="1600" dirty="0">
-                <a:solidFill>
-                  <a:schemeClr val="bg1"/>
-                </a:solidFill>
-              </a:rPr>
-              <a:t>The attribute is now inaccessible and invisible from outside. </a:t>
-            </a:r>
-            <a:r>
-              <a:rPr lang="en-US" sz="1600" dirty="0" smtClean="0">
-                <a:solidFill>
-                  <a:schemeClr val="bg1"/>
-                </a:solidFill>
-              </a:rPr>
-              <a:t>It’s </a:t>
-            </a:r>
-            <a:r>
-              <a:rPr lang="en-US" sz="1600" dirty="0">
-                <a:solidFill>
-                  <a:schemeClr val="bg1"/>
-                </a:solidFill>
-              </a:rPr>
-              <a:t>neither possible to read nor write to those attributes except inside of the class definition itself</a:t>
-            </a:r>
-            <a:r>
-              <a:rPr lang="en-US" sz="1600" dirty="0" smtClean="0">
-                <a:solidFill>
-                  <a:schemeClr val="bg1"/>
-                </a:solidFill>
-              </a:rPr>
-              <a:t>.</a:t>
-            </a:r>
-            <a:endParaRPr lang="en-US" sz="1600" dirty="0">
-              <a:solidFill>
-                <a:schemeClr val="bg1"/>
-              </a:solidFill>
-            </a:endParaRPr>
+              <a:t>We can prefix an attribute name with two leading underscores “__”. The attribute is now inaccessible and invisible from outside. It’s neither possible to read nor write to those attributes except inside of the class definition itself.</a:t>
+            </a:r>
           </a:p>
         </p:txBody>
       </p:sp>
@@ -20283,13 +19238,6 @@
       </p:transition>
     </mc:Fallback>
   </mc:AlternateContent>
-  <p:timing>
-    <p:tnLst>
-      <p:par>
-        <p:cTn id="1" dur="indefinite" restart="never" nodeType="tmRoot"/>
-      </p:par>
-    </p:tnLst>
-  </p:timing>
 </p:sld>
 </file>
 
@@ -20336,7 +19284,6 @@
               <a:rPr lang="en-US" sz="2000" dirty="0"/>
               <a:t> </a:t>
             </a:r>
-            <a:endParaRPr lang="en-US" sz="2000" dirty="0" smtClean="0"/>
           </a:p>
         </p:txBody>
       </p:sp>
@@ -20357,13 +19304,8 @@
           <a:p>
             <a:r>
               <a:rPr lang="en-US" dirty="0"/>
-              <a:t>Class &amp; Object in </a:t>
-            </a:r>
-            <a:r>
-              <a:rPr lang="en-US" dirty="0" smtClean="0"/>
-              <a:t>Python</a:t>
-            </a:r>
-            <a:endParaRPr lang="en-US" dirty="0"/>
+              <a:t>Class &amp; Object in Python</a:t>
+            </a:r>
           </a:p>
         </p:txBody>
       </p:sp>
@@ -20584,7 +19526,7 @@
           <a:graphicData uri="http://schemas.openxmlformats.org/presentationml/2006/ole">
             <mc:AlternateContent xmlns:mc="http://schemas.openxmlformats.org/markup-compatibility/2006">
               <mc:Choice xmlns:v="urn:schemas-microsoft-com:vml" Requires="v">
-                <p:oleObj spid="_x0000_s2099" name="Packager Shell Object" showAsIcon="1" r:id="rId9" imgW="838800" imgH="437760" progId="Package">
+                <p:oleObj spid="_x0000_s2100" name="Packager Shell Object" showAsIcon="1" r:id="rId9" imgW="838800" imgH="437760" progId="Package">
                   <p:embed/>
                 </p:oleObj>
               </mc:Choice>
@@ -20644,17 +19586,199 @@
       </p:transition>
     </mc:Fallback>
   </mc:AlternateContent>
-  <p:timing>
-    <p:tnLst>
-      <p:par>
-        <p:cTn id="1" dur="indefinite" restart="never" nodeType="tmRoot"/>
-      </p:par>
-    </p:tnLst>
-  </p:timing>
 </p:sld>
 </file>
 
 <file path=ppt/slides/slide22.xml><?xml version="1.0" encoding="utf-8"?>
+<p:sld xmlns:a="http://schemas.openxmlformats.org/drawingml/2006/main" xmlns:r="http://schemas.openxmlformats.org/officeDocument/2006/relationships" xmlns:p="http://schemas.openxmlformats.org/presentationml/2006/main">
+  <p:cSld>
+    <p:spTree>
+      <p:nvGrpSpPr>
+        <p:cNvPr id="1" name=""/>
+        <p:cNvGrpSpPr/>
+        <p:nvPr/>
+      </p:nvGrpSpPr>
+      <p:grpSpPr>
+        <a:xfrm>
+          <a:off x="0" y="0"/>
+          <a:ext cx="0" cy="0"/>
+          <a:chOff x="0" y="0"/>
+          <a:chExt cx="0" cy="0"/>
+        </a:xfrm>
+      </p:grpSpPr>
+      <p:sp>
+        <p:nvSpPr>
+          <p:cNvPr id="2" name="Title 1">
+            <a:extLst>
+              <a:ext uri="{FF2B5EF4-FFF2-40B4-BE49-F238E27FC236}">
+                <a16:creationId xmlns:a16="http://schemas.microsoft.com/office/drawing/2014/main" id="{2C727B5C-451F-4C4B-B2AC-786AAA099EE3}"/>
+              </a:ext>
+            </a:extLst>
+          </p:cNvPr>
+          <p:cNvSpPr>
+            <a:spLocks noGrp="1"/>
+          </p:cNvSpPr>
+          <p:nvPr>
+            <p:ph type="title"/>
+          </p:nvPr>
+        </p:nvSpPr>
+        <p:spPr/>
+        <p:txBody>
+          <a:bodyPr/>
+          <a:lstStyle/>
+          <a:p>
+            <a:r>
+              <a:rPr lang="en-US" dirty="0"/>
+              <a:t>Challenge	</a:t>
+            </a:r>
+          </a:p>
+        </p:txBody>
+      </p:sp>
+      <p:sp>
+        <p:nvSpPr>
+          <p:cNvPr id="3" name="Text Placeholder 2">
+            <a:extLst>
+              <a:ext uri="{FF2B5EF4-FFF2-40B4-BE49-F238E27FC236}">
+                <a16:creationId xmlns:a16="http://schemas.microsoft.com/office/drawing/2014/main" id="{5159C2B9-7F9B-F24C-A1A6-75415F2530B9}"/>
+              </a:ext>
+            </a:extLst>
+          </p:cNvPr>
+          <p:cNvSpPr>
+            <a:spLocks noGrp="1"/>
+          </p:cNvSpPr>
+          <p:nvPr>
+            <p:ph type="body" sz="quarter" idx="13"/>
+          </p:nvPr>
+        </p:nvSpPr>
+        <p:spPr/>
+        <p:txBody>
+          <a:bodyPr/>
+          <a:lstStyle/>
+          <a:p>
+            <a:pPr marL="457200" indent="-457200">
+              <a:buFont typeface="Arial" panose="020B0604020202020204" pitchFamily="34" charset="0"/>
+              <a:buChar char="•"/>
+            </a:pPr>
+            <a:r>
+              <a:rPr lang="en-US" dirty="0"/>
+              <a:t>Create a class called </a:t>
+            </a:r>
+            <a:r>
+              <a:rPr lang="en-US" dirty="0">
+                <a:solidFill>
+                  <a:schemeClr val="tx1"/>
+                </a:solidFill>
+              </a:rPr>
+              <a:t>Alien</a:t>
+            </a:r>
+            <a:r>
+              <a:rPr lang="en-US" dirty="0"/>
+              <a:t> with two properties, </a:t>
+            </a:r>
+            <a:r>
+              <a:rPr lang="en-US" dirty="0">
+                <a:solidFill>
+                  <a:schemeClr val="tx1"/>
+                </a:solidFill>
+              </a:rPr>
+              <a:t>name</a:t>
+            </a:r>
+            <a:r>
+              <a:rPr lang="en-US" dirty="0"/>
+              <a:t> and </a:t>
+            </a:r>
+            <a:r>
+              <a:rPr lang="en-US" dirty="0">
+                <a:solidFill>
+                  <a:schemeClr val="tx1"/>
+                </a:solidFill>
+              </a:rPr>
+              <a:t>planet</a:t>
+            </a:r>
+            <a:r>
+              <a:rPr lang="en-US" dirty="0"/>
+              <a:t>.</a:t>
+            </a:r>
+          </a:p>
+          <a:p>
+            <a:pPr marL="457200" indent="-457200">
+              <a:buFont typeface="Arial" panose="020B0604020202020204" pitchFamily="34" charset="0"/>
+              <a:buChar char="•"/>
+            </a:pPr>
+            <a:r>
+              <a:rPr lang="en-US" dirty="0"/>
+              <a:t>Create a constructor to set those properties</a:t>
+            </a:r>
+          </a:p>
+          <a:p>
+            <a:pPr marL="457200" indent="-457200">
+              <a:buFont typeface="Arial" panose="020B0604020202020204" pitchFamily="34" charset="0"/>
+              <a:buChar char="•"/>
+            </a:pPr>
+            <a:r>
+              <a:rPr lang="en-US" dirty="0"/>
+              <a:t>Create a method called </a:t>
+            </a:r>
+            <a:r>
+              <a:rPr lang="en-US" dirty="0">
+                <a:solidFill>
+                  <a:schemeClr val="tx1"/>
+                </a:solidFill>
+              </a:rPr>
+              <a:t>greeting </a:t>
+            </a:r>
+            <a:r>
+              <a:rPr lang="en-US" dirty="0">
+                <a:solidFill>
+                  <a:schemeClr val="bg1"/>
+                </a:solidFill>
+              </a:rPr>
+              <a:t>in the class that prints ”Hello. I am &lt;name&gt; from planet &lt;planet&gt;”</a:t>
+            </a:r>
+          </a:p>
+          <a:p>
+            <a:pPr marL="457200" indent="-457200">
+              <a:buFont typeface="Arial" panose="020B0604020202020204" pitchFamily="34" charset="0"/>
+              <a:buChar char="•"/>
+            </a:pPr>
+            <a:r>
+              <a:rPr lang="en-US" dirty="0">
+                <a:solidFill>
+                  <a:schemeClr val="bg1"/>
+                </a:solidFill>
+              </a:rPr>
+              <a:t>Create two Alien objects and have them greet </a:t>
+            </a:r>
+            <a:r>
+              <a:rPr lang="en-US">
+                <a:solidFill>
+                  <a:schemeClr val="bg1"/>
+                </a:solidFill>
+              </a:rPr>
+              <a:t>each other.</a:t>
+            </a:r>
+            <a:endParaRPr lang="en-US" dirty="0">
+              <a:solidFill>
+                <a:schemeClr val="tx1"/>
+              </a:solidFill>
+            </a:endParaRPr>
+          </a:p>
+        </p:txBody>
+      </p:sp>
+    </p:spTree>
+    <p:extLst>
+      <p:ext uri="{BB962C8B-B14F-4D97-AF65-F5344CB8AC3E}">
+        <p14:creationId xmlns:p14="http://schemas.microsoft.com/office/powerpoint/2010/main" val="40279637"/>
+      </p:ext>
+    </p:extLst>
+  </p:cSld>
+  <p:clrMapOvr>
+    <a:masterClrMapping/>
+  </p:clrMapOvr>
+</p:sld>
+</file>
+
+<file path=ppt/slides/slide23.xml><?xml version="1.0" encoding="utf-8"?>
 <p:sld xmlns:a="http://schemas.openxmlformats.org/drawingml/2006/main" xmlns:r="http://schemas.openxmlformats.org/officeDocument/2006/relationships" xmlns:p="http://schemas.openxmlformats.org/presentationml/2006/main">
   <p:cSld>
     <p:spTree>
@@ -20687,10 +19811,9 @@
           <a:lstStyle/>
           <a:p>
             <a:r>
-              <a:rPr lang="en-US" dirty="0" smtClean="0"/>
+              <a:rPr lang="en-US" dirty="0"/>
               <a:t>Inheritance</a:t>
             </a:r>
-            <a:endParaRPr lang="en-US" dirty="0"/>
           </a:p>
         </p:txBody>
       </p:sp>
@@ -20719,17 +19842,10 @@
       </p:transition>
     </mc:Fallback>
   </mc:AlternateContent>
-  <p:timing>
-    <p:tnLst>
-      <p:par>
-        <p:cTn id="1" dur="indefinite" restart="never" nodeType="tmRoot"/>
-      </p:par>
-    </p:tnLst>
-  </p:timing>
 </p:sld>
 </file>
 
-<file path=ppt/slides/slide23.xml><?xml version="1.0" encoding="utf-8"?>
+<file path=ppt/slides/slide24.xml><?xml version="1.0" encoding="utf-8"?>
 <p:sld xmlns:a="http://schemas.openxmlformats.org/drawingml/2006/main" xmlns:r="http://schemas.openxmlformats.org/officeDocument/2006/relationships" xmlns:p="http://schemas.openxmlformats.org/presentationml/2006/main">
   <p:cSld>
     <p:spTree>
@@ -20783,11 +19899,7 @@
             </a:r>
             <a:r>
               <a:rPr lang="en-US" sz="1900" dirty="0"/>
-              <a:t> is the process by which one class takes on the attributes and methods of </a:t>
-            </a:r>
-            <a:r>
-              <a:rPr lang="en-US" sz="1900" dirty="0" smtClean="0"/>
-              <a:t>another.</a:t>
+              <a:t> is the process by which one class takes on the attributes and methods of another.</a:t>
             </a:r>
           </a:p>
           <a:p>
@@ -20797,54 +19909,25 @@
               </a:buBlip>
             </a:pPr>
             <a:r>
-              <a:rPr lang="en-US" sz="1900" dirty="0" smtClean="0"/>
-              <a:t>Newly </a:t>
-            </a:r>
-            <a:r>
               <a:rPr lang="en-US" sz="1900" dirty="0"/>
-              <a:t>formed classes are called </a:t>
-            </a:r>
-            <a:r>
-              <a:rPr lang="en-US" sz="1900" i="1" dirty="0" smtClean="0"/>
-              <a:t>Child </a:t>
+              <a:t>Newly formed classes are called </a:t>
             </a:r>
             <a:r>
               <a:rPr lang="en-US" sz="1900" i="1" dirty="0"/>
-              <a:t>C</a:t>
-            </a:r>
-            <a:r>
-              <a:rPr lang="en-US" sz="1900" i="1" dirty="0" smtClean="0"/>
-              <a:t>lasses </a:t>
-            </a:r>
-            <a:r>
-              <a:rPr lang="en-US" sz="1900" dirty="0" smtClean="0"/>
-              <a:t>(Sub Class or Derived Class), </a:t>
+              <a:t>Child Classes </a:t>
             </a:r>
             <a:r>
               <a:rPr lang="en-US" sz="1900" dirty="0"/>
-              <a:t>and the classes that </a:t>
-            </a:r>
-            <a:r>
-              <a:rPr lang="en-US" sz="1900" i="1" dirty="0" smtClean="0"/>
-              <a:t>Child </a:t>
+              <a:t>(Sub Class or Derived Class), and the classes that </a:t>
             </a:r>
             <a:r>
               <a:rPr lang="en-US" sz="1900" i="1" dirty="0"/>
-              <a:t>C</a:t>
-            </a:r>
-            <a:r>
-              <a:rPr lang="en-US" sz="1900" i="1" dirty="0" smtClean="0"/>
-              <a:t>lasses </a:t>
+              <a:t>Child Classes </a:t>
             </a:r>
             <a:r>
               <a:rPr lang="en-US" sz="1900" dirty="0"/>
-              <a:t>are derived from are called parent </a:t>
-            </a:r>
-            <a:r>
-              <a:rPr lang="en-US" sz="1900" dirty="0" smtClean="0"/>
-              <a:t>classes (Base Class).</a:t>
-            </a:r>
-            <a:endParaRPr lang="en-US" sz="1900" dirty="0"/>
+              <a:t>are derived from are called parent classes (Base Class).</a:t>
+            </a:r>
           </a:p>
           <a:p>
             <a:pPr marL="342900" indent="-342900">
@@ -20853,12 +19936,8 @@
               </a:buBlip>
             </a:pPr>
             <a:r>
-              <a:rPr lang="en-US" sz="1900" dirty="0" smtClean="0"/>
-              <a:t>Child </a:t>
-            </a:r>
-            <a:r>
               <a:rPr lang="en-US" sz="1900" dirty="0"/>
-              <a:t>classes </a:t>
+              <a:t>Child classes </a:t>
             </a:r>
             <a:r>
               <a:rPr lang="en-US" sz="1900" dirty="0">
@@ -20882,25 +19961,8 @@
             </a:r>
             <a:r>
               <a:rPr lang="en-US" sz="1900" dirty="0"/>
-              <a:t> the functionality (e.g., attributes and </a:t>
-            </a:r>
-            <a:r>
-              <a:rPr lang="en-US" sz="1900" dirty="0" smtClean="0"/>
-              <a:t>methods) </a:t>
-            </a:r>
-            <a:r>
-              <a:rPr lang="en-US" sz="1900" dirty="0"/>
-              <a:t>of parent classes. In other words, child classes inherit all of the </a:t>
-            </a:r>
-            <a:r>
-              <a:rPr lang="en-US" sz="1900" dirty="0" smtClean="0"/>
-              <a:t>parent’s </a:t>
-            </a:r>
-            <a:r>
-              <a:rPr lang="en-US" sz="1900" dirty="0"/>
-              <a:t>attributes and behaviors but can also specify different behavior to follow. </a:t>
-            </a:r>
-            <a:endParaRPr lang="en-US" sz="1900" dirty="0" smtClean="0"/>
+              <a:t> the functionality (e.g., attributes and methods) of parent classes. In other words, child classes inherit all of the parent’s attributes and behaviors but can also specify different behavior to follow. </a:t>
+            </a:r>
           </a:p>
           <a:p>
             <a:pPr marL="342900" indent="-342900">
@@ -20909,12 +19971,8 @@
               </a:buBlip>
             </a:pPr>
             <a:r>
-              <a:rPr lang="en-US" sz="1900" dirty="0" smtClean="0"/>
-              <a:t>The </a:t>
-            </a:r>
-            <a:r>
               <a:rPr lang="en-US" sz="1900" dirty="0"/>
-              <a:t>most </a:t>
+              <a:t>The most </a:t>
             </a:r>
             <a:r>
               <a:rPr lang="en-US" sz="1900" dirty="0">
@@ -20926,15 +19984,11 @@
             </a:r>
             <a:r>
               <a:rPr lang="en-US" sz="1900" dirty="0"/>
-              <a:t>, which generally all other classes inherit as their </a:t>
-            </a:r>
-            <a:r>
-              <a:rPr lang="en-US" sz="1900" dirty="0" smtClean="0"/>
-              <a:t>Parent.</a:t>
-            </a:r>
-          </a:p>
-          <a:p>
-            <a:endParaRPr lang="en-US" sz="1900" dirty="0" smtClean="0"/>
+              <a:t>, which generally all other classes inherit as their Parent.</a:t>
+            </a:r>
+          </a:p>
+          <a:p>
+            <a:endParaRPr lang="en-US" sz="1900" dirty="0"/>
           </a:p>
         </p:txBody>
       </p:sp>
@@ -20985,17 +20039,10 @@
       </p:transition>
     </mc:Fallback>
   </mc:AlternateContent>
-  <p:timing>
-    <p:tnLst>
-      <p:par>
-        <p:cTn id="1" dur="indefinite" restart="never" nodeType="tmRoot"/>
-      </p:par>
-    </p:tnLst>
-  </p:timing>
 </p:sld>
 </file>
 
-<file path=ppt/slides/slide24.xml><?xml version="1.0" encoding="utf-8"?>
+<file path=ppt/slides/slide25.xml><?xml version="1.0" encoding="utf-8"?>
 <p:sld xmlns:a="http://schemas.openxmlformats.org/drawingml/2006/main" xmlns:r="http://schemas.openxmlformats.org/officeDocument/2006/relationships" xmlns:p="http://schemas.openxmlformats.org/presentationml/2006/main">
   <p:cSld>
     <p:spTree>
@@ -21038,7 +20085,6 @@
               <a:rPr lang="en-US" sz="2000" dirty="0"/>
               <a:t> </a:t>
             </a:r>
-            <a:endParaRPr lang="en-US" sz="2000" dirty="0" smtClean="0"/>
           </a:p>
         </p:txBody>
       </p:sp>
@@ -21231,7 +20277,7 @@
           <a:graphicData uri="http://schemas.openxmlformats.org/presentationml/2006/ole">
             <mc:AlternateContent xmlns:mc="http://schemas.openxmlformats.org/markup-compatibility/2006">
               <mc:Choice xmlns:v="urn:schemas-microsoft-com:vml" Requires="v">
-                <p:oleObj spid="_x0000_s3123" name="Packager Shell Object" showAsIcon="1" r:id="rId7" imgW="822600" imgH="437760" progId="Package">
+                <p:oleObj spid="_x0000_s3124" name="Packager Shell Object" showAsIcon="1" r:id="rId7" imgW="822600" imgH="437760" progId="Package">
                   <p:embed/>
                 </p:oleObj>
               </mc:Choice>
@@ -21291,17 +20337,10 @@
       </p:transition>
     </mc:Fallback>
   </mc:AlternateContent>
-  <p:timing>
-    <p:tnLst>
-      <p:par>
-        <p:cTn id="1" dur="indefinite" restart="never" nodeType="tmRoot"/>
-      </p:par>
-    </p:tnLst>
-  </p:timing>
 </p:sld>
 </file>
 
-<file path=ppt/slides/slide25.xml><?xml version="1.0" encoding="utf-8"?>
+<file path=ppt/slides/slide26.xml><?xml version="1.0" encoding="utf-8"?>
 <p:sld xmlns:a="http://schemas.openxmlformats.org/drawingml/2006/main" xmlns:r="http://schemas.openxmlformats.org/officeDocument/2006/relationships" xmlns:p="http://schemas.openxmlformats.org/presentationml/2006/main">
   <p:cSld>
     <p:spTree>
@@ -21342,13 +20381,13 @@
           <a:p>
             <a:pPr fontAlgn="base"/>
             <a:r>
-              <a:rPr lang="en-US" sz="1400" dirty="0" smtClean="0"/>
+              <a:rPr lang="en-US" sz="1400" dirty="0"/>
               <a:t>Types of Inheritance:</a:t>
             </a:r>
           </a:p>
           <a:p>
             <a:pPr fontAlgn="base"/>
-            <a:endParaRPr lang="en-US" sz="500" dirty="0" smtClean="0"/>
+            <a:endParaRPr lang="en-US" sz="500" dirty="0"/>
           </a:p>
           <a:p>
             <a:pPr marL="457200" indent="-457200" fontAlgn="base">
@@ -21357,36 +20396,16 @@
               </a:buBlip>
             </a:pPr>
             <a:r>
-              <a:rPr lang="en-US" sz="1400" dirty="0" smtClean="0">
-                <a:solidFill>
-                  <a:srgbClr val="00B0F0"/>
-                </a:solidFill>
-              </a:rPr>
-              <a:t>Single </a:t>
-            </a:r>
-            <a:r>
               <a:rPr lang="en-US" sz="1400" dirty="0">
                 <a:solidFill>
                   <a:srgbClr val="00B0F0"/>
                 </a:solidFill>
               </a:rPr>
-              <a:t>inheritance</a:t>
+              <a:t>Single inheritance</a:t>
             </a:r>
             <a:r>
               <a:rPr lang="en-US" sz="1400" dirty="0"/>
-              <a:t>: </a:t>
-            </a:r>
-            <a:r>
-              <a:rPr lang="en-US" sz="1400" dirty="0" smtClean="0"/>
-              <a:t>A </a:t>
-            </a:r>
-            <a:r>
-              <a:rPr lang="en-US" sz="1400" dirty="0"/>
-              <a:t>child class inherits from only one parent </a:t>
-            </a:r>
-            <a:r>
-              <a:rPr lang="en-US" sz="1400" dirty="0" smtClean="0"/>
-              <a:t>class.</a:t>
+              <a:t>: A child class inherits from only one parent class.</a:t>
             </a:r>
           </a:p>
           <a:p>
@@ -21396,36 +20415,16 @@
               </a:buBlip>
             </a:pPr>
             <a:r>
-              <a:rPr lang="en-US" sz="1400" dirty="0" smtClean="0">
-                <a:solidFill>
-                  <a:srgbClr val="00B0F0"/>
-                </a:solidFill>
-              </a:rPr>
-              <a:t>Multilevel </a:t>
-            </a:r>
-            <a:r>
               <a:rPr lang="en-US" sz="1400" dirty="0">
                 <a:solidFill>
                   <a:srgbClr val="00B0F0"/>
                 </a:solidFill>
               </a:rPr>
-              <a:t>inheritance</a:t>
+              <a:t>Multilevel inheritance</a:t>
             </a:r>
             <a:r>
               <a:rPr lang="en-US" sz="1400" dirty="0"/>
-              <a:t>: </a:t>
-            </a:r>
-            <a:r>
-              <a:rPr lang="en-US" sz="1400" dirty="0" smtClean="0"/>
-              <a:t>A parent class has </a:t>
-            </a:r>
-            <a:r>
-              <a:rPr lang="en-US" sz="1400" dirty="0"/>
-              <a:t>child and grand child relationship</a:t>
-            </a:r>
-            <a:r>
-              <a:rPr lang="en-US" sz="1400" dirty="0" smtClean="0"/>
-              <a:t>.</a:t>
+              <a:t>: A parent class has child and grand child relationship.</a:t>
             </a:r>
           </a:p>
           <a:p>
@@ -21435,7 +20434,7 @@
               </a:buBlip>
             </a:pPr>
             <a:r>
-              <a:rPr lang="en-US" sz="1400" dirty="0" smtClean="0">
+              <a:rPr lang="en-US" sz="1400" dirty="0">
                 <a:solidFill>
                   <a:srgbClr val="00B0F0"/>
                 </a:solidFill>
@@ -21443,16 +20442,8 @@
               <a:t>Hierarchical inheritance</a:t>
             </a:r>
             <a:r>
-              <a:rPr lang="en-US" sz="1400" dirty="0" smtClean="0"/>
-              <a:t>:</a:t>
-            </a:r>
-            <a:r>
               <a:rPr lang="en-US" sz="1400" dirty="0"/>
-              <a:t> More than one derived classes are created from a single base</a:t>
-            </a:r>
-            <a:r>
-              <a:rPr lang="en-US" sz="1400" dirty="0" smtClean="0"/>
-              <a:t>.</a:t>
+              <a:t>: More than one derived classes are created from a single base.</a:t>
             </a:r>
           </a:p>
           <a:p>
@@ -21471,13 +20462,8 @@
             </a:r>
             <a:r>
               <a:rPr lang="en-US" sz="1400" dirty="0"/>
-              <a:t>: A child class inherits from multiple parent classes</a:t>
-            </a:r>
-            <a:r>
-              <a:rPr lang="en-US" sz="1400" dirty="0" smtClean="0"/>
-              <a:t>.</a:t>
-            </a:r>
-            <a:endParaRPr lang="en-US" sz="1400" dirty="0"/>
+              <a:t>: A child class inherits from multiple parent classes.</a:t>
+            </a:r>
           </a:p>
         </p:txBody>
       </p:sp>
@@ -21558,17 +20544,10 @@
       </p:transition>
     </mc:Fallback>
   </mc:AlternateContent>
-  <p:timing>
-    <p:tnLst>
-      <p:par>
-        <p:cTn id="1" dur="indefinite" restart="never" nodeType="tmRoot"/>
-      </p:par>
-    </p:tnLst>
-  </p:timing>
 </p:sld>
 </file>
 
-<file path=ppt/slides/slide26.xml><?xml version="1.0" encoding="utf-8"?>
+<file path=ppt/slides/slide27.xml><?xml version="1.0" encoding="utf-8"?>
 <p:sld xmlns:a="http://schemas.openxmlformats.org/drawingml/2006/main" xmlns:r="http://schemas.openxmlformats.org/officeDocument/2006/relationships" xmlns:p="http://schemas.openxmlformats.org/presentationml/2006/main">
   <p:cSld>
     <p:spTree>
@@ -21609,10 +20588,9 @@
           <a:p>
             <a:pPr fontAlgn="base"/>
             <a:r>
-              <a:rPr lang="en-US" sz="1400" dirty="0" smtClean="0"/>
+              <a:rPr lang="en-US" sz="1400" dirty="0"/>
               <a:t> </a:t>
             </a:r>
-            <a:endParaRPr lang="en-US" sz="1400" dirty="0"/>
           </a:p>
         </p:txBody>
       </p:sp>
@@ -21729,7 +20707,7 @@
           <a:lstStyle/>
           <a:p>
             <a:r>
-              <a:rPr lang="en-US" sz="1400" dirty="0" smtClean="0">
+              <a:rPr lang="en-US" sz="1400" dirty="0">
                 <a:solidFill>
                   <a:schemeClr val="bg1"/>
                 </a:solidFill>
@@ -21737,7 +20715,7 @@
               <a:t>The super class’s attributes were not initialized, we have to explicitly call the </a:t>
             </a:r>
             <a:r>
-              <a:rPr lang="en-US" sz="1400" i="1" dirty="0" smtClean="0">
+              <a:rPr lang="en-US" sz="1400" i="1" dirty="0">
                 <a:solidFill>
                   <a:schemeClr val="bg1"/>
                 </a:solidFill>
@@ -21745,7 +20723,7 @@
               <a:t>__</a:t>
             </a:r>
             <a:r>
-              <a:rPr lang="en-US" sz="1400" i="1" dirty="0" err="1" smtClean="0">
+              <a:rPr lang="en-US" sz="1400" i="1" dirty="0" err="1">
                 <a:solidFill>
                   <a:schemeClr val="bg1"/>
                 </a:solidFill>
@@ -21753,7 +20731,7 @@
               <a:t>init</a:t>
             </a:r>
             <a:r>
-              <a:rPr lang="en-US" sz="1400" i="1" dirty="0" smtClean="0">
+              <a:rPr lang="en-US" sz="1400" i="1" dirty="0">
                 <a:solidFill>
                   <a:schemeClr val="bg1"/>
                 </a:solidFill>
@@ -21761,18 +20739,13 @@
               <a:t>__()</a:t>
             </a:r>
             <a:r>
-              <a:rPr lang="en-US" sz="1400" dirty="0" smtClean="0">
+              <a:rPr lang="en-US" sz="1400" dirty="0">
                 <a:solidFill>
                   <a:schemeClr val="bg1"/>
                 </a:solidFill>
               </a:rPr>
               <a:t> of the super classes from their respective sub classes.</a:t>
             </a:r>
-            <a:endParaRPr lang="en-US" sz="1400" dirty="0">
-              <a:solidFill>
-                <a:schemeClr val="bg1"/>
-              </a:solidFill>
-            </a:endParaRPr>
           </a:p>
         </p:txBody>
       </p:sp>
@@ -21833,17 +20806,10 @@
       </p:transition>
     </mc:Fallback>
   </mc:AlternateContent>
-  <p:timing>
-    <p:tnLst>
-      <p:par>
-        <p:cTn id="1" dur="indefinite" restart="never" nodeType="tmRoot"/>
-      </p:par>
-    </p:tnLst>
-  </p:timing>
 </p:sld>
 </file>
 
-<file path=ppt/slides/slide27.xml><?xml version="1.0" encoding="utf-8"?>
+<file path=ppt/slides/slide28.xml><?xml version="1.0" encoding="utf-8"?>
 <p:sld xmlns:a="http://schemas.openxmlformats.org/drawingml/2006/main" xmlns:r="http://schemas.openxmlformats.org/officeDocument/2006/relationships" xmlns:p="http://schemas.openxmlformats.org/presentationml/2006/main">
   <p:cSld>
     <p:spTree>
@@ -21884,10 +20850,9 @@
           <a:p>
             <a:pPr fontAlgn="base"/>
             <a:r>
-              <a:rPr lang="en-US" sz="1400" dirty="0" smtClean="0"/>
+              <a:rPr lang="en-US" sz="1400" dirty="0"/>
               <a:t> </a:t>
             </a:r>
-            <a:endParaRPr lang="en-US" sz="1400" dirty="0"/>
           </a:p>
         </p:txBody>
       </p:sp>
@@ -21970,7 +20935,7 @@
           <a:lstStyle/>
           <a:p>
             <a:r>
-              <a:rPr lang="en-US" sz="1100" dirty="0" smtClean="0">
+              <a:rPr lang="en-US" sz="1100" dirty="0">
                 <a:solidFill>
                   <a:schemeClr val="bg1"/>
                 </a:solidFill>
@@ -21978,31 +20943,15 @@
               <a:t>It is </a:t>
             </a:r>
             <a:r>
-              <a:rPr lang="en-US" sz="1100" dirty="0" smtClean="0">
-                <a:solidFill>
-                  <a:srgbClr val="00B0F0"/>
-                </a:solidFill>
-              </a:rPr>
-              <a:t>Method Resolution </a:t>
-            </a:r>
-            <a:r>
               <a:rPr lang="en-US" sz="1100" dirty="0">
                 <a:solidFill>
                   <a:srgbClr val="00B0F0"/>
                 </a:solidFill>
               </a:rPr>
-              <a:t>O</a:t>
-            </a:r>
-            <a:r>
-              <a:rPr lang="en-US" sz="1100" dirty="0" smtClean="0">
-                <a:solidFill>
-                  <a:srgbClr val="00B0F0"/>
-                </a:solidFill>
-              </a:rPr>
-              <a:t>rder </a:t>
-            </a:r>
-            <a:r>
-              <a:rPr lang="en-US" sz="1100" dirty="0" smtClean="0">
+              <a:t>Method Resolution Order </a:t>
+            </a:r>
+            <a:r>
+              <a:rPr lang="en-US" sz="1100" dirty="0">
                 <a:solidFill>
                   <a:schemeClr val="bg1"/>
                 </a:solidFill>
@@ -22010,7 +20959,7 @@
               <a:t>(MRO), which helps </a:t>
             </a:r>
             <a:r>
-              <a:rPr lang="en-US" sz="1100" dirty="0" smtClean="0">
+              <a:rPr lang="en-US" sz="1100" dirty="0">
                 <a:solidFill>
                   <a:srgbClr val="00B0F0"/>
                 </a:solidFill>
@@ -22018,100 +20967,12 @@
               <a:t>super() </a:t>
             </a:r>
             <a:r>
-              <a:rPr lang="en-US" sz="1100" dirty="0" smtClean="0">
-                <a:solidFill>
-                  <a:schemeClr val="bg1"/>
-                </a:solidFill>
-              </a:rPr>
-              <a:t>functions to </a:t>
-            </a:r>
-            <a:r>
               <a:rPr lang="en-US" sz="1100" dirty="0">
                 <a:solidFill>
                   <a:schemeClr val="bg1"/>
                 </a:solidFill>
               </a:rPr>
-              <a:t>makes its </a:t>
-            </a:r>
-            <a:r>
-              <a:rPr lang="en-US" sz="1100" dirty="0" smtClean="0">
-                <a:solidFill>
-                  <a:schemeClr val="bg1"/>
-                </a:solidFill>
-              </a:rPr>
-              <a:t>decision that which </a:t>
-            </a:r>
-            <a:r>
-              <a:rPr lang="en-US" sz="1100" dirty="0">
-                <a:solidFill>
-                  <a:schemeClr val="bg1"/>
-                </a:solidFill>
-              </a:rPr>
-              <a:t>class has to be used. It is based on the </a:t>
-            </a:r>
-            <a:r>
-              <a:rPr lang="en-US" sz="1100" dirty="0" smtClean="0">
-                <a:solidFill>
-                  <a:schemeClr val="bg1"/>
-                </a:solidFill>
-              </a:rPr>
-              <a:t>“C3 </a:t>
-            </a:r>
-            <a:r>
-              <a:rPr lang="en-US" sz="1100" dirty="0">
-                <a:solidFill>
-                  <a:schemeClr val="bg1"/>
-                </a:solidFill>
-              </a:rPr>
-              <a:t>S</a:t>
-            </a:r>
-            <a:r>
-              <a:rPr lang="en-US" sz="1100" dirty="0" smtClean="0">
-                <a:solidFill>
-                  <a:schemeClr val="bg1"/>
-                </a:solidFill>
-              </a:rPr>
-              <a:t>uperclass </a:t>
-            </a:r>
-            <a:r>
-              <a:rPr lang="en-US" sz="1100" dirty="0">
-                <a:solidFill>
-                  <a:schemeClr val="bg1"/>
-                </a:solidFill>
-              </a:rPr>
-              <a:t>L</a:t>
-            </a:r>
-            <a:r>
-              <a:rPr lang="en-US" sz="1100" dirty="0" smtClean="0">
-                <a:solidFill>
-                  <a:schemeClr val="bg1"/>
-                </a:solidFill>
-              </a:rPr>
-              <a:t>inearization” </a:t>
-            </a:r>
-            <a:r>
-              <a:rPr lang="en-US" sz="1100" dirty="0">
-                <a:solidFill>
-                  <a:schemeClr val="bg1"/>
-                </a:solidFill>
-              </a:rPr>
-              <a:t>algorithm. This is called a </a:t>
-            </a:r>
-            <a:r>
-              <a:rPr lang="en-US" sz="1100" dirty="0" smtClean="0">
-                <a:solidFill>
-                  <a:schemeClr val="bg1"/>
-                </a:solidFill>
-              </a:rPr>
-              <a:t>linearization, </a:t>
-            </a:r>
-            <a:r>
-              <a:rPr lang="en-US" sz="1100" dirty="0">
-                <a:solidFill>
-                  <a:schemeClr val="bg1"/>
-                </a:solidFill>
-              </a:rPr>
-              <a:t>because the tree structure is broken down into a linear order.</a:t>
+              <a:t>functions to makes its decision that which class has to be used. It is based on the “C3 Superclass Linearization” algorithm. This is called a linearization, because the tree structure is broken down into a linear order.</a:t>
             </a:r>
             <a:endParaRPr lang="en-US" sz="1000" dirty="0">
               <a:solidFill>
@@ -22285,7 +21146,7 @@
           <a:graphicData uri="http://schemas.openxmlformats.org/presentationml/2006/ole">
             <mc:AlternateContent xmlns:mc="http://schemas.openxmlformats.org/markup-compatibility/2006">
               <mc:Choice xmlns:v="urn:schemas-microsoft-com:vml" Requires="v">
-                <p:oleObj spid="_x0000_s4129" name="Packager Shell Object" showAsIcon="1" r:id="rId8" imgW="667800" imgH="437760" progId="Package">
+                <p:oleObj spid="_x0000_s4130" name="Packager Shell Object" showAsIcon="1" r:id="rId8" imgW="667800" imgH="437760" progId="Package">
                   <p:embed/>
                 </p:oleObj>
               </mc:Choice>
@@ -22345,17 +21206,10 @@
       </p:transition>
     </mc:Fallback>
   </mc:AlternateContent>
-  <p:timing>
-    <p:tnLst>
-      <p:par>
-        <p:cTn id="1" dur="indefinite" restart="never" nodeType="tmRoot"/>
-      </p:par>
-    </p:tnLst>
-  </p:timing>
 </p:sld>
 </file>
 
-<file path=ppt/slides/slide28.xml><?xml version="1.0" encoding="utf-8"?>
+<file path=ppt/slides/slide29.xml><?xml version="1.0" encoding="utf-8"?>
 <p:sld xmlns:a="http://schemas.openxmlformats.org/drawingml/2006/main" xmlns:r="http://schemas.openxmlformats.org/officeDocument/2006/relationships" xmlns:p="http://schemas.openxmlformats.org/presentationml/2006/main">
   <p:cSld>
     <p:spTree>
@@ -22388,10 +21242,9 @@
           <a:lstStyle/>
           <a:p>
             <a:r>
-              <a:rPr lang="en-US" dirty="0" smtClean="0"/>
+              <a:rPr lang="en-US" dirty="0"/>
               <a:t>Overloading</a:t>
             </a:r>
-            <a:endParaRPr lang="en-US" dirty="0"/>
           </a:p>
         </p:txBody>
       </p:sp>
@@ -22420,17 +21273,157 @@
       </p:transition>
     </mc:Fallback>
   </mc:AlternateContent>
-  <p:timing>
-    <p:tnLst>
-      <p:par>
-        <p:cTn id="1" dur="indefinite" restart="never" nodeType="tmRoot"/>
-      </p:par>
-    </p:tnLst>
-  </p:timing>
 </p:sld>
 </file>
 
-<file path=ppt/slides/slide29.xml><?xml version="1.0" encoding="utf-8"?>
+<file path=ppt/slides/slide3.xml><?xml version="1.0" encoding="utf-8"?>
+<p:sld xmlns:a="http://schemas.openxmlformats.org/drawingml/2006/main" xmlns:r="http://schemas.openxmlformats.org/officeDocument/2006/relationships" xmlns:p="http://schemas.openxmlformats.org/presentationml/2006/main">
+  <p:cSld>
+    <p:spTree>
+      <p:nvGrpSpPr>
+        <p:cNvPr id="1" name=""/>
+        <p:cNvGrpSpPr/>
+        <p:nvPr/>
+      </p:nvGrpSpPr>
+      <p:grpSpPr>
+        <a:xfrm>
+          <a:off x="0" y="0"/>
+          <a:ext cx="0" cy="0"/>
+          <a:chOff x="0" y="0"/>
+          <a:chExt cx="0" cy="0"/>
+        </a:xfrm>
+      </p:grpSpPr>
+      <p:sp>
+        <p:nvSpPr>
+          <p:cNvPr id="4" name="Title 3"/>
+          <p:cNvSpPr>
+            <a:spLocks noGrp="1"/>
+          </p:cNvSpPr>
+          <p:nvPr>
+            <p:ph type="title"/>
+          </p:nvPr>
+        </p:nvSpPr>
+        <p:spPr/>
+        <p:txBody>
+          <a:bodyPr/>
+          <a:lstStyle/>
+          <a:p>
+            <a:r>
+              <a:rPr lang="en-US" dirty="0"/>
+              <a:t>Terminal Objectives</a:t>
+            </a:r>
+          </a:p>
+        </p:txBody>
+      </p:sp>
+      <p:sp>
+        <p:nvSpPr>
+          <p:cNvPr id="5" name="Text Placeholder 4"/>
+          <p:cNvSpPr>
+            <a:spLocks noGrp="1"/>
+          </p:cNvSpPr>
+          <p:nvPr>
+            <p:ph type="body" sz="quarter" idx="13"/>
+          </p:nvPr>
+        </p:nvSpPr>
+        <p:spPr>
+          <a:xfrm>
+            <a:off x="381000" y="853372"/>
+            <a:ext cx="8382000" cy="4004377"/>
+          </a:xfrm>
+        </p:spPr>
+        <p:txBody>
+          <a:bodyPr>
+            <a:normAutofit/>
+          </a:bodyPr>
+          <a:lstStyle/>
+          <a:p>
+            <a:pPr marL="457200" indent="-457200" fontAlgn="base">
+              <a:buBlip>
+                <a:blip r:embed="rId3"/>
+              </a:buBlip>
+            </a:pPr>
+            <a:r>
+              <a:rPr lang="en-US" sz="2600" dirty="0"/>
+              <a:t>We will understand what is the OOP and how it has been implemented in Python.</a:t>
+            </a:r>
+          </a:p>
+          <a:p>
+            <a:pPr marL="457200" indent="-457200" fontAlgn="base">
+              <a:buBlip>
+                <a:blip r:embed="rId3"/>
+              </a:buBlip>
+            </a:pPr>
+            <a:r>
+              <a:rPr lang="en-US" sz="2600" dirty="0"/>
+              <a:t>We will learn to know the four major principles of object-orientation and the way Python deals with them, i.e. Encapsulation, Data-Abstraction, Polymorphism &amp; Inheritance.</a:t>
+            </a:r>
+          </a:p>
+          <a:p>
+            <a:pPr marL="457200" indent="-457200" fontAlgn="base">
+              <a:buBlip>
+                <a:blip r:embed="rId3"/>
+              </a:buBlip>
+            </a:pPr>
+            <a:r>
+              <a:rPr lang="en-US" sz="2600" dirty="0"/>
+              <a:t>To learn how to write object oriented programs using Python.</a:t>
+            </a:r>
+          </a:p>
+          <a:p>
+            <a:pPr marL="457200" indent="-457200" fontAlgn="base">
+              <a:buBlip>
+                <a:blip r:embed="rId3"/>
+              </a:buBlip>
+            </a:pPr>
+            <a:endParaRPr lang="en-US" dirty="0"/>
+          </a:p>
+          <a:p>
+            <a:pPr marL="457200" indent="-457200" fontAlgn="base">
+              <a:buBlip>
+                <a:blip r:embed="rId3"/>
+              </a:buBlip>
+            </a:pPr>
+            <a:endParaRPr lang="en-US" sz="2600" dirty="0"/>
+          </a:p>
+          <a:p>
+            <a:pPr marL="457200" indent="-457200" fontAlgn="base">
+              <a:buBlip>
+                <a:blip r:embed="rId3"/>
+              </a:buBlip>
+            </a:pPr>
+            <a:endParaRPr lang="en-US" sz="2600" dirty="0"/>
+          </a:p>
+        </p:txBody>
+      </p:sp>
+    </p:spTree>
+    <p:custDataLst>
+      <p:tags r:id="rId1"/>
+    </p:custDataLst>
+    <p:extLst>
+      <p:ext uri="{BB962C8B-B14F-4D97-AF65-F5344CB8AC3E}">
+        <p14:creationId xmlns:p14="http://schemas.microsoft.com/office/powerpoint/2010/main" val="2632047257"/>
+      </p:ext>
+    </p:extLst>
+  </p:cSld>
+  <p:clrMapOvr>
+    <a:masterClrMapping/>
+  </p:clrMapOvr>
+  <mc:AlternateContent xmlns:mc="http://schemas.openxmlformats.org/markup-compatibility/2006" xmlns:p14="http://schemas.microsoft.com/office/powerpoint/2010/main">
+    <mc:Choice Requires="p14">
+      <p:transition spd="med" p14:dur="700">
+        <p:fade/>
+      </p:transition>
+    </mc:Choice>
+    <mc:Fallback xmlns="">
+      <p:transition spd="med">
+        <p:fade/>
+      </p:transition>
+    </mc:Fallback>
+  </mc:AlternateContent>
+</p:sld>
+</file>
+
+<file path=ppt/slides/slide30.xml><?xml version="1.0" encoding="utf-8"?>
 <p:sld xmlns:a="http://schemas.openxmlformats.org/drawingml/2006/main" xmlns:r="http://schemas.openxmlformats.org/officeDocument/2006/relationships" xmlns:p="http://schemas.openxmlformats.org/presentationml/2006/main">
   <p:cSld>
     <p:spTree>
@@ -22475,15 +21468,7 @@
                   <a:srgbClr val="00B0F0"/>
                 </a:solidFill>
               </a:rPr>
-              <a:t>Operator </a:t>
-            </a:r>
-            <a:r>
-              <a:rPr lang="en-US" sz="2400" dirty="0" smtClean="0">
-                <a:solidFill>
-                  <a:srgbClr val="00B0F0"/>
-                </a:solidFill>
-              </a:rPr>
-              <a:t>Overloading </a:t>
+              <a:t>Operator Overloading </a:t>
             </a:r>
             <a:r>
               <a:rPr lang="en-US" sz="2400" dirty="0"/>
@@ -22493,13 +21478,8 @@
           <a:p>
             <a:r>
               <a:rPr lang="en-US" sz="2400" dirty="0"/>
-              <a:t>We need to define the behavior regarding what the result should be when two objects are added, subtracted, multiplied, divide, etc</a:t>
-            </a:r>
-            <a:r>
-              <a:rPr lang="en-US" sz="2400" dirty="0" smtClean="0"/>
-              <a:t>.</a:t>
-            </a:r>
-            <a:endParaRPr lang="en-US" sz="2400" dirty="0"/>
+              <a:t>We need to define the behavior regarding what the result should be when two objects are added, subtracted, multiplied, divide, etc.</a:t>
+            </a:r>
           </a:p>
         </p:txBody>
       </p:sp>
@@ -22519,10 +21499,9 @@
           <a:lstStyle/>
           <a:p>
             <a:r>
-              <a:rPr lang="en-US" dirty="0" smtClean="0"/>
+              <a:rPr lang="en-US" dirty="0"/>
               <a:t>Overloading</a:t>
             </a:r>
-            <a:endParaRPr lang="en-US" dirty="0"/>
           </a:p>
         </p:txBody>
       </p:sp>
@@ -22615,180 +21594,10 @@
       </p:transition>
     </mc:Fallback>
   </mc:AlternateContent>
-  <p:timing>
-    <p:tnLst>
-      <p:par>
-        <p:cTn id="1" dur="indefinite" restart="never" nodeType="tmRoot"/>
-      </p:par>
-    </p:tnLst>
-  </p:timing>
 </p:sld>
 </file>
 
-<file path=ppt/slides/slide3.xml><?xml version="1.0" encoding="utf-8"?>
-<p:sld xmlns:a="http://schemas.openxmlformats.org/drawingml/2006/main" xmlns:r="http://schemas.openxmlformats.org/officeDocument/2006/relationships" xmlns:p="http://schemas.openxmlformats.org/presentationml/2006/main">
-  <p:cSld>
-    <p:spTree>
-      <p:nvGrpSpPr>
-        <p:cNvPr id="1" name=""/>
-        <p:cNvGrpSpPr/>
-        <p:nvPr/>
-      </p:nvGrpSpPr>
-      <p:grpSpPr>
-        <a:xfrm>
-          <a:off x="0" y="0"/>
-          <a:ext cx="0" cy="0"/>
-          <a:chOff x="0" y="0"/>
-          <a:chExt cx="0" cy="0"/>
-        </a:xfrm>
-      </p:grpSpPr>
-      <p:sp>
-        <p:nvSpPr>
-          <p:cNvPr id="4" name="Title 3"/>
-          <p:cNvSpPr>
-            <a:spLocks noGrp="1"/>
-          </p:cNvSpPr>
-          <p:nvPr>
-            <p:ph type="title"/>
-          </p:nvPr>
-        </p:nvSpPr>
-        <p:spPr/>
-        <p:txBody>
-          <a:bodyPr/>
-          <a:lstStyle/>
-          <a:p>
-            <a:r>
-              <a:rPr lang="en-US" dirty="0" smtClean="0"/>
-              <a:t>Terminal Objectives</a:t>
-            </a:r>
-            <a:endParaRPr lang="en-US" dirty="0"/>
-          </a:p>
-        </p:txBody>
-      </p:sp>
-      <p:sp>
-        <p:nvSpPr>
-          <p:cNvPr id="5" name="Text Placeholder 4"/>
-          <p:cNvSpPr>
-            <a:spLocks noGrp="1"/>
-          </p:cNvSpPr>
-          <p:nvPr>
-            <p:ph type="body" sz="quarter" idx="13"/>
-          </p:nvPr>
-        </p:nvSpPr>
-        <p:spPr>
-          <a:xfrm>
-            <a:off x="381000" y="853372"/>
-            <a:ext cx="8382000" cy="4004377"/>
-          </a:xfrm>
-        </p:spPr>
-        <p:txBody>
-          <a:bodyPr>
-            <a:normAutofit/>
-          </a:bodyPr>
-          <a:lstStyle/>
-          <a:p>
-            <a:pPr marL="457200" indent="-457200" fontAlgn="base">
-              <a:buBlip>
-                <a:blip r:embed="rId3"/>
-              </a:buBlip>
-            </a:pPr>
-            <a:r>
-              <a:rPr lang="en-US" sz="2600" dirty="0" smtClean="0"/>
-              <a:t>We will understand what is the OOP and how it has been implemented in Python.</a:t>
-            </a:r>
-          </a:p>
-          <a:p>
-            <a:pPr marL="457200" indent="-457200" fontAlgn="base">
-              <a:buBlip>
-                <a:blip r:embed="rId3"/>
-              </a:buBlip>
-            </a:pPr>
-            <a:r>
-              <a:rPr lang="en-US" sz="2600" dirty="0" smtClean="0"/>
-              <a:t>We will </a:t>
-            </a:r>
-            <a:r>
-              <a:rPr lang="en-US" sz="2600" dirty="0"/>
-              <a:t>learn to know the four major principles of object-orientation and the way Python deals with </a:t>
-            </a:r>
-            <a:r>
-              <a:rPr lang="en-US" sz="2600" dirty="0" smtClean="0"/>
-              <a:t>them, i.e. Encapsulation, Data-Abstraction, Polymorphism &amp; Inheritance.</a:t>
-            </a:r>
-          </a:p>
-          <a:p>
-            <a:pPr marL="457200" indent="-457200" fontAlgn="base">
-              <a:buBlip>
-                <a:blip r:embed="rId3"/>
-              </a:buBlip>
-            </a:pPr>
-            <a:r>
-              <a:rPr lang="en-US" sz="2600" dirty="0" smtClean="0"/>
-              <a:t>To learn how to write object oriented programs using Python.</a:t>
-            </a:r>
-          </a:p>
-          <a:p>
-            <a:pPr marL="457200" indent="-457200" fontAlgn="base">
-              <a:buBlip>
-                <a:blip r:embed="rId3"/>
-              </a:buBlip>
-            </a:pPr>
-            <a:endParaRPr lang="en-US" dirty="0" smtClean="0"/>
-          </a:p>
-          <a:p>
-            <a:pPr marL="457200" indent="-457200" fontAlgn="base">
-              <a:buBlip>
-                <a:blip r:embed="rId3"/>
-              </a:buBlip>
-            </a:pPr>
-            <a:endParaRPr lang="en-US" sz="2600" dirty="0" smtClean="0"/>
-          </a:p>
-          <a:p>
-            <a:pPr marL="457200" indent="-457200" fontAlgn="base">
-              <a:buBlip>
-                <a:blip r:embed="rId3"/>
-              </a:buBlip>
-            </a:pPr>
-            <a:endParaRPr lang="en-US" sz="2600" dirty="0" smtClean="0"/>
-          </a:p>
-        </p:txBody>
-      </p:sp>
-    </p:spTree>
-    <p:custDataLst>
-      <p:tags r:id="rId1"/>
-    </p:custDataLst>
-    <p:extLst>
-      <p:ext uri="{BB962C8B-B14F-4D97-AF65-F5344CB8AC3E}">
-        <p14:creationId xmlns:p14="http://schemas.microsoft.com/office/powerpoint/2010/main" val="2632047257"/>
-      </p:ext>
-    </p:extLst>
-  </p:cSld>
-  <p:clrMapOvr>
-    <a:masterClrMapping/>
-  </p:clrMapOvr>
-  <mc:AlternateContent xmlns:mc="http://schemas.openxmlformats.org/markup-compatibility/2006" xmlns:p14="http://schemas.microsoft.com/office/powerpoint/2010/main">
-    <mc:Choice Requires="p14">
-      <p:transition spd="med" p14:dur="700">
-        <p:fade/>
-      </p:transition>
-    </mc:Choice>
-    <mc:Fallback xmlns="">
-      <p:transition spd="med">
-        <p:fade/>
-      </p:transition>
-    </mc:Fallback>
-  </mc:AlternateContent>
-  <p:timing>
-    <p:tnLst>
-      <p:par>
-        <p:cTn id="1" dur="indefinite" restart="never" nodeType="tmRoot"/>
-      </p:par>
-    </p:tnLst>
-  </p:timing>
-</p:sld>
-</file>
-
-<file path=ppt/slides/slide30.xml><?xml version="1.0" encoding="utf-8"?>
+<file path=ppt/slides/slide31.xml><?xml version="1.0" encoding="utf-8"?>
 <p:sld xmlns:a="http://schemas.openxmlformats.org/drawingml/2006/main" xmlns:r="http://schemas.openxmlformats.org/officeDocument/2006/relationships" xmlns:p="http://schemas.openxmlformats.org/presentationml/2006/main">
   <p:cSld>
     <p:spTree>
@@ -22828,10 +21637,9 @@
           <a:lstStyle/>
           <a:p>
             <a:r>
-              <a:rPr lang="en-US" sz="2400" dirty="0" smtClean="0"/>
+              <a:rPr lang="en-US" sz="2400" dirty="0"/>
               <a:t> </a:t>
             </a:r>
-            <a:endParaRPr lang="en-US" sz="2400" dirty="0"/>
           </a:p>
         </p:txBody>
       </p:sp>
@@ -22851,10 +21659,9 @@
           <a:lstStyle/>
           <a:p>
             <a:r>
-              <a:rPr lang="en-US" dirty="0" smtClean="0"/>
+              <a:rPr lang="en-US" dirty="0"/>
               <a:t>Overloading</a:t>
             </a:r>
-            <a:endParaRPr lang="en-US" dirty="0"/>
           </a:p>
         </p:txBody>
       </p:sp>
@@ -23029,7 +21836,7 @@
           <a:graphicData uri="http://schemas.openxmlformats.org/presentationml/2006/ole">
             <mc:AlternateContent xmlns:mc="http://schemas.openxmlformats.org/markup-compatibility/2006">
               <mc:Choice xmlns:v="urn:schemas-microsoft-com:vml" Requires="v">
-                <p:oleObj spid="_x0000_s5147" name="Packager Shell Object" showAsIcon="1" r:id="rId7" imgW="1018080" imgH="437760" progId="Package">
+                <p:oleObj spid="_x0000_s5148" name="Packager Shell Object" showAsIcon="1" r:id="rId7" imgW="1018080" imgH="437760" progId="Package">
                   <p:embed/>
                 </p:oleObj>
               </mc:Choice>
@@ -23089,17 +21896,10 @@
       </p:transition>
     </mc:Fallback>
   </mc:AlternateContent>
-  <p:timing>
-    <p:tnLst>
-      <p:par>
-        <p:cTn id="1" dur="indefinite" restart="never" nodeType="tmRoot"/>
-      </p:par>
-    </p:tnLst>
-  </p:timing>
 </p:sld>
 </file>
 
-<file path=ppt/slides/slide31.xml><?xml version="1.0" encoding="utf-8"?>
+<file path=ppt/slides/slide32.xml><?xml version="1.0" encoding="utf-8"?>
 <p:sld xmlns:a="http://schemas.openxmlformats.org/drawingml/2006/main" xmlns:r="http://schemas.openxmlformats.org/officeDocument/2006/relationships" xmlns:p="http://schemas.openxmlformats.org/presentationml/2006/main">
   <p:cSld>
     <p:spTree>
@@ -23139,10 +21939,9 @@
           <a:lstStyle/>
           <a:p>
             <a:r>
-              <a:rPr lang="en-US" sz="1800" dirty="0" smtClean="0"/>
+              <a:rPr lang="en-US" sz="1800" dirty="0"/>
               <a:t> </a:t>
             </a:r>
-            <a:endParaRPr lang="en-US" sz="1800" dirty="0"/>
           </a:p>
         </p:txBody>
       </p:sp>
@@ -23162,10 +21961,9 @@
           <a:lstStyle/>
           <a:p>
             <a:r>
-              <a:rPr lang="en-US" dirty="0" smtClean="0"/>
+              <a:rPr lang="en-US" dirty="0"/>
               <a:t>Overloading</a:t>
             </a:r>
-            <a:endParaRPr lang="en-US" dirty="0"/>
           </a:p>
         </p:txBody>
       </p:sp>
@@ -23258,18 +22056,13 @@
           <a:lstStyle/>
           <a:p>
             <a:r>
-              <a:rPr lang="en-US" dirty="0" smtClean="0">
+              <a:rPr lang="en-US" dirty="0">
                 <a:solidFill>
                   <a:schemeClr val="bg1"/>
                 </a:solidFill>
               </a:rPr>
               <a:t>We can’t use same name (based on different argument length or order) to define multiple functions unlike C++ or Java, as the latest version of a function will override the previous one’s definition.</a:t>
             </a:r>
-            <a:endParaRPr lang="en-US" dirty="0">
-              <a:solidFill>
-                <a:schemeClr val="bg1"/>
-              </a:solidFill>
-            </a:endParaRPr>
           </a:p>
         </p:txBody>
       </p:sp>
@@ -23317,37 +22110,8 @@
                   <a:schemeClr val="bg1"/>
                 </a:solidFill>
               </a:rPr>
-              <a:t>. We can call this </a:t>
-            </a:r>
-            <a:r>
-              <a:rPr lang="en-US" dirty="0" smtClean="0">
-                <a:solidFill>
-                  <a:schemeClr val="bg1"/>
-                </a:solidFill>
-              </a:rPr>
-              <a:t>above </a:t>
-            </a:r>
-            <a:r>
-              <a:rPr lang="en-US" dirty="0">
-                <a:solidFill>
-                  <a:schemeClr val="bg1"/>
-                </a:solidFill>
-              </a:rPr>
-              <a:t>function with various </a:t>
-            </a:r>
-            <a:r>
-              <a:rPr lang="en-US" dirty="0" smtClean="0">
-                <a:solidFill>
-                  <a:schemeClr val="bg1"/>
-                </a:solidFill>
-              </a:rPr>
-              <a:t>types.</a:t>
-            </a:r>
-            <a:endParaRPr lang="en-US" dirty="0">
-              <a:solidFill>
-                <a:schemeClr val="bg1"/>
-              </a:solidFill>
-            </a:endParaRPr>
+              <a:t>. We can call this above function with various types.</a:t>
+            </a:r>
           </a:p>
         </p:txBody>
       </p:sp>
@@ -23376,17 +22140,10 @@
       </p:transition>
     </mc:Fallback>
   </mc:AlternateContent>
-  <p:timing>
-    <p:tnLst>
-      <p:par>
-        <p:cTn id="1" dur="indefinite" restart="never" nodeType="tmRoot"/>
-      </p:par>
-    </p:tnLst>
-  </p:timing>
 </p:sld>
 </file>
 
-<file path=ppt/slides/slide32.xml><?xml version="1.0" encoding="utf-8"?>
+<file path=ppt/slides/slide33.xml><?xml version="1.0" encoding="utf-8"?>
 <p:sld xmlns:a="http://schemas.openxmlformats.org/drawingml/2006/main" xmlns:r="http://schemas.openxmlformats.org/officeDocument/2006/relationships" xmlns:p="http://schemas.openxmlformats.org/presentationml/2006/main">
   <p:cSld>
     <p:spTree>
@@ -23419,10 +22176,9 @@
           <a:lstStyle/>
           <a:p>
             <a:r>
-              <a:rPr lang="en-US" dirty="0" smtClean="0"/>
+              <a:rPr lang="en-US" dirty="0"/>
               <a:t>Activities</a:t>
             </a:r>
-            <a:endParaRPr lang="en-US" dirty="0"/>
           </a:p>
         </p:txBody>
       </p:sp>
@@ -23454,35 +22210,15 @@
             </a:pPr>
             <a:r>
               <a:rPr lang="en-US" sz="2400" dirty="0"/>
-              <a:t>Define a class named Shape and its subclass Square. The Square class has an </a:t>
-            </a:r>
-            <a:r>
-              <a:rPr lang="en-US" sz="2400" dirty="0" smtClean="0"/>
-              <a:t>__</a:t>
-            </a:r>
-            <a:r>
-              <a:rPr lang="en-US" sz="2400" dirty="0" err="1" smtClean="0"/>
+              <a:t>Define a class named Shape and its subclass Square. The Square class has an __</a:t>
+            </a:r>
+            <a:r>
+              <a:rPr lang="en-US" sz="2400" dirty="0" err="1"/>
               <a:t>init</a:t>
             </a:r>
             <a:r>
-              <a:rPr lang="en-US" sz="2400" dirty="0" smtClean="0"/>
-              <a:t>__() </a:t>
-            </a:r>
-            <a:r>
               <a:rPr lang="en-US" sz="2400" dirty="0"/>
-              <a:t>function which takes a length as argument. Both classes have a area function which can print the area of the shape where </a:t>
-            </a:r>
-            <a:r>
-              <a:rPr lang="en-US" sz="2400" dirty="0" smtClean="0"/>
-              <a:t>Shape’s </a:t>
-            </a:r>
-            <a:r>
-              <a:rPr lang="en-US" sz="2400" dirty="0"/>
-              <a:t>area is 0 by default</a:t>
-            </a:r>
-            <a:r>
-              <a:rPr lang="en-US" sz="2400" dirty="0" smtClean="0"/>
-              <a:t>.</a:t>
+              <a:t>__() function which takes a length as argument. Both classes have a area function which can print the area of the shape where Shape’s area is 0 by default.</a:t>
             </a:r>
           </a:p>
           <a:p>
@@ -23491,7 +22227,7 @@
               <a:buAutoNum type="arabicParenR"/>
             </a:pPr>
             <a:r>
-              <a:rPr lang="en-US" sz="2400" dirty="0" smtClean="0"/>
+              <a:rPr lang="en-US" sz="2400" dirty="0"/>
               <a:t>Define two named as Employee which inherits the class Project. Build some methods set all the attribute values, to show employee's information. Save all employee details in a file, use “|” as delimiter. Load the file in start to fetch existing employee’s information.</a:t>
             </a:r>
           </a:p>
@@ -23500,7 +22236,7 @@
               <a:buFont typeface="+mj-lt"/>
               <a:buAutoNum type="arabicParenR"/>
             </a:pPr>
-            <a:endParaRPr lang="en-US" sz="2400" dirty="0" smtClean="0"/>
+            <a:endParaRPr lang="en-US" sz="2400" dirty="0"/>
           </a:p>
         </p:txBody>
       </p:sp>
@@ -23529,225 +22265,6 @@
       </p:transition>
     </mc:Fallback>
   </mc:AlternateContent>
-  <p:timing>
-    <p:tnLst>
-      <p:par>
-        <p:cTn id="1" dur="indefinite" restart="never" nodeType="tmRoot"/>
-      </p:par>
-    </p:tnLst>
-  </p:timing>
-</p:sld>
-</file>
-
-<file path=ppt/slides/slide33.xml><?xml version="1.0" encoding="utf-8"?>
-<p:sld xmlns:a="http://schemas.openxmlformats.org/drawingml/2006/main" xmlns:r="http://schemas.openxmlformats.org/officeDocument/2006/relationships" xmlns:p="http://schemas.openxmlformats.org/presentationml/2006/main">
-  <p:cSld>
-    <p:spTree>
-      <p:nvGrpSpPr>
-        <p:cNvPr id="1" name=""/>
-        <p:cNvGrpSpPr/>
-        <p:nvPr/>
-      </p:nvGrpSpPr>
-      <p:grpSpPr>
-        <a:xfrm>
-          <a:off x="0" y="0"/>
-          <a:ext cx="0" cy="0"/>
-          <a:chOff x="0" y="0"/>
-          <a:chExt cx="0" cy="0"/>
-        </a:xfrm>
-      </p:grpSpPr>
-      <p:sp>
-        <p:nvSpPr>
-          <p:cNvPr id="8" name="Title 7"/>
-          <p:cNvSpPr>
-            <a:spLocks noGrp="1"/>
-          </p:cNvSpPr>
-          <p:nvPr>
-            <p:ph type="title"/>
-          </p:nvPr>
-        </p:nvSpPr>
-        <p:spPr/>
-        <p:txBody>
-          <a:bodyPr/>
-          <a:lstStyle/>
-          <a:p>
-            <a:r>
-              <a:rPr lang="en-US" dirty="0" smtClean="0"/>
-              <a:t>Summary</a:t>
-            </a:r>
-            <a:endParaRPr lang="en-US" dirty="0"/>
-          </a:p>
-        </p:txBody>
-      </p:sp>
-      <p:sp>
-        <p:nvSpPr>
-          <p:cNvPr id="9" name="Text Placeholder 8"/>
-          <p:cNvSpPr>
-            <a:spLocks noGrp="1"/>
-          </p:cNvSpPr>
-          <p:nvPr>
-            <p:ph type="body" sz="quarter" idx="13"/>
-          </p:nvPr>
-        </p:nvSpPr>
-        <p:spPr>
-          <a:xfrm>
-            <a:off x="381000" y="853372"/>
-            <a:ext cx="8382000" cy="3928177"/>
-          </a:xfrm>
-        </p:spPr>
-        <p:txBody>
-          <a:bodyPr>
-            <a:normAutofit fontScale="92500" lnSpcReduction="10000"/>
-          </a:bodyPr>
-          <a:lstStyle/>
-          <a:p>
-            <a:pPr marL="457200" indent="-457200">
-              <a:buBlip>
-                <a:blip r:embed="rId3"/>
-              </a:buBlip>
-            </a:pPr>
-            <a:r>
-              <a:rPr lang="en-US" sz="2400" dirty="0" smtClean="0"/>
-              <a:t>Class is user defined prototype for an object &amp; </a:t>
-            </a:r>
-            <a:r>
-              <a:rPr lang="en-US" sz="2400" dirty="0"/>
-              <a:t>o</a:t>
-            </a:r>
-            <a:r>
-              <a:rPr lang="en-US" sz="2400" dirty="0" smtClean="0"/>
-              <a:t>bjects are unique instance of the data structure defined within the class.</a:t>
-            </a:r>
-          </a:p>
-          <a:p>
-            <a:pPr marL="457200" indent="-457200">
-              <a:buBlip>
-                <a:blip r:embed="rId3"/>
-              </a:buBlip>
-            </a:pPr>
-            <a:r>
-              <a:rPr lang="en-US" sz="2400" dirty="0" smtClean="0"/>
-              <a:t>Object has data (attributes) &amp; behavior (methods).</a:t>
-            </a:r>
-          </a:p>
-          <a:p>
-            <a:pPr marL="457200" indent="-457200">
-              <a:buBlip>
-                <a:blip r:embed="rId3"/>
-              </a:buBlip>
-            </a:pPr>
-            <a:r>
-              <a:rPr lang="en-US" sz="2400" dirty="0" smtClean="0"/>
-              <a:t>Python follows OOP concept &amp; implements Encapsulation, Data Abstraction, Inheritance, Polymorphism (Overloading).</a:t>
-            </a:r>
-          </a:p>
-          <a:p>
-            <a:pPr marL="457200" indent="-457200">
-              <a:buBlip>
-                <a:blip r:embed="rId3"/>
-              </a:buBlip>
-            </a:pPr>
-            <a:r>
-              <a:rPr lang="en-US" sz="2400" dirty="0" smtClean="0"/>
-              <a:t>We can define a class using </a:t>
-            </a:r>
-            <a:r>
-              <a:rPr lang="en-US" sz="2400" i="1" dirty="0" smtClean="0"/>
-              <a:t>class &lt;</a:t>
-            </a:r>
-            <a:r>
-              <a:rPr lang="en-US" sz="2400" i="1" dirty="0" err="1" smtClean="0"/>
-              <a:t>classname</a:t>
-            </a:r>
-            <a:r>
-              <a:rPr lang="en-US" sz="2400" i="1" dirty="0" smtClean="0"/>
-              <a:t>&gt; </a:t>
-            </a:r>
-            <a:r>
-              <a:rPr lang="en-US" sz="2400" dirty="0" smtClean="0"/>
-              <a:t>syntax.</a:t>
-            </a:r>
-          </a:p>
-          <a:p>
-            <a:pPr marL="457200" indent="-457200">
-              <a:buBlip>
-                <a:blip r:embed="rId3"/>
-              </a:buBlip>
-            </a:pPr>
-            <a:r>
-              <a:rPr lang="en-US" sz="2400" dirty="0" smtClean="0"/>
-              <a:t>__</a:t>
-            </a:r>
-            <a:r>
-              <a:rPr lang="en-US" sz="2400" dirty="0" err="1" smtClean="0"/>
-              <a:t>init</a:t>
-            </a:r>
-            <a:r>
-              <a:rPr lang="en-US" sz="2400" dirty="0" smtClean="0"/>
-              <a:t>__() is constructor &amp; __del__() is destructor both get invoked automatically when we are creating an object, or when an object is getting out of scope respectively.</a:t>
-            </a:r>
-          </a:p>
-          <a:p>
-            <a:pPr marL="457200" indent="-457200">
-              <a:buBlip>
-                <a:blip r:embed="rId3"/>
-              </a:buBlip>
-            </a:pPr>
-            <a:r>
-              <a:rPr lang="en-US" sz="2400" dirty="0" smtClean="0"/>
-              <a:t>Inheritance </a:t>
-            </a:r>
-            <a:r>
-              <a:rPr lang="en-US" sz="2400" dirty="0"/>
-              <a:t>is the process by which one class takes on the attributes and methods of </a:t>
-            </a:r>
-            <a:r>
-              <a:rPr lang="en-US" sz="2400" dirty="0" smtClean="0"/>
-              <a:t>another.</a:t>
-            </a:r>
-          </a:p>
-          <a:p>
-            <a:pPr marL="457200" indent="-457200">
-              <a:buBlip>
-                <a:blip r:embed="rId3"/>
-              </a:buBlip>
-            </a:pPr>
-            <a:endParaRPr lang="en-US" sz="2400" dirty="0" smtClean="0"/>
-          </a:p>
-        </p:txBody>
-      </p:sp>
-    </p:spTree>
-    <p:custDataLst>
-      <p:tags r:id="rId1"/>
-    </p:custDataLst>
-    <p:extLst>
-      <p:ext uri="{BB962C8B-B14F-4D97-AF65-F5344CB8AC3E}">
-        <p14:creationId xmlns:p14="http://schemas.microsoft.com/office/powerpoint/2010/main" val="503829834"/>
-      </p:ext>
-    </p:extLst>
-  </p:cSld>
-  <p:clrMapOvr>
-    <a:masterClrMapping/>
-  </p:clrMapOvr>
-  <mc:AlternateContent xmlns:mc="http://schemas.openxmlformats.org/markup-compatibility/2006" xmlns:p14="http://schemas.microsoft.com/office/powerpoint/2010/main">
-    <mc:Choice Requires="p14">
-      <p:transition spd="med" p14:dur="700">
-        <p:fade/>
-      </p:transition>
-    </mc:Choice>
-    <mc:Fallback xmlns="">
-      <p:transition spd="med">
-        <p:fade/>
-      </p:transition>
-    </mc:Fallback>
-  </mc:AlternateContent>
-  <p:timing>
-    <p:tnLst>
-      <p:par>
-        <p:cTn id="1" dur="indefinite" restart="never" nodeType="tmRoot"/>
-      </p:par>
-    </p:tnLst>
-  </p:timing>
 </p:sld>
 </file>
 
@@ -23784,10 +22301,197 @@
           <a:lstStyle/>
           <a:p>
             <a:r>
-              <a:rPr lang="en-US" dirty="0" smtClean="0"/>
+              <a:rPr lang="en-US" dirty="0"/>
               <a:t>Summary</a:t>
             </a:r>
-            <a:endParaRPr lang="en-US" dirty="0"/>
+          </a:p>
+        </p:txBody>
+      </p:sp>
+      <p:sp>
+        <p:nvSpPr>
+          <p:cNvPr id="9" name="Text Placeholder 8"/>
+          <p:cNvSpPr>
+            <a:spLocks noGrp="1"/>
+          </p:cNvSpPr>
+          <p:nvPr>
+            <p:ph type="body" sz="quarter" idx="13"/>
+          </p:nvPr>
+        </p:nvSpPr>
+        <p:spPr>
+          <a:xfrm>
+            <a:off x="381000" y="853372"/>
+            <a:ext cx="8382000" cy="3928177"/>
+          </a:xfrm>
+        </p:spPr>
+        <p:txBody>
+          <a:bodyPr>
+            <a:normAutofit fontScale="92500" lnSpcReduction="10000"/>
+          </a:bodyPr>
+          <a:lstStyle/>
+          <a:p>
+            <a:pPr marL="457200" indent="-457200">
+              <a:buBlip>
+                <a:blip r:embed="rId3"/>
+              </a:buBlip>
+            </a:pPr>
+            <a:r>
+              <a:rPr lang="en-US" sz="2400" dirty="0"/>
+              <a:t>Class is user defined prototype for an object &amp; objects are unique instance of the data structure defined within the class.</a:t>
+            </a:r>
+          </a:p>
+          <a:p>
+            <a:pPr marL="457200" indent="-457200">
+              <a:buBlip>
+                <a:blip r:embed="rId3"/>
+              </a:buBlip>
+            </a:pPr>
+            <a:r>
+              <a:rPr lang="en-US" sz="2400" dirty="0"/>
+              <a:t>Object has data (attributes) &amp; behavior (methods).</a:t>
+            </a:r>
+          </a:p>
+          <a:p>
+            <a:pPr marL="457200" indent="-457200">
+              <a:buBlip>
+                <a:blip r:embed="rId3"/>
+              </a:buBlip>
+            </a:pPr>
+            <a:r>
+              <a:rPr lang="en-US" sz="2400" dirty="0"/>
+              <a:t>Python follows OOP concept &amp; implements Encapsulation, Data Abstraction, Inheritance, Polymorphism (Overloading).</a:t>
+            </a:r>
+          </a:p>
+          <a:p>
+            <a:pPr marL="457200" indent="-457200">
+              <a:buBlip>
+                <a:blip r:embed="rId3"/>
+              </a:buBlip>
+            </a:pPr>
+            <a:r>
+              <a:rPr lang="en-US" sz="2400" dirty="0"/>
+              <a:t>We can define a class using </a:t>
+            </a:r>
+            <a:r>
+              <a:rPr lang="en-US" sz="2400" i="1" dirty="0"/>
+              <a:t>class &lt;</a:t>
+            </a:r>
+            <a:r>
+              <a:rPr lang="en-US" sz="2400" i="1" dirty="0" err="1"/>
+              <a:t>classname</a:t>
+            </a:r>
+            <a:r>
+              <a:rPr lang="en-US" sz="2400" i="1" dirty="0"/>
+              <a:t>&gt; </a:t>
+            </a:r>
+            <a:r>
+              <a:rPr lang="en-US" sz="2400" dirty="0"/>
+              <a:t>syntax.</a:t>
+            </a:r>
+          </a:p>
+          <a:p>
+            <a:pPr marL="457200" indent="-457200">
+              <a:buBlip>
+                <a:blip r:embed="rId3"/>
+              </a:buBlip>
+            </a:pPr>
+            <a:r>
+              <a:rPr lang="en-US" sz="2400" dirty="0"/>
+              <a:t>__</a:t>
+            </a:r>
+            <a:r>
+              <a:rPr lang="en-US" sz="2400" dirty="0" err="1"/>
+              <a:t>init</a:t>
+            </a:r>
+            <a:r>
+              <a:rPr lang="en-US" sz="2400" dirty="0"/>
+              <a:t>__() is constructor &amp; __del__() is destructor both get invoked automatically when we are creating an object, or when an object is getting out of scope respectively.</a:t>
+            </a:r>
+          </a:p>
+          <a:p>
+            <a:pPr marL="457200" indent="-457200">
+              <a:buBlip>
+                <a:blip r:embed="rId3"/>
+              </a:buBlip>
+            </a:pPr>
+            <a:r>
+              <a:rPr lang="en-US" sz="2400" dirty="0"/>
+              <a:t>Inheritance is the process by which one class takes on the attributes and methods of another.</a:t>
+            </a:r>
+          </a:p>
+          <a:p>
+            <a:pPr marL="457200" indent="-457200">
+              <a:buBlip>
+                <a:blip r:embed="rId3"/>
+              </a:buBlip>
+            </a:pPr>
+            <a:endParaRPr lang="en-US" sz="2400" dirty="0"/>
+          </a:p>
+        </p:txBody>
+      </p:sp>
+    </p:spTree>
+    <p:custDataLst>
+      <p:tags r:id="rId1"/>
+    </p:custDataLst>
+    <p:extLst>
+      <p:ext uri="{BB962C8B-B14F-4D97-AF65-F5344CB8AC3E}">
+        <p14:creationId xmlns:p14="http://schemas.microsoft.com/office/powerpoint/2010/main" val="503829834"/>
+      </p:ext>
+    </p:extLst>
+  </p:cSld>
+  <p:clrMapOvr>
+    <a:masterClrMapping/>
+  </p:clrMapOvr>
+  <mc:AlternateContent xmlns:mc="http://schemas.openxmlformats.org/markup-compatibility/2006" xmlns:p14="http://schemas.microsoft.com/office/powerpoint/2010/main">
+    <mc:Choice Requires="p14">
+      <p:transition spd="med" p14:dur="700">
+        <p:fade/>
+      </p:transition>
+    </mc:Choice>
+    <mc:Fallback xmlns="">
+      <p:transition spd="med">
+        <p:fade/>
+      </p:transition>
+    </mc:Fallback>
+  </mc:AlternateContent>
+</p:sld>
+</file>
+
+<file path=ppt/slides/slide35.xml><?xml version="1.0" encoding="utf-8"?>
+<p:sld xmlns:a="http://schemas.openxmlformats.org/drawingml/2006/main" xmlns:r="http://schemas.openxmlformats.org/officeDocument/2006/relationships" xmlns:p="http://schemas.openxmlformats.org/presentationml/2006/main">
+  <p:cSld>
+    <p:spTree>
+      <p:nvGrpSpPr>
+        <p:cNvPr id="1" name=""/>
+        <p:cNvGrpSpPr/>
+        <p:nvPr/>
+      </p:nvGrpSpPr>
+      <p:grpSpPr>
+        <a:xfrm>
+          <a:off x="0" y="0"/>
+          <a:ext cx="0" cy="0"/>
+          <a:chOff x="0" y="0"/>
+          <a:chExt cx="0" cy="0"/>
+        </a:xfrm>
+      </p:grpSpPr>
+      <p:sp>
+        <p:nvSpPr>
+          <p:cNvPr id="8" name="Title 7"/>
+          <p:cNvSpPr>
+            <a:spLocks noGrp="1"/>
+          </p:cNvSpPr>
+          <p:nvPr>
+            <p:ph type="title"/>
+          </p:nvPr>
+        </p:nvSpPr>
+        <p:spPr/>
+        <p:txBody>
+          <a:bodyPr/>
+          <a:lstStyle/>
+          <a:p>
+            <a:r>
+              <a:rPr lang="en-US" dirty="0"/>
+              <a:t>Summary</a:t>
+            </a:r>
           </a:p>
         </p:txBody>
       </p:sp>
@@ -23819,7 +22523,7 @@
               </a:buBlip>
             </a:pPr>
             <a:r>
-              <a:rPr lang="en-US" sz="2400" dirty="0" smtClean="0"/>
+              <a:rPr lang="en-US" sz="2400" dirty="0"/>
               <a:t>Python supports single, multiple, multi-level &amp; hierarchical inheritance.</a:t>
             </a:r>
           </a:p>
@@ -23830,7 +22534,7 @@
               </a:buBlip>
             </a:pPr>
             <a:r>
-              <a:rPr lang="en-US" sz="2400" dirty="0" smtClean="0"/>
+              <a:rPr lang="en-US" sz="2400" dirty="0"/>
               <a:t>Prefixing a instance attribute by “__” make it private and not accessible directly from outside the class.</a:t>
             </a:r>
           </a:p>
@@ -23841,7 +22545,7 @@
               </a:buBlip>
             </a:pPr>
             <a:r>
-              <a:rPr lang="en-US" sz="2400" dirty="0" smtClean="0"/>
+              <a:rPr lang="en-US" sz="2400" dirty="0"/>
               <a:t>Python also supports the operator overloading and there are respective function which are invoked automatically when we use the corresponding operators to perform some operation.</a:t>
             </a:r>
           </a:p>
@@ -23872,160 +22576,6 @@
       </p:transition>
     </mc:Fallback>
   </mc:AlternateContent>
-  <p:timing>
-    <p:tnLst>
-      <p:par>
-        <p:cTn id="1" dur="indefinite" restart="never" nodeType="tmRoot"/>
-      </p:par>
-    </p:tnLst>
-  </p:timing>
-</p:sld>
-</file>
-
-<file path=ppt/slides/slide35.xml><?xml version="1.0" encoding="utf-8"?>
-<p:sld xmlns:a="http://schemas.openxmlformats.org/drawingml/2006/main" xmlns:r="http://schemas.openxmlformats.org/officeDocument/2006/relationships" xmlns:p="http://schemas.openxmlformats.org/presentationml/2006/main">
-  <p:cSld>
-    <p:spTree>
-      <p:nvGrpSpPr>
-        <p:cNvPr id="1" name=""/>
-        <p:cNvGrpSpPr/>
-        <p:nvPr/>
-      </p:nvGrpSpPr>
-      <p:grpSpPr>
-        <a:xfrm>
-          <a:off x="0" y="0"/>
-          <a:ext cx="0" cy="0"/>
-          <a:chOff x="0" y="0"/>
-          <a:chExt cx="0" cy="0"/>
-        </a:xfrm>
-      </p:grpSpPr>
-      <p:sp>
-        <p:nvSpPr>
-          <p:cNvPr id="4" name="Title 3"/>
-          <p:cNvSpPr>
-            <a:spLocks noGrp="1"/>
-          </p:cNvSpPr>
-          <p:nvPr>
-            <p:ph type="title"/>
-          </p:nvPr>
-        </p:nvSpPr>
-        <p:spPr/>
-        <p:txBody>
-          <a:bodyPr/>
-          <a:lstStyle/>
-          <a:p>
-            <a:r>
-              <a:rPr lang="en-US" dirty="0" smtClean="0"/>
-              <a:t>Check on learning</a:t>
-            </a:r>
-            <a:endParaRPr lang="en-US" dirty="0"/>
-          </a:p>
-        </p:txBody>
-      </p:sp>
-      <p:sp>
-        <p:nvSpPr>
-          <p:cNvPr id="5" name="Text Placeholder 4"/>
-          <p:cNvSpPr>
-            <a:spLocks noGrp="1"/>
-          </p:cNvSpPr>
-          <p:nvPr>
-            <p:ph type="body" sz="quarter" idx="13"/>
-          </p:nvPr>
-        </p:nvSpPr>
-        <p:spPr>
-          <a:xfrm>
-            <a:off x="380999" y="853372"/>
-            <a:ext cx="8382003" cy="3928177"/>
-          </a:xfrm>
-        </p:spPr>
-        <p:txBody>
-          <a:bodyPr>
-            <a:normAutofit lnSpcReduction="10000"/>
-          </a:bodyPr>
-          <a:lstStyle/>
-          <a:p>
-            <a:pPr marL="457200" indent="-457200" fontAlgn="base">
-              <a:buFont typeface="Wingdings 2" panose="05020102010507070707" pitchFamily="18" charset="2"/>
-              <a:buChar char="P"/>
-            </a:pPr>
-            <a:r>
-              <a:rPr lang="en-US" dirty="0" smtClean="0"/>
-              <a:t>We have learnt the benefits of OOP.</a:t>
-            </a:r>
-          </a:p>
-          <a:p>
-            <a:pPr marL="457200" indent="-457200" fontAlgn="base">
-              <a:buFont typeface="Wingdings 2" panose="05020102010507070707" pitchFamily="18" charset="2"/>
-              <a:buChar char="P"/>
-            </a:pPr>
-            <a:r>
-              <a:rPr lang="en-US" dirty="0" smtClean="0"/>
-              <a:t>Now we know what is OOP &amp; how it has been implemented in Python.</a:t>
-            </a:r>
-          </a:p>
-          <a:p>
-            <a:pPr marL="457200" indent="-457200" fontAlgn="base">
-              <a:buFont typeface="Wingdings 2" panose="05020102010507070707" pitchFamily="18" charset="2"/>
-              <a:buChar char="P"/>
-            </a:pPr>
-            <a:r>
-              <a:rPr lang="en-US" dirty="0" smtClean="0"/>
-              <a:t>We have gone through the concepts of </a:t>
-            </a:r>
-            <a:r>
-              <a:rPr lang="en-US" dirty="0"/>
-              <a:t>Encapsulation, Data-Abstraction, Polymorphism &amp; </a:t>
-            </a:r>
-            <a:r>
-              <a:rPr lang="en-US" dirty="0" smtClean="0"/>
-              <a:t>Inheritance. We also learnt how Python deals with these.</a:t>
-            </a:r>
-          </a:p>
-          <a:p>
-            <a:pPr marL="457200" indent="-457200" fontAlgn="base">
-              <a:buFont typeface="Wingdings 2" panose="05020102010507070707" pitchFamily="18" charset="2"/>
-              <a:buChar char="P"/>
-            </a:pPr>
-            <a:r>
-              <a:rPr lang="en-US" dirty="0" smtClean="0"/>
-              <a:t>We can now start writing object oriented programs.</a:t>
-            </a:r>
-            <a:endParaRPr lang="en-US" dirty="0"/>
-          </a:p>
-        </p:txBody>
-      </p:sp>
-    </p:spTree>
-    <p:custDataLst>
-      <p:tags r:id="rId1"/>
-    </p:custDataLst>
-    <p:extLst>
-      <p:ext uri="{BB962C8B-B14F-4D97-AF65-F5344CB8AC3E}">
-        <p14:creationId xmlns:p14="http://schemas.microsoft.com/office/powerpoint/2010/main" val="2175156965"/>
-      </p:ext>
-    </p:extLst>
-  </p:cSld>
-  <p:clrMapOvr>
-    <a:masterClrMapping/>
-  </p:clrMapOvr>
-  <mc:AlternateContent xmlns:mc="http://schemas.openxmlformats.org/markup-compatibility/2006" xmlns:p14="http://schemas.microsoft.com/office/powerpoint/2010/main">
-    <mc:Choice Requires="p14">
-      <p:transition spd="med" p14:dur="700">
-        <p:fade/>
-      </p:transition>
-    </mc:Choice>
-    <mc:Fallback xmlns="">
-      <p:transition spd="med">
-        <p:fade/>
-      </p:transition>
-    </mc:Fallback>
-  </mc:AlternateContent>
-  <p:timing>
-    <p:tnLst>
-      <p:par>
-        <p:cTn id="1" dur="indefinite" restart="never" nodeType="tmRoot"/>
-      </p:par>
-    </p:tnLst>
-  </p:timing>
 </p:sld>
 </file>
 
@@ -24062,10 +22612,9 @@
           <a:lstStyle/>
           <a:p>
             <a:r>
-              <a:rPr lang="en-US" dirty="0" smtClean="0"/>
-              <a:t>Links</a:t>
-            </a:r>
-            <a:endParaRPr lang="en-US" dirty="0"/>
+              <a:rPr lang="en-US" dirty="0"/>
+              <a:t>Check on learning</a:t>
+            </a:r>
           </a:p>
         </p:txBody>
       </p:sp>
@@ -24081,65 +22630,54 @@
         </p:nvSpPr>
         <p:spPr>
           <a:xfrm>
-            <a:off x="381000" y="819150"/>
+            <a:off x="380999" y="853372"/>
             <a:ext cx="8382003" cy="3928177"/>
           </a:xfrm>
         </p:spPr>
         <p:txBody>
           <a:bodyPr>
-            <a:normAutofit/>
+            <a:normAutofit lnSpcReduction="10000"/>
           </a:bodyPr>
           <a:lstStyle/>
           <a:p>
             <a:pPr marL="457200" indent="-457200" fontAlgn="base">
-              <a:buFont typeface="Wingdings" panose="05000000000000000000" pitchFamily="2" charset="2"/>
-              <a:buChar char=""/>
+              <a:buFont typeface="Wingdings 2" panose="05020102010507070707" pitchFamily="18" charset="2"/>
+              <a:buChar char="P"/>
             </a:pPr>
             <a:r>
-              <a:rPr lang="en-US" sz="2400" dirty="0">
-                <a:hlinkClick r:id="rId3"/>
-              </a:rPr>
-              <a:t>https://docs.python.org/3/tutorial</a:t>
-            </a:r>
-            <a:r>
-              <a:rPr lang="en-US" sz="2400" dirty="0" smtClean="0">
-                <a:hlinkClick r:id="rId3"/>
-              </a:rPr>
-              <a:t>/</a:t>
-            </a:r>
-            <a:endParaRPr lang="en-US" sz="2400" dirty="0" smtClean="0"/>
+              <a:rPr lang="en-US" dirty="0"/>
+              <a:t>We have learnt the benefits of OOP.</a:t>
+            </a:r>
           </a:p>
           <a:p>
             <a:pPr marL="457200" indent="-457200" fontAlgn="base">
-              <a:buFont typeface="Wingdings" panose="05000000000000000000" pitchFamily="2" charset="2"/>
-              <a:buChar char=""/>
+              <a:buFont typeface="Wingdings 2" panose="05020102010507070707" pitchFamily="18" charset="2"/>
+              <a:buChar char="P"/>
             </a:pPr>
             <a:r>
-              <a:rPr lang="en-US" sz="2400" dirty="0" smtClean="0">
-                <a:hlinkClick r:id="rId4"/>
-              </a:rPr>
-              <a:t>https</a:t>
-            </a:r>
-            <a:r>
-              <a:rPr lang="en-US" sz="2400" dirty="0">
-                <a:hlinkClick r:id="rId4"/>
-              </a:rPr>
-              <a:t>://</a:t>
-            </a:r>
-            <a:r>
-              <a:rPr lang="en-US" sz="2400" dirty="0" smtClean="0">
-                <a:hlinkClick r:id="rId4"/>
-              </a:rPr>
-              <a:t>www.youtube.com/watch?v=ZDa-Z5JzLYM&amp;list=PL-osiE80TeTsqhIuOqKhwlXsIBIdSeYtc</a:t>
-            </a:r>
-            <a:endParaRPr lang="en-US" sz="2400" dirty="0" smtClean="0"/>
+              <a:rPr lang="en-US" dirty="0"/>
+              <a:t>Now we know what is OOP &amp; how it has been implemented in Python.</a:t>
+            </a:r>
           </a:p>
           <a:p>
             <a:pPr marL="457200" indent="-457200" fontAlgn="base">
-              <a:buFont typeface="Wingdings" panose="05000000000000000000" pitchFamily="2" charset="2"/>
-              <a:buChar char=""/>
+              <a:buFont typeface="Wingdings 2" panose="05020102010507070707" pitchFamily="18" charset="2"/>
+              <a:buChar char="P"/>
             </a:pPr>
-            <a:endParaRPr lang="en-US" dirty="0"/>
+            <a:r>
+              <a:rPr lang="en-US" dirty="0"/>
+              <a:t>We have gone through the concepts of Encapsulation, Data-Abstraction, Polymorphism &amp; Inheritance. We also learnt how Python deals with these.</a:t>
+            </a:r>
+          </a:p>
+          <a:p>
+            <a:pPr marL="457200" indent="-457200" fontAlgn="base">
+              <a:buFont typeface="Wingdings 2" panose="05020102010507070707" pitchFamily="18" charset="2"/>
+              <a:buChar char="P"/>
+            </a:pPr>
+            <a:r>
+              <a:rPr lang="en-US" dirty="0"/>
+              <a:t>We can now start writing object oriented programs.</a:t>
+            </a:r>
           </a:p>
         </p:txBody>
       </p:sp>
@@ -24149,7 +22687,7 @@
     </p:custDataLst>
     <p:extLst>
       <p:ext uri="{BB962C8B-B14F-4D97-AF65-F5344CB8AC3E}">
-        <p14:creationId xmlns:p14="http://schemas.microsoft.com/office/powerpoint/2010/main" val="3241484784"/>
+        <p14:creationId xmlns:p14="http://schemas.microsoft.com/office/powerpoint/2010/main" val="2175156965"/>
       </p:ext>
     </p:extLst>
   </p:cSld>
@@ -24168,13 +22706,6 @@
       </p:transition>
     </mc:Fallback>
   </mc:AlternateContent>
-  <p:timing>
-    <p:tnLst>
-      <p:par>
-        <p:cTn id="1" dur="indefinite" restart="never" nodeType="tmRoot"/>
-      </p:par>
-    </p:tnLst>
-  </p:timing>
 </p:sld>
 </file>
 
@@ -24211,10 +22742,132 @@
           <a:lstStyle/>
           <a:p>
             <a:r>
-              <a:rPr lang="en-US" dirty="0" smtClean="0"/>
+              <a:rPr lang="en-US" dirty="0"/>
+              <a:t>Links</a:t>
+            </a:r>
+          </a:p>
+        </p:txBody>
+      </p:sp>
+      <p:sp>
+        <p:nvSpPr>
+          <p:cNvPr id="5" name="Text Placeholder 4"/>
+          <p:cNvSpPr>
+            <a:spLocks noGrp="1"/>
+          </p:cNvSpPr>
+          <p:nvPr>
+            <p:ph type="body" sz="quarter" idx="13"/>
+          </p:nvPr>
+        </p:nvSpPr>
+        <p:spPr>
+          <a:xfrm>
+            <a:off x="381000" y="819150"/>
+            <a:ext cx="8382003" cy="3928177"/>
+          </a:xfrm>
+        </p:spPr>
+        <p:txBody>
+          <a:bodyPr>
+            <a:normAutofit/>
+          </a:bodyPr>
+          <a:lstStyle/>
+          <a:p>
+            <a:pPr marL="457200" indent="-457200" fontAlgn="base">
+              <a:buFont typeface="Wingdings" panose="05000000000000000000" pitchFamily="2" charset="2"/>
+              <a:buChar char=""/>
+            </a:pPr>
+            <a:r>
+              <a:rPr lang="en-US" sz="2400" dirty="0">
+                <a:hlinkClick r:id="rId3"/>
+              </a:rPr>
+              <a:t>https://docs.python.org/3/tutorial/</a:t>
+            </a:r>
+            <a:endParaRPr lang="en-US" sz="2400" dirty="0"/>
+          </a:p>
+          <a:p>
+            <a:pPr marL="457200" indent="-457200" fontAlgn="base">
+              <a:buFont typeface="Wingdings" panose="05000000000000000000" pitchFamily="2" charset="2"/>
+              <a:buChar char=""/>
+            </a:pPr>
+            <a:r>
+              <a:rPr lang="en-US" sz="2400" dirty="0">
+                <a:hlinkClick r:id="rId4"/>
+              </a:rPr>
+              <a:t>https://www.youtube.com/watch?v=ZDa-Z5JzLYM&amp;list=PL-osiE80TeTsqhIuOqKhwlXsIBIdSeYtc</a:t>
+            </a:r>
+            <a:endParaRPr lang="en-US" sz="2400" dirty="0"/>
+          </a:p>
+          <a:p>
+            <a:pPr marL="457200" indent="-457200" fontAlgn="base">
+              <a:buFont typeface="Wingdings" panose="05000000000000000000" pitchFamily="2" charset="2"/>
+              <a:buChar char=""/>
+            </a:pPr>
+            <a:endParaRPr lang="en-US" dirty="0"/>
+          </a:p>
+        </p:txBody>
+      </p:sp>
+    </p:spTree>
+    <p:custDataLst>
+      <p:tags r:id="rId1"/>
+    </p:custDataLst>
+    <p:extLst>
+      <p:ext uri="{BB962C8B-B14F-4D97-AF65-F5344CB8AC3E}">
+        <p14:creationId xmlns:p14="http://schemas.microsoft.com/office/powerpoint/2010/main" val="3241484784"/>
+      </p:ext>
+    </p:extLst>
+  </p:cSld>
+  <p:clrMapOvr>
+    <a:masterClrMapping/>
+  </p:clrMapOvr>
+  <mc:AlternateContent xmlns:mc="http://schemas.openxmlformats.org/markup-compatibility/2006" xmlns:p14="http://schemas.microsoft.com/office/powerpoint/2010/main">
+    <mc:Choice Requires="p14">
+      <p:transition spd="med" p14:dur="700">
+        <p:fade/>
+      </p:transition>
+    </mc:Choice>
+    <mc:Fallback xmlns="">
+      <p:transition spd="med">
+        <p:fade/>
+      </p:transition>
+    </mc:Fallback>
+  </mc:AlternateContent>
+</p:sld>
+</file>
+
+<file path=ppt/slides/slide38.xml><?xml version="1.0" encoding="utf-8"?>
+<p:sld xmlns:a="http://schemas.openxmlformats.org/drawingml/2006/main" xmlns:r="http://schemas.openxmlformats.org/officeDocument/2006/relationships" xmlns:p="http://schemas.openxmlformats.org/presentationml/2006/main">
+  <p:cSld>
+    <p:spTree>
+      <p:nvGrpSpPr>
+        <p:cNvPr id="1" name=""/>
+        <p:cNvGrpSpPr/>
+        <p:nvPr/>
+      </p:nvGrpSpPr>
+      <p:grpSpPr>
+        <a:xfrm>
+          <a:off x="0" y="0"/>
+          <a:ext cx="0" cy="0"/>
+          <a:chOff x="0" y="0"/>
+          <a:chExt cx="0" cy="0"/>
+        </a:xfrm>
+      </p:grpSpPr>
+      <p:sp>
+        <p:nvSpPr>
+          <p:cNvPr id="4" name="Title 3"/>
+          <p:cNvSpPr>
+            <a:spLocks noGrp="1"/>
+          </p:cNvSpPr>
+          <p:nvPr>
+            <p:ph type="title"/>
+          </p:nvPr>
+        </p:nvSpPr>
+        <p:spPr/>
+        <p:txBody>
+          <a:bodyPr/>
+          <a:lstStyle/>
+          <a:p>
+            <a:r>
+              <a:rPr lang="en-US" dirty="0"/>
               <a:t>Hello, World! This is.. S</a:t>
             </a:r>
-            <a:endParaRPr lang="en-US" dirty="0"/>
           </a:p>
         </p:txBody>
       </p:sp>
@@ -24234,18 +22887,17 @@
           <a:lstStyle/>
           <a:p>
             <a:r>
-              <a:rPr lang="en-US" dirty="0" smtClean="0"/>
+              <a:rPr lang="en-US" dirty="0"/>
               <a:t>‘</a:t>
             </a:r>
             <a:r>
-              <a:rPr lang="en-US" i="1" dirty="0" smtClean="0"/>
+              <a:rPr lang="en-US" i="1" dirty="0"/>
               <a:t>Pythnoic</a:t>
             </a:r>
             <a:r>
-              <a:rPr lang="en-US" dirty="0" smtClean="0"/>
+              <a:rPr lang="en-US" dirty="0"/>
               <a:t>’… the way it talks. Are you following it?</a:t>
             </a:r>
-            <a:endParaRPr lang="en-US" dirty="0"/>
           </a:p>
         </p:txBody>
       </p:sp>
@@ -24342,17 +22994,10 @@
       </p:transition>
     </mc:Fallback>
   </mc:AlternateContent>
-  <p:timing>
-    <p:tnLst>
-      <p:par>
-        <p:cTn id="1" dur="indefinite" restart="never" nodeType="tmRoot"/>
-      </p:par>
-    </p:tnLst>
-  </p:timing>
 </p:sld>
 </file>
 
-<file path=ppt/slides/slide38.xml><?xml version="1.0" encoding="utf-8"?>
+<file path=ppt/slides/slide39.xml><?xml version="1.0" encoding="utf-8"?>
 <p:sld xmlns:a="http://schemas.openxmlformats.org/drawingml/2006/main" xmlns:r="http://schemas.openxmlformats.org/officeDocument/2006/relationships" xmlns:p="http://schemas.openxmlformats.org/presentationml/2006/main">
   <p:cSld>
     <p:spTree>
@@ -24392,10 +23037,9 @@
           <a:lstStyle/>
           <a:p>
             <a:r>
-              <a:rPr lang="en-US" dirty="0" smtClean="0"/>
+              <a:rPr lang="en-US" dirty="0"/>
               <a:t>Thank you</a:t>
             </a:r>
-            <a:endParaRPr lang="en-US" dirty="0"/>
           </a:p>
         </p:txBody>
       </p:sp>
@@ -24420,22 +23064,21 @@
           <a:lstStyle/>
           <a:p>
             <a:r>
-              <a:rPr lang="en-US" sz="1400" dirty="0" smtClean="0"/>
+              <a:rPr lang="en-US" sz="1400" dirty="0"/>
               <a:t>Indranil Paul (424241)</a:t>
             </a:r>
           </a:p>
           <a:p>
             <a:r>
-              <a:rPr lang="en-US" sz="1400" dirty="0" smtClean="0"/>
+              <a:rPr lang="en-US" sz="1400" dirty="0"/>
               <a:t>Python Developer</a:t>
             </a:r>
           </a:p>
           <a:p>
             <a:r>
-              <a:rPr lang="en-US" sz="1400" dirty="0" smtClean="0"/>
+              <a:rPr lang="en-US" sz="1400" dirty="0"/>
               <a:t>Banking &amp; Financial Services | WMC Account</a:t>
             </a:r>
-            <a:endParaRPr lang="en-US" sz="1400" dirty="0"/>
           </a:p>
         </p:txBody>
       </p:sp>
@@ -24464,13 +23107,6 @@
       </p:transition>
     </mc:Fallback>
   </mc:AlternateContent>
-  <p:timing>
-    <p:tnLst>
-      <p:par>
-        <p:cTn id="1" dur="indefinite" restart="never" nodeType="tmRoot"/>
-      </p:par>
-    </p:tnLst>
-  </p:timing>
 </p:sld>
 </file>
 
@@ -24507,10 +23143,9 @@
           <a:lstStyle/>
           <a:p>
             <a:r>
-              <a:rPr lang="en-US" dirty="0" smtClean="0"/>
+              <a:rPr lang="en-US" dirty="0"/>
               <a:t>Why Object Oriented Programming?	</a:t>
             </a:r>
-            <a:endParaRPr lang="en-US" dirty="0"/>
           </a:p>
         </p:txBody>
       </p:sp>
@@ -24532,10 +23167,9 @@
           <a:lstStyle/>
           <a:p>
             <a:r>
-              <a:rPr lang="en-US" dirty="0" smtClean="0"/>
+              <a:rPr lang="en-US" dirty="0"/>
               <a:t> </a:t>
             </a:r>
-            <a:endParaRPr lang="en-US" dirty="0"/>
           </a:p>
         </p:txBody>
       </p:sp>
@@ -24586,13 +23220,6 @@
       </p:transition>
     </mc:Fallback>
   </mc:AlternateContent>
-  <p:timing>
-    <p:tnLst>
-      <p:par>
-        <p:cTn id="1" dur="indefinite" restart="never" nodeType="tmRoot"/>
-      </p:par>
-    </p:tnLst>
-  </p:timing>
 </p:sld>
 </file>
 
@@ -24629,10 +23256,9 @@
           <a:lstStyle/>
           <a:p>
             <a:r>
-              <a:rPr lang="en-US" dirty="0" smtClean="0"/>
+              <a:rPr lang="en-US" dirty="0"/>
               <a:t>Topics to Cover</a:t>
             </a:r>
-            <a:endParaRPr lang="en-US" dirty="0"/>
           </a:p>
         </p:txBody>
       </p:sp>
@@ -24657,16 +23283,8 @@
               </a:buBlip>
             </a:pPr>
             <a:r>
-              <a:rPr lang="en-US" sz="2600" dirty="0" smtClean="0"/>
-              <a:t>Object </a:t>
-            </a:r>
-            <a:r>
               <a:rPr lang="en-US" sz="2600" dirty="0"/>
-              <a:t>Oriented Programming using </a:t>
-            </a:r>
-            <a:r>
-              <a:rPr lang="en-US" sz="2600" dirty="0" smtClean="0"/>
-              <a:t>Python</a:t>
+              <a:t>Object Oriented Programming using Python</a:t>
             </a:r>
           </a:p>
           <a:p>
@@ -24676,7 +23294,7 @@
               </a:buBlip>
             </a:pPr>
             <a:r>
-              <a:rPr lang="en-US" sz="2200" dirty="0" smtClean="0"/>
+              <a:rPr lang="en-US" sz="2200" dirty="0"/>
               <a:t>Overview of OOP in Python</a:t>
             </a:r>
           </a:p>
@@ -24687,7 +23305,7 @@
               </a:buBlip>
             </a:pPr>
             <a:r>
-              <a:rPr lang="en-US" sz="2200" dirty="0" smtClean="0"/>
+              <a:rPr lang="en-US" sz="2200" dirty="0"/>
               <a:t>Class &amp; Object in Python</a:t>
             </a:r>
           </a:p>
@@ -24698,7 +23316,7 @@
               </a:buBlip>
             </a:pPr>
             <a:r>
-              <a:rPr lang="en-US" sz="2200" dirty="0" smtClean="0"/>
+              <a:rPr lang="en-US" sz="2200" dirty="0"/>
               <a:t>Inheritance</a:t>
             </a:r>
           </a:p>
@@ -24709,7 +23327,7 @@
               </a:buBlip>
             </a:pPr>
             <a:r>
-              <a:rPr lang="en-US" sz="2200" dirty="0" smtClean="0"/>
+              <a:rPr lang="en-US" sz="2200" dirty="0"/>
               <a:t>Overloading</a:t>
             </a:r>
           </a:p>
@@ -24740,13 +23358,6 @@
       </p:transition>
     </mc:Fallback>
   </mc:AlternateContent>
-  <p:timing>
-    <p:tnLst>
-      <p:par>
-        <p:cTn id="1" dur="indefinite" restart="never" nodeType="tmRoot"/>
-      </p:par>
-    </p:tnLst>
-  </p:timing>
 </p:sld>
 </file>
 
@@ -24783,10 +23394,9 @@
           <a:lstStyle/>
           <a:p>
             <a:r>
-              <a:rPr lang="en-US" dirty="0" smtClean="0"/>
+              <a:rPr lang="en-US" dirty="0"/>
               <a:t>Overview of OOP in Python</a:t>
             </a:r>
-            <a:endParaRPr lang="en-US" dirty="0"/>
           </a:p>
         </p:txBody>
       </p:sp>
@@ -24815,13 +23425,6 @@
       </p:transition>
     </mc:Fallback>
   </mc:AlternateContent>
-  <p:timing>
-    <p:tnLst>
-      <p:par>
-        <p:cTn id="1" dur="indefinite" restart="never" nodeType="tmRoot"/>
-      </p:par>
-    </p:tnLst>
-  </p:timing>
 </p:sld>
 </file>
 
@@ -24870,12 +23473,8 @@
               </a:buBlip>
             </a:pPr>
             <a:r>
-              <a:rPr lang="en-US" dirty="0" smtClean="0"/>
-              <a:t>Object-oriented </a:t>
-            </a:r>
-            <a:r>
               <a:rPr lang="en-US" dirty="0"/>
-              <a:t>Programming, or </a:t>
+              <a:t>Object-oriented Programming, or </a:t>
             </a:r>
             <a:r>
               <a:rPr lang="en-US" i="1" dirty="0"/>
@@ -24900,7 +23499,7 @@
               <a:t>objects</a:t>
             </a:r>
             <a:r>
-              <a:rPr lang="en-US" dirty="0" smtClean="0"/>
+              <a:rPr lang="en-US" dirty="0"/>
               <a:t>.</a:t>
             </a:r>
           </a:p>
@@ -24924,11 +23523,7 @@
             </a:r>
             <a:r>
               <a:rPr lang="en-US" dirty="0"/>
-              <a:t> entities as software objects, which have some data associated with them and can perform certain </a:t>
-            </a:r>
-            <a:r>
-              <a:rPr lang="en-US" dirty="0" smtClean="0"/>
-              <a:t>functions.</a:t>
+              <a:t> entities as software objects, which have some data associated with them and can perform certain functions.</a:t>
             </a:r>
           </a:p>
           <a:p>
@@ -24953,10 +23548,9 @@
               <a:rPr lang="en-US" dirty="0"/>
               <a:t> (Don't Repeat Yourself).</a:t>
             </a:r>
-            <a:endParaRPr lang="en-US" dirty="0" smtClean="0"/>
-          </a:p>
-          <a:p>
-            <a:endParaRPr lang="en-US" sz="2400" dirty="0" smtClean="0"/>
+          </a:p>
+          <a:p>
+            <a:endParaRPr lang="en-US" sz="2400" dirty="0"/>
           </a:p>
         </p:txBody>
       </p:sp>
@@ -24977,13 +23571,8 @@
           <a:p>
             <a:r>
               <a:rPr lang="en-US" dirty="0"/>
-              <a:t>Overview of OOP in </a:t>
-            </a:r>
-            <a:r>
-              <a:rPr lang="en-US" dirty="0" smtClean="0"/>
-              <a:t>Python</a:t>
-            </a:r>
-            <a:endParaRPr lang="en-US" dirty="0"/>
+              <a:t>Overview of OOP in Python</a:t>
+            </a:r>
           </a:p>
         </p:txBody>
       </p:sp>
@@ -25012,13 +23601,6 @@
       </p:transition>
     </mc:Fallback>
   </mc:AlternateContent>
-  <p:timing>
-    <p:tnLst>
-      <p:par>
-        <p:cTn id="1" dur="indefinite" restart="never" nodeType="tmRoot"/>
-      </p:par>
-    </p:tnLst>
-  </p:timing>
 </p:sld>
 </file>
 
@@ -25062,7 +23644,7 @@
           <a:lstStyle/>
           <a:p>
             <a:r>
-              <a:rPr lang="en-US" sz="2000" dirty="0" smtClean="0"/>
+              <a:rPr lang="en-US" sz="2000" dirty="0"/>
               <a:t> </a:t>
             </a:r>
           </a:p>
@@ -25379,7 +23961,7 @@
           <a:p>
             <a:pPr algn="ctr"/>
             <a:r>
-              <a:rPr lang="en-US" b="1" dirty="0" smtClean="0">
+              <a:rPr lang="en-US" b="1" dirty="0">
                 <a:ln w="6600">
                   <a:solidFill>
                     <a:schemeClr val="accent2"/>
@@ -25397,22 +23979,6 @@
               </a:rPr>
               <a:t>Class</a:t>
             </a:r>
-            <a:endParaRPr lang="en-US" b="1" dirty="0">
-              <a:ln w="6600">
-                <a:solidFill>
-                  <a:schemeClr val="accent2"/>
-                </a:solidFill>
-                <a:prstDash val="solid"/>
-              </a:ln>
-              <a:solidFill>
-                <a:srgbClr val="FFFFFF"/>
-              </a:solidFill>
-              <a:effectLst>
-                <a:outerShdw dist="38100" dir="2700000" algn="tl" rotWithShape="0">
-                  <a:schemeClr val="accent2"/>
-                </a:outerShdw>
-              </a:effectLst>
-            </a:endParaRPr>
           </a:p>
         </p:txBody>
       </p:sp>
@@ -25512,7 +24078,7 @@
           <a:p>
             <a:pPr algn="ctr"/>
             <a:r>
-              <a:rPr lang="en-US" sz="1400" b="1" dirty="0" smtClean="0">
+              <a:rPr lang="en-US" sz="1400" b="1" dirty="0">
                 <a:solidFill>
                   <a:srgbClr val="002060"/>
                 </a:solidFill>
@@ -25521,13 +24087,6 @@
               </a:rPr>
               <a:t>Class Student</a:t>
             </a:r>
-            <a:endParaRPr lang="en-US" sz="1400" b="1" dirty="0">
-              <a:solidFill>
-                <a:srgbClr val="002060"/>
-              </a:solidFill>
-              <a:latin typeface="Comic Sans MS" panose="030F0702030302020204" pitchFamily="66" charset="0"/>
-              <a:ea typeface="Cambria Math" panose="02040503050406030204" pitchFamily="18" charset="0"/>
-            </a:endParaRPr>
           </a:p>
         </p:txBody>
       </p:sp>
@@ -25556,13 +24115,6 @@
       </p:transition>
     </mc:Fallback>
   </mc:AlternateContent>
-  <p:timing>
-    <p:tnLst>
-      <p:par>
-        <p:cTn id="1" dur="indefinite" restart="never" nodeType="tmRoot"/>
-      </p:par>
-    </p:tnLst>
-  </p:timing>
 </p:sld>
 </file>
 
@@ -25611,7 +24163,7 @@
               </a:buBlip>
             </a:pPr>
             <a:r>
-              <a:rPr lang="en-US" dirty="0" smtClean="0">
+              <a:rPr lang="en-US" dirty="0">
                 <a:solidFill>
                   <a:srgbClr val="00B0F0"/>
                 </a:solidFill>
@@ -25619,24 +24171,8 @@
               <a:t>Class</a:t>
             </a:r>
             <a:r>
-              <a:rPr lang="en-US" dirty="0" smtClean="0"/>
-              <a:t>: A </a:t>
-            </a:r>
-            <a:r>
               <a:rPr lang="en-US" dirty="0"/>
-              <a:t>user-defined prototype for an object that defines a set of attributes </a:t>
-            </a:r>
-            <a:r>
-              <a:rPr lang="en-US" dirty="0" smtClean="0"/>
-              <a:t>&amp; methods that </a:t>
-            </a:r>
-            <a:r>
-              <a:rPr lang="en-US" dirty="0"/>
-              <a:t>characterize any object of the </a:t>
-            </a:r>
-            <a:r>
-              <a:rPr lang="en-US" dirty="0" smtClean="0"/>
-              <a:t>class.</a:t>
+              <a:t>: A user-defined prototype for an object that defines a set of attributes &amp; methods that characterize any object of the class.</a:t>
             </a:r>
           </a:p>
           <a:p>
@@ -25646,7 +24182,7 @@
               </a:buBlip>
             </a:pPr>
             <a:r>
-              <a:rPr lang="en-US" dirty="0" smtClean="0">
+              <a:rPr lang="en-US" dirty="0">
                 <a:solidFill>
                   <a:srgbClr val="00B0F0"/>
                 </a:solidFill>
@@ -25654,12 +24190,8 @@
               <a:t>Object</a:t>
             </a:r>
             <a:r>
-              <a:rPr lang="en-US" dirty="0" smtClean="0"/>
-              <a:t>: A </a:t>
-            </a:r>
-            <a:r>
               <a:rPr lang="en-US" dirty="0"/>
-              <a:t>unique </a:t>
+              <a:t>: A unique </a:t>
             </a:r>
             <a:r>
               <a:rPr lang="en-US" i="1" dirty="0"/>
@@ -25675,11 +24207,7 @@
             </a:r>
             <a:r>
               <a:rPr lang="en-US" dirty="0"/>
-              <a:t>s </a:t>
-            </a:r>
-            <a:r>
-              <a:rPr lang="en-US" dirty="0" smtClean="0"/>
-              <a:t>and </a:t>
+              <a:t>s and </a:t>
             </a:r>
             <a:r>
               <a:rPr lang="en-US" i="1" dirty="0"/>
@@ -25687,11 +24215,7 @@
             </a:r>
             <a:r>
               <a:rPr lang="en-US" dirty="0"/>
-              <a:t>s</a:t>
-            </a:r>
-            <a:r>
-              <a:rPr lang="en-US" dirty="0" smtClean="0"/>
-              <a:t>.</a:t>
+              <a:t>s.</a:t>
             </a:r>
           </a:p>
           <a:p>
@@ -25709,12 +24233,8 @@
               <a:t>Data Member</a:t>
             </a:r>
             <a:r>
-              <a:rPr lang="en-US" dirty="0" smtClean="0"/>
-              <a:t>: </a:t>
-            </a:r>
-            <a:r>
               <a:rPr lang="en-US" dirty="0"/>
-              <a:t>A </a:t>
+              <a:t>: A </a:t>
             </a:r>
             <a:r>
               <a:rPr lang="en-US" i="1" dirty="0"/>
@@ -25732,7 +24252,6 @@
               <a:rPr lang="en-US" dirty="0"/>
               <a:t>that holds data associated with a class and its objects.</a:t>
             </a:r>
-            <a:endParaRPr lang="en-US" dirty="0" smtClean="0"/>
           </a:p>
           <a:p>
             <a:pPr marL="457200" indent="-457200">
@@ -25741,7 +24260,7 @@
               </a:buBlip>
             </a:pPr>
             <a:r>
-              <a:rPr lang="en-US" dirty="0" smtClean="0">
+              <a:rPr lang="en-US" dirty="0">
                 <a:solidFill>
                   <a:srgbClr val="00B0F0"/>
                 </a:solidFill>
@@ -25749,32 +24268,16 @@
               <a:t>Class Variable</a:t>
             </a:r>
             <a:r>
-              <a:rPr lang="en-US" dirty="0" smtClean="0"/>
-              <a:t>: A </a:t>
-            </a:r>
-            <a:r>
               <a:rPr lang="en-US" dirty="0"/>
-              <a:t>variable that is shared by all </a:t>
-            </a:r>
-            <a:r>
-              <a:rPr lang="en-US" dirty="0" smtClean="0"/>
-              <a:t>instances (</a:t>
-            </a:r>
-            <a:r>
-              <a:rPr lang="en-US" i="1" dirty="0" smtClean="0"/>
+              <a:t>: A variable that is shared by all instances (</a:t>
+            </a:r>
+            <a:r>
+              <a:rPr lang="en-US" i="1" dirty="0"/>
               <a:t>object</a:t>
             </a:r>
             <a:r>
-              <a:rPr lang="en-US" dirty="0" smtClean="0"/>
-              <a:t>) </a:t>
-            </a:r>
-            <a:r>
               <a:rPr lang="en-US" dirty="0"/>
-              <a:t>of a </a:t>
-            </a:r>
-            <a:r>
-              <a:rPr lang="en-US" dirty="0" smtClean="0"/>
-              <a:t>class.</a:t>
+              <a:t>) of a class.</a:t>
             </a:r>
           </a:p>
           <a:p>
@@ -25784,7 +24287,7 @@
               </a:buBlip>
             </a:pPr>
             <a:r>
-              <a:rPr lang="en-US" dirty="0" smtClean="0">
+              <a:rPr lang="en-US" dirty="0">
                 <a:solidFill>
                   <a:srgbClr val="00B0F0"/>
                 </a:solidFill>
@@ -25792,12 +24295,8 @@
               <a:t>Instance Variable</a:t>
             </a:r>
             <a:r>
-              <a:rPr lang="en-US" dirty="0" smtClean="0"/>
-              <a:t>: </a:t>
-            </a:r>
-            <a:r>
               <a:rPr lang="en-US" dirty="0"/>
-              <a:t>A variable that is defined inside a </a:t>
+              <a:t>: A variable that is defined inside a </a:t>
             </a:r>
             <a:r>
               <a:rPr lang="en-US" i="1" dirty="0"/>
@@ -25805,27 +24304,15 @@
             </a:r>
             <a:r>
               <a:rPr lang="en-US" dirty="0"/>
-              <a:t> and belongs only to the current </a:t>
-            </a:r>
-            <a:r>
-              <a:rPr lang="en-US" dirty="0" smtClean="0"/>
-              <a:t>instance (</a:t>
-            </a:r>
-            <a:r>
-              <a:rPr lang="en-US" i="1" dirty="0" smtClean="0"/>
+              <a:t> and belongs only to the current instance (</a:t>
+            </a:r>
+            <a:r>
+              <a:rPr lang="en-US" i="1" dirty="0"/>
               <a:t>object</a:t>
             </a:r>
             <a:r>
-              <a:rPr lang="en-US" dirty="0" smtClean="0"/>
-              <a:t>) </a:t>
-            </a:r>
-            <a:r>
               <a:rPr lang="en-US" dirty="0"/>
-              <a:t>of a </a:t>
-            </a:r>
-            <a:r>
-              <a:rPr lang="en-US" dirty="0" smtClean="0"/>
-              <a:t>class.	</a:t>
+              <a:t>) of a class.	</a:t>
             </a:r>
           </a:p>
           <a:p>
@@ -25835,7 +24322,7 @@
               </a:buBlip>
             </a:pPr>
             <a:r>
-              <a:rPr lang="en-US" dirty="0" smtClean="0">
+              <a:rPr lang="en-US" dirty="0">
                 <a:solidFill>
                   <a:srgbClr val="00B0F0"/>
                 </a:solidFill>
@@ -25843,12 +24330,12 @@
               <a:t>Method</a:t>
             </a:r>
             <a:r>
-              <a:rPr lang="en-US" dirty="0" smtClean="0"/>
+              <a:rPr lang="en-US" dirty="0"/>
               <a:t>: A function that is defined in a class.</a:t>
             </a:r>
           </a:p>
           <a:p>
-            <a:endParaRPr lang="en-US" sz="2400" dirty="0" smtClean="0"/>
+            <a:endParaRPr lang="en-US" sz="2400" dirty="0"/>
           </a:p>
         </p:txBody>
       </p:sp>
@@ -25869,13 +24356,8 @@
           <a:p>
             <a:r>
               <a:rPr lang="en-US" dirty="0"/>
-              <a:t>Overview of OOP in </a:t>
-            </a:r>
-            <a:r>
-              <a:rPr lang="en-US" dirty="0" smtClean="0"/>
-              <a:t>Python</a:t>
-            </a:r>
-            <a:endParaRPr lang="en-US" dirty="0"/>
+              <a:t>Overview of OOP in Python</a:t>
+            </a:r>
           </a:p>
         </p:txBody>
       </p:sp>
@@ -25904,13 +24386,6 @@
       </p:transition>
     </mc:Fallback>
   </mc:AlternateContent>
-  <p:timing>
-    <p:tnLst>
-      <p:par>
-        <p:cTn id="1" dur="indefinite" restart="never" nodeType="tmRoot"/>
-      </p:par>
-    </p:tnLst>
-  </p:timing>
 </p:sld>
 </file>
 
